--- a/lecture/code/HW8b2_design_template.pptx
+++ b/lecture/code/HW8b2_design_template.pptx
@@ -2,14 +2,14 @@
 <file path=ppt/presentation.xml><?xml version="1.0" encoding="utf-8"?>
 <p:presentation xmlns:a="http://schemas.openxmlformats.org/drawingml/2006/main" xmlns:r="http://schemas.openxmlformats.org/officeDocument/2006/relationships" xmlns:p="http://schemas.openxmlformats.org/presentationml/2006/main" saveSubsetFonts="1">
   <p:sldMasterIdLst>
-    <p:sldMasterId id="2147483648" r:id="rId1"/>
+    <p:sldMasterId id="2147483648" r:id="rId4"/>
   </p:sldMasterIdLst>
   <p:notesMasterIdLst>
-    <p:notesMasterId r:id="rId4"/>
+    <p:notesMasterId r:id="rId7"/>
   </p:notesMasterIdLst>
   <p:sldIdLst>
-    <p:sldId id="256" r:id="rId2"/>
-    <p:sldId id="257" r:id="rId3"/>
+    <p:sldId id="256" r:id="rId5"/>
+    <p:sldId id="257" r:id="rId6"/>
   </p:sldIdLst>
   <p:sldSz cx="15544800" cy="9144000"/>
   <p:notesSz cx="6858000" cy="9144000"/>
@@ -127,6 +127,14 @@
 </p:presentation>
 </file>
 
+<file path=ppt/revisionInfo.xml><?xml version="1.0" encoding="utf-8"?>
+<p1510:revInfo xmlns:a="http://schemas.openxmlformats.org/drawingml/2006/main" xmlns:r="http://schemas.openxmlformats.org/officeDocument/2006/relationships" xmlns:p1510="http://schemas.microsoft.com/office/powerpoint/2015/10/main">
+  <p1510:revLst>
+    <p1510:client id="{6F02EB0E-8B2C-46BA-8D6B-1532F1C3D91C}" v="5" dt="2024-02-09T15:45:10.173"/>
+  </p1510:revLst>
+</p1510:revInfo>
+</file>
+
 <file path=ppt/notesMasters/notesMaster1.xml><?xml version="1.0" encoding="utf-8"?>
 <p:notesMaster xmlns:a="http://schemas.openxmlformats.org/drawingml/2006/main" xmlns:r="http://schemas.openxmlformats.org/officeDocument/2006/relationships" xmlns:p="http://schemas.openxmlformats.org/presentationml/2006/main">
   <p:cSld>
@@ -209,7 +217,7 @@
           <a:p>
             <a:fld id="{8B47B975-F7F5-41C4-B0AA-01A9609FE2C9}" type="datetimeFigureOut">
               <a:rPr lang="en-US" smtClean="0"/>
-              <a:t>2/9/2021</a:t>
+              <a:t>2/9/2024</a:t>
             </a:fld>
             <a:endParaRPr lang="en-US"/>
           </a:p>
@@ -273,38 +281,37 @@
           <a:p>
             <a:pPr lvl="0"/>
             <a:r>
-              <a:rPr lang="en-US" smtClean="0"/>
+              <a:rPr lang="en-US"/>
               <a:t>Click to edit Master text styles</a:t>
             </a:r>
           </a:p>
           <a:p>
             <a:pPr lvl="1"/>
             <a:r>
-              <a:rPr lang="en-US" smtClean="0"/>
+              <a:rPr lang="en-US"/>
               <a:t>Second level</a:t>
             </a:r>
           </a:p>
           <a:p>
             <a:pPr lvl="2"/>
             <a:r>
-              <a:rPr lang="en-US" smtClean="0"/>
+              <a:rPr lang="en-US"/>
               <a:t>Third level</a:t>
             </a:r>
           </a:p>
           <a:p>
             <a:pPr lvl="3"/>
             <a:r>
-              <a:rPr lang="en-US" smtClean="0"/>
+              <a:rPr lang="en-US"/>
               <a:t>Fourth level</a:t>
             </a:r>
           </a:p>
           <a:p>
             <a:pPr lvl="4"/>
             <a:r>
-              <a:rPr lang="en-US" smtClean="0"/>
+              <a:rPr lang="en-US"/>
               <a:t>Fifth level</a:t>
             </a:r>
-            <a:endParaRPr lang="en-US"/>
           </a:p>
         </p:txBody>
       </p:sp>
@@ -604,10 +611,9 @@
           <a:lstStyle/>
           <a:p>
             <a:r>
-              <a:rPr lang="en-US" smtClean="0"/>
+              <a:rPr lang="en-US"/>
               <a:t>Click to edit Master title style</a:t>
             </a:r>
-            <a:endParaRPr lang="en-US"/>
           </a:p>
         </p:txBody>
       </p:sp>
@@ -723,10 +729,9 @@
           </a:lstStyle>
           <a:p>
             <a:r>
-              <a:rPr lang="en-US" smtClean="0"/>
+              <a:rPr lang="en-US"/>
               <a:t>Click to edit Master subtitle style</a:t>
             </a:r>
-            <a:endParaRPr lang="en-US"/>
           </a:p>
         </p:txBody>
       </p:sp>
@@ -747,7 +752,7 @@
           <a:p>
             <a:fld id="{46DCA0FF-229E-4D12-A81A-65A0BDBA6233}" type="datetimeFigureOut">
               <a:rPr lang="en-US" smtClean="0"/>
-              <a:t>2/9/2021</a:t>
+              <a:t>2/9/2024</a:t>
             </a:fld>
             <a:endParaRPr lang="en-US"/>
           </a:p>
@@ -841,10 +846,9 @@
           <a:lstStyle/>
           <a:p>
             <a:r>
-              <a:rPr lang="en-US" smtClean="0"/>
+              <a:rPr lang="en-US"/>
               <a:t>Click to edit Master title style</a:t>
             </a:r>
-            <a:endParaRPr lang="en-US"/>
           </a:p>
         </p:txBody>
       </p:sp>
@@ -865,38 +869,37 @@
           <a:p>
             <a:pPr lvl="0"/>
             <a:r>
-              <a:rPr lang="en-US" smtClean="0"/>
+              <a:rPr lang="en-US"/>
               <a:t>Click to edit Master text styles</a:t>
             </a:r>
           </a:p>
           <a:p>
             <a:pPr lvl="1"/>
             <a:r>
-              <a:rPr lang="en-US" smtClean="0"/>
+              <a:rPr lang="en-US"/>
               <a:t>Second level</a:t>
             </a:r>
           </a:p>
           <a:p>
             <a:pPr lvl="2"/>
             <a:r>
-              <a:rPr lang="en-US" smtClean="0"/>
+              <a:rPr lang="en-US"/>
               <a:t>Third level</a:t>
             </a:r>
           </a:p>
           <a:p>
             <a:pPr lvl="3"/>
             <a:r>
-              <a:rPr lang="en-US" smtClean="0"/>
+              <a:rPr lang="en-US"/>
               <a:t>Fourth level</a:t>
             </a:r>
           </a:p>
           <a:p>
             <a:pPr lvl="4"/>
             <a:r>
-              <a:rPr lang="en-US" smtClean="0"/>
+              <a:rPr lang="en-US"/>
               <a:t>Fifth level</a:t>
             </a:r>
-            <a:endParaRPr lang="en-US"/>
           </a:p>
         </p:txBody>
       </p:sp>
@@ -917,7 +920,7 @@
           <a:p>
             <a:fld id="{46DCA0FF-229E-4D12-A81A-65A0BDBA6233}" type="datetimeFigureOut">
               <a:rPr lang="en-US" smtClean="0"/>
-              <a:t>2/9/2021</a:t>
+              <a:t>2/9/2024</a:t>
             </a:fld>
             <a:endParaRPr lang="en-US"/>
           </a:p>
@@ -1016,10 +1019,9 @@
           <a:lstStyle/>
           <a:p>
             <a:r>
-              <a:rPr lang="en-US" smtClean="0"/>
+              <a:rPr lang="en-US"/>
               <a:t>Click to edit Master title style</a:t>
             </a:r>
-            <a:endParaRPr lang="en-US"/>
           </a:p>
         </p:txBody>
       </p:sp>
@@ -1045,38 +1047,37 @@
           <a:p>
             <a:pPr lvl="0"/>
             <a:r>
-              <a:rPr lang="en-US" smtClean="0"/>
+              <a:rPr lang="en-US"/>
               <a:t>Click to edit Master text styles</a:t>
             </a:r>
           </a:p>
           <a:p>
             <a:pPr lvl="1"/>
             <a:r>
-              <a:rPr lang="en-US" smtClean="0"/>
+              <a:rPr lang="en-US"/>
               <a:t>Second level</a:t>
             </a:r>
           </a:p>
           <a:p>
             <a:pPr lvl="2"/>
             <a:r>
-              <a:rPr lang="en-US" smtClean="0"/>
+              <a:rPr lang="en-US"/>
               <a:t>Third level</a:t>
             </a:r>
           </a:p>
           <a:p>
             <a:pPr lvl="3"/>
             <a:r>
-              <a:rPr lang="en-US" smtClean="0"/>
+              <a:rPr lang="en-US"/>
               <a:t>Fourth level</a:t>
             </a:r>
           </a:p>
           <a:p>
             <a:pPr lvl="4"/>
             <a:r>
-              <a:rPr lang="en-US" smtClean="0"/>
+              <a:rPr lang="en-US"/>
               <a:t>Fifth level</a:t>
             </a:r>
-            <a:endParaRPr lang="en-US"/>
           </a:p>
         </p:txBody>
       </p:sp>
@@ -1097,7 +1098,7 @@
           <a:p>
             <a:fld id="{46DCA0FF-229E-4D12-A81A-65A0BDBA6233}" type="datetimeFigureOut">
               <a:rPr lang="en-US" smtClean="0"/>
-              <a:t>2/9/2021</a:t>
+              <a:t>2/9/2024</a:t>
             </a:fld>
             <a:endParaRPr lang="en-US"/>
           </a:p>
@@ -1191,10 +1192,9 @@
           <a:lstStyle/>
           <a:p>
             <a:r>
-              <a:rPr lang="en-US" smtClean="0"/>
+              <a:rPr lang="en-US"/>
               <a:t>Click to edit Master title style</a:t>
             </a:r>
-            <a:endParaRPr lang="en-US"/>
           </a:p>
         </p:txBody>
       </p:sp>
@@ -1215,38 +1215,37 @@
           <a:p>
             <a:pPr lvl="0"/>
             <a:r>
-              <a:rPr lang="en-US" smtClean="0"/>
+              <a:rPr lang="en-US"/>
               <a:t>Click to edit Master text styles</a:t>
             </a:r>
           </a:p>
           <a:p>
             <a:pPr lvl="1"/>
             <a:r>
-              <a:rPr lang="en-US" smtClean="0"/>
+              <a:rPr lang="en-US"/>
               <a:t>Second level</a:t>
             </a:r>
           </a:p>
           <a:p>
             <a:pPr lvl="2"/>
             <a:r>
-              <a:rPr lang="en-US" smtClean="0"/>
+              <a:rPr lang="en-US"/>
               <a:t>Third level</a:t>
             </a:r>
           </a:p>
           <a:p>
             <a:pPr lvl="3"/>
             <a:r>
-              <a:rPr lang="en-US" smtClean="0"/>
+              <a:rPr lang="en-US"/>
               <a:t>Fourth level</a:t>
             </a:r>
           </a:p>
           <a:p>
             <a:pPr lvl="4"/>
             <a:r>
-              <a:rPr lang="en-US" smtClean="0"/>
+              <a:rPr lang="en-US"/>
               <a:t>Fifth level</a:t>
             </a:r>
-            <a:endParaRPr lang="en-US"/>
           </a:p>
         </p:txBody>
       </p:sp>
@@ -1267,7 +1266,7 @@
           <a:p>
             <a:fld id="{46DCA0FF-229E-4D12-A81A-65A0BDBA6233}" type="datetimeFigureOut">
               <a:rPr lang="en-US" smtClean="0"/>
-              <a:t>2/9/2021</a:t>
+              <a:t>2/9/2024</a:t>
             </a:fld>
             <a:endParaRPr lang="en-US"/>
           </a:p>
@@ -1370,10 +1369,9 @@
           </a:lstStyle>
           <a:p>
             <a:r>
-              <a:rPr lang="en-US" smtClean="0"/>
+              <a:rPr lang="en-US"/>
               <a:t>Click to edit Master title style</a:t>
             </a:r>
-            <a:endParaRPr lang="en-US"/>
           </a:p>
         </p:txBody>
       </p:sp>
@@ -1490,7 +1488,7 @@
           <a:p>
             <a:pPr lvl="0"/>
             <a:r>
-              <a:rPr lang="en-US" smtClean="0"/>
+              <a:rPr lang="en-US"/>
               <a:t>Click to edit Master text styles</a:t>
             </a:r>
           </a:p>
@@ -1513,7 +1511,7 @@
           <a:p>
             <a:fld id="{46DCA0FF-229E-4D12-A81A-65A0BDBA6233}" type="datetimeFigureOut">
               <a:rPr lang="en-US" smtClean="0"/>
-              <a:t>2/9/2021</a:t>
+              <a:t>2/9/2024</a:t>
             </a:fld>
             <a:endParaRPr lang="en-US"/>
           </a:p>
@@ -1607,10 +1605,9 @@
           <a:lstStyle/>
           <a:p>
             <a:r>
-              <a:rPr lang="en-US" smtClean="0"/>
+              <a:rPr lang="en-US"/>
               <a:t>Click to edit Master title style</a:t>
             </a:r>
-            <a:endParaRPr lang="en-US"/>
           </a:p>
         </p:txBody>
       </p:sp>
@@ -1664,38 +1661,37 @@
           <a:p>
             <a:pPr lvl="0"/>
             <a:r>
-              <a:rPr lang="en-US" smtClean="0"/>
+              <a:rPr lang="en-US"/>
               <a:t>Click to edit Master text styles</a:t>
             </a:r>
           </a:p>
           <a:p>
             <a:pPr lvl="1"/>
             <a:r>
-              <a:rPr lang="en-US" smtClean="0"/>
+              <a:rPr lang="en-US"/>
               <a:t>Second level</a:t>
             </a:r>
           </a:p>
           <a:p>
             <a:pPr lvl="2"/>
             <a:r>
-              <a:rPr lang="en-US" smtClean="0"/>
+              <a:rPr lang="en-US"/>
               <a:t>Third level</a:t>
             </a:r>
           </a:p>
           <a:p>
             <a:pPr lvl="3"/>
             <a:r>
-              <a:rPr lang="en-US" smtClean="0"/>
+              <a:rPr lang="en-US"/>
               <a:t>Fourth level</a:t>
             </a:r>
           </a:p>
           <a:p>
             <a:pPr lvl="4"/>
             <a:r>
-              <a:rPr lang="en-US" smtClean="0"/>
+              <a:rPr lang="en-US"/>
               <a:t>Fifth level</a:t>
             </a:r>
-            <a:endParaRPr lang="en-US"/>
           </a:p>
         </p:txBody>
       </p:sp>
@@ -1749,38 +1745,37 @@
           <a:p>
             <a:pPr lvl="0"/>
             <a:r>
-              <a:rPr lang="en-US" smtClean="0"/>
+              <a:rPr lang="en-US"/>
               <a:t>Click to edit Master text styles</a:t>
             </a:r>
           </a:p>
           <a:p>
             <a:pPr lvl="1"/>
             <a:r>
-              <a:rPr lang="en-US" smtClean="0"/>
+              <a:rPr lang="en-US"/>
               <a:t>Second level</a:t>
             </a:r>
           </a:p>
           <a:p>
             <a:pPr lvl="2"/>
             <a:r>
-              <a:rPr lang="en-US" smtClean="0"/>
+              <a:rPr lang="en-US"/>
               <a:t>Third level</a:t>
             </a:r>
           </a:p>
           <a:p>
             <a:pPr lvl="3"/>
             <a:r>
-              <a:rPr lang="en-US" smtClean="0"/>
+              <a:rPr lang="en-US"/>
               <a:t>Fourth level</a:t>
             </a:r>
           </a:p>
           <a:p>
             <a:pPr lvl="4"/>
             <a:r>
-              <a:rPr lang="en-US" smtClean="0"/>
+              <a:rPr lang="en-US"/>
               <a:t>Fifth level</a:t>
             </a:r>
-            <a:endParaRPr lang="en-US"/>
           </a:p>
         </p:txBody>
       </p:sp>
@@ -1801,7 +1796,7 @@
           <a:p>
             <a:fld id="{46DCA0FF-229E-4D12-A81A-65A0BDBA6233}" type="datetimeFigureOut">
               <a:rPr lang="en-US" smtClean="0"/>
-              <a:t>2/9/2021</a:t>
+              <a:t>2/9/2024</a:t>
             </a:fld>
             <a:endParaRPr lang="en-US"/>
           </a:p>
@@ -1899,10 +1894,9 @@
           </a:lstStyle>
           <a:p>
             <a:r>
-              <a:rPr lang="en-US" smtClean="0"/>
+              <a:rPr lang="en-US"/>
               <a:t>Click to edit Master title style</a:t>
             </a:r>
-            <a:endParaRPr lang="en-US"/>
           </a:p>
         </p:txBody>
       </p:sp>
@@ -1965,7 +1959,7 @@
           <a:p>
             <a:pPr lvl="0"/>
             <a:r>
-              <a:rPr lang="en-US" smtClean="0"/>
+              <a:rPr lang="en-US"/>
               <a:t>Click to edit Master text styles</a:t>
             </a:r>
           </a:p>
@@ -2021,38 +2015,37 @@
           <a:p>
             <a:pPr lvl="0"/>
             <a:r>
-              <a:rPr lang="en-US" smtClean="0"/>
+              <a:rPr lang="en-US"/>
               <a:t>Click to edit Master text styles</a:t>
             </a:r>
           </a:p>
           <a:p>
             <a:pPr lvl="1"/>
             <a:r>
-              <a:rPr lang="en-US" smtClean="0"/>
+              <a:rPr lang="en-US"/>
               <a:t>Second level</a:t>
             </a:r>
           </a:p>
           <a:p>
             <a:pPr lvl="2"/>
             <a:r>
-              <a:rPr lang="en-US" smtClean="0"/>
+              <a:rPr lang="en-US"/>
               <a:t>Third level</a:t>
             </a:r>
           </a:p>
           <a:p>
             <a:pPr lvl="3"/>
             <a:r>
-              <a:rPr lang="en-US" smtClean="0"/>
+              <a:rPr lang="en-US"/>
               <a:t>Fourth level</a:t>
             </a:r>
           </a:p>
           <a:p>
             <a:pPr lvl="4"/>
             <a:r>
-              <a:rPr lang="en-US" smtClean="0"/>
+              <a:rPr lang="en-US"/>
               <a:t>Fifth level</a:t>
             </a:r>
-            <a:endParaRPr lang="en-US"/>
           </a:p>
         </p:txBody>
       </p:sp>
@@ -2115,7 +2108,7 @@
           <a:p>
             <a:pPr lvl="0"/>
             <a:r>
-              <a:rPr lang="en-US" smtClean="0"/>
+              <a:rPr lang="en-US"/>
               <a:t>Click to edit Master text styles</a:t>
             </a:r>
           </a:p>
@@ -2171,38 +2164,37 @@
           <a:p>
             <a:pPr lvl="0"/>
             <a:r>
-              <a:rPr lang="en-US" smtClean="0"/>
+              <a:rPr lang="en-US"/>
               <a:t>Click to edit Master text styles</a:t>
             </a:r>
           </a:p>
           <a:p>
             <a:pPr lvl="1"/>
             <a:r>
-              <a:rPr lang="en-US" smtClean="0"/>
+              <a:rPr lang="en-US"/>
               <a:t>Second level</a:t>
             </a:r>
           </a:p>
           <a:p>
             <a:pPr lvl="2"/>
             <a:r>
-              <a:rPr lang="en-US" smtClean="0"/>
+              <a:rPr lang="en-US"/>
               <a:t>Third level</a:t>
             </a:r>
           </a:p>
           <a:p>
             <a:pPr lvl="3"/>
             <a:r>
-              <a:rPr lang="en-US" smtClean="0"/>
+              <a:rPr lang="en-US"/>
               <a:t>Fourth level</a:t>
             </a:r>
           </a:p>
           <a:p>
             <a:pPr lvl="4"/>
             <a:r>
-              <a:rPr lang="en-US" smtClean="0"/>
+              <a:rPr lang="en-US"/>
               <a:t>Fifth level</a:t>
             </a:r>
-            <a:endParaRPr lang="en-US"/>
           </a:p>
         </p:txBody>
       </p:sp>
@@ -2223,7 +2215,7 @@
           <a:p>
             <a:fld id="{46DCA0FF-229E-4D12-A81A-65A0BDBA6233}" type="datetimeFigureOut">
               <a:rPr lang="en-US" smtClean="0"/>
-              <a:t>2/9/2021</a:t>
+              <a:t>2/9/2024</a:t>
             </a:fld>
             <a:endParaRPr lang="en-US"/>
           </a:p>
@@ -2317,10 +2309,9 @@
           <a:lstStyle/>
           <a:p>
             <a:r>
-              <a:rPr lang="en-US" smtClean="0"/>
+              <a:rPr lang="en-US"/>
               <a:t>Click to edit Master title style</a:t>
             </a:r>
-            <a:endParaRPr lang="en-US"/>
           </a:p>
         </p:txBody>
       </p:sp>
@@ -2341,7 +2332,7 @@
           <a:p>
             <a:fld id="{46DCA0FF-229E-4D12-A81A-65A0BDBA6233}" type="datetimeFigureOut">
               <a:rPr lang="en-US" smtClean="0"/>
-              <a:t>2/9/2021</a:t>
+              <a:t>2/9/2024</a:t>
             </a:fld>
             <a:endParaRPr lang="en-US"/>
           </a:p>
@@ -2436,7 +2427,7 @@
           <a:p>
             <a:fld id="{46DCA0FF-229E-4D12-A81A-65A0BDBA6233}" type="datetimeFigureOut">
               <a:rPr lang="en-US" smtClean="0"/>
-              <a:t>2/9/2021</a:t>
+              <a:t>2/9/2024</a:t>
             </a:fld>
             <a:endParaRPr lang="en-US"/>
           </a:p>
@@ -2539,10 +2530,9 @@
           </a:lstStyle>
           <a:p>
             <a:r>
-              <a:rPr lang="en-US" smtClean="0"/>
+              <a:rPr lang="en-US"/>
               <a:t>Click to edit Master title style</a:t>
             </a:r>
-            <a:endParaRPr lang="en-US"/>
           </a:p>
         </p:txBody>
       </p:sp>
@@ -2596,38 +2586,37 @@
           <a:p>
             <a:pPr lvl="0"/>
             <a:r>
-              <a:rPr lang="en-US" smtClean="0"/>
+              <a:rPr lang="en-US"/>
               <a:t>Click to edit Master text styles</a:t>
             </a:r>
           </a:p>
           <a:p>
             <a:pPr lvl="1"/>
             <a:r>
-              <a:rPr lang="en-US" smtClean="0"/>
+              <a:rPr lang="en-US"/>
               <a:t>Second level</a:t>
             </a:r>
           </a:p>
           <a:p>
             <a:pPr lvl="2"/>
             <a:r>
-              <a:rPr lang="en-US" smtClean="0"/>
+              <a:rPr lang="en-US"/>
               <a:t>Third level</a:t>
             </a:r>
           </a:p>
           <a:p>
             <a:pPr lvl="3"/>
             <a:r>
-              <a:rPr lang="en-US" smtClean="0"/>
+              <a:rPr lang="en-US"/>
               <a:t>Fourth level</a:t>
             </a:r>
           </a:p>
           <a:p>
             <a:pPr lvl="4"/>
             <a:r>
-              <a:rPr lang="en-US" smtClean="0"/>
+              <a:rPr lang="en-US"/>
               <a:t>Fifth level</a:t>
             </a:r>
-            <a:endParaRPr lang="en-US"/>
           </a:p>
         </p:txBody>
       </p:sp>
@@ -2690,7 +2679,7 @@
           <a:p>
             <a:pPr lvl="0"/>
             <a:r>
-              <a:rPr lang="en-US" smtClean="0"/>
+              <a:rPr lang="en-US"/>
               <a:t>Click to edit Master text styles</a:t>
             </a:r>
           </a:p>
@@ -2713,7 +2702,7 @@
           <a:p>
             <a:fld id="{46DCA0FF-229E-4D12-A81A-65A0BDBA6233}" type="datetimeFigureOut">
               <a:rPr lang="en-US" smtClean="0"/>
-              <a:t>2/9/2021</a:t>
+              <a:t>2/9/2024</a:t>
             </a:fld>
             <a:endParaRPr lang="en-US"/>
           </a:p>
@@ -2816,10 +2805,9 @@
           </a:lstStyle>
           <a:p>
             <a:r>
-              <a:rPr lang="en-US" smtClean="0"/>
+              <a:rPr lang="en-US"/>
               <a:t>Click to edit Master title style</a:t>
             </a:r>
-            <a:endParaRPr lang="en-US"/>
           </a:p>
         </p:txBody>
       </p:sp>
@@ -2943,7 +2931,7 @@
           <a:p>
             <a:pPr lvl="0"/>
             <a:r>
-              <a:rPr lang="en-US" smtClean="0"/>
+              <a:rPr lang="en-US"/>
               <a:t>Click to edit Master text styles</a:t>
             </a:r>
           </a:p>
@@ -2966,7 +2954,7 @@
           <a:p>
             <a:fld id="{46DCA0FF-229E-4D12-A81A-65A0BDBA6233}" type="datetimeFigureOut">
               <a:rPr lang="en-US" smtClean="0"/>
-              <a:t>2/9/2021</a:t>
+              <a:t>2/9/2024</a:t>
             </a:fld>
             <a:endParaRPr lang="en-US"/>
           </a:p>
@@ -3075,10 +3063,9 @@
           <a:lstStyle/>
           <a:p>
             <a:r>
-              <a:rPr lang="en-US" smtClean="0"/>
+              <a:rPr lang="en-US"/>
               <a:t>Click to edit Master title style</a:t>
             </a:r>
-            <a:endParaRPr lang="en-US"/>
           </a:p>
         </p:txBody>
       </p:sp>
@@ -3109,38 +3096,37 @@
           <a:p>
             <a:pPr lvl="0"/>
             <a:r>
-              <a:rPr lang="en-US" smtClean="0"/>
+              <a:rPr lang="en-US"/>
               <a:t>Click to edit Master text styles</a:t>
             </a:r>
           </a:p>
           <a:p>
             <a:pPr lvl="1"/>
             <a:r>
-              <a:rPr lang="en-US" smtClean="0"/>
+              <a:rPr lang="en-US"/>
               <a:t>Second level</a:t>
             </a:r>
           </a:p>
           <a:p>
             <a:pPr lvl="2"/>
             <a:r>
-              <a:rPr lang="en-US" smtClean="0"/>
+              <a:rPr lang="en-US"/>
               <a:t>Third level</a:t>
             </a:r>
           </a:p>
           <a:p>
             <a:pPr lvl="3"/>
             <a:r>
-              <a:rPr lang="en-US" smtClean="0"/>
+              <a:rPr lang="en-US"/>
               <a:t>Fourth level</a:t>
             </a:r>
           </a:p>
           <a:p>
             <a:pPr lvl="4"/>
             <a:r>
-              <a:rPr lang="en-US" smtClean="0"/>
+              <a:rPr lang="en-US"/>
               <a:t>Fifth level</a:t>
             </a:r>
-            <a:endParaRPr lang="en-US"/>
           </a:p>
         </p:txBody>
       </p:sp>
@@ -3179,7 +3165,7 @@
           <a:p>
             <a:fld id="{46DCA0FF-229E-4D12-A81A-65A0BDBA6233}" type="datetimeFigureOut">
               <a:rPr lang="en-US" smtClean="0"/>
-              <a:t>2/9/2021</a:t>
+              <a:t>2/9/2024</a:t>
             </a:fld>
             <a:endParaRPr lang="en-US"/>
           </a:p>
@@ -3626,7 +3612,7 @@
           <a:p>
             <a:pPr algn="ctr"/>
             <a:r>
-              <a:rPr lang="en-US" sz="1800" b="1" smtClean="0"/>
+              <a:rPr lang="en-US" sz="1800" b="1"/>
               <a:t>Counter </a:t>
             </a:r>
             <a:endParaRPr lang="en-US" sz="4400" b="1" dirty="0"/>
@@ -3692,7 +3678,7 @@
           <a:lstStyle/>
           <a:p>
             <a:r>
-              <a:rPr lang="en-US" sz="1800" dirty="0" err="1" smtClean="0"/>
+              <a:rPr lang="en-US" sz="1800" dirty="0" err="1"/>
               <a:t>cw</a:t>
             </a:r>
             <a:endParaRPr lang="en-US" sz="1800" dirty="0"/>
@@ -3796,10 +3782,9 @@
           <a:lstStyle/>
           <a:p>
             <a:r>
-              <a:rPr lang="en-US" sz="1800" dirty="0" smtClean="0"/>
+              <a:rPr lang="en-US" sz="1800" dirty="0"/>
               <a:t>10</a:t>
             </a:r>
-            <a:endParaRPr lang="en-US" sz="1800" dirty="0"/>
           </a:p>
         </p:txBody>
       </p:sp>
@@ -3862,10 +3847,9 @@
           <a:p>
             <a:pPr algn="r"/>
             <a:r>
-              <a:rPr lang="en-US" sz="1800" dirty="0" smtClean="0"/>
+              <a:rPr lang="en-US" sz="1800" dirty="0"/>
               <a:t>10</a:t>
             </a:r>
-            <a:endParaRPr lang="en-US" sz="1800" dirty="0"/>
           </a:p>
         </p:txBody>
       </p:sp>
@@ -3927,23 +3911,24 @@
           <a:lstStyle/>
           <a:p>
             <a:r>
-              <a:rPr lang="en-US" sz="1800" dirty="0" smtClean="0"/>
-              <a:t>1024</a:t>
-            </a:r>
-            <a:endParaRPr lang="en-US" sz="1800" dirty="0"/>
+              <a:rPr lang="en-US" sz="1800" dirty="0"/>
+              <a:t>1023</a:t>
+            </a:r>
           </a:p>
         </p:txBody>
       </p:sp>
       <p:cxnSp>
         <p:nvCxnSpPr>
           <p:cNvPr id="236" name="Straight Connector 235"/>
-          <p:cNvCxnSpPr/>
+          <p:cNvCxnSpPr>
+            <a:cxnSpLocks/>
+          </p:cNvCxnSpPr>
           <p:nvPr/>
         </p:nvCxnSpPr>
         <p:spPr>
           <a:xfrm flipH="1" flipV="1">
-            <a:off x="9975838" y="2966515"/>
-            <a:ext cx="837852" cy="15611"/>
+            <a:off x="11036472" y="6180873"/>
+            <a:ext cx="386240" cy="19580"/>
           </a:xfrm>
           <a:prstGeom prst="line">
             <a:avLst/>
@@ -3972,14 +3957,14 @@
       </p:cxnSp>
       <p:sp>
         <p:nvSpPr>
-          <p:cNvPr id="237" name="TextBox 236"/>
+          <p:cNvPr id="240" name="TextBox 239"/>
           <p:cNvSpPr txBox="1"/>
           <p:nvPr/>
         </p:nvSpPr>
         <p:spPr>
           <a:xfrm>
-            <a:off x="8804688" y="5069580"/>
-            <a:ext cx="809896" cy="369332"/>
+            <a:off x="9565803" y="1009096"/>
+            <a:ext cx="911328" cy="369332"/>
           </a:xfrm>
           <a:prstGeom prst="rect">
             <a:avLst/>
@@ -3993,48 +3978,13 @@
           <a:lstStyle/>
           <a:p>
             <a:r>
-              <a:rPr lang="en-US" sz="1800" dirty="0" err="1" smtClean="0"/>
-              <a:t>sw</a:t>
-            </a:r>
-            <a:r>
-              <a:rPr lang="en-US" sz="1800" dirty="0" smtClean="0"/>
-              <a:t>(1)</a:t>
-            </a:r>
-            <a:endParaRPr lang="en-US" sz="1800" dirty="0"/>
-          </a:p>
-        </p:txBody>
-      </p:sp>
-      <p:sp>
-        <p:nvSpPr>
-          <p:cNvPr id="240" name="TextBox 239"/>
-          <p:cNvSpPr txBox="1"/>
-          <p:nvPr/>
-        </p:nvSpPr>
-        <p:spPr>
-          <a:xfrm>
-            <a:off x="9565803" y="1009096"/>
-            <a:ext cx="911328" cy="369332"/>
-          </a:xfrm>
-          <a:prstGeom prst="rect">
-            <a:avLst/>
-          </a:prstGeom>
-          <a:noFill/>
-        </p:spPr>
-        <p:txBody>
-          <a:bodyPr wrap="square" lIns="91440" tIns="45720" rIns="91440" bIns="45720" rtlCol="0">
-            <a:spAutoFit/>
-          </a:bodyPr>
-          <a:lstStyle/>
-          <a:p>
-            <a:r>
-              <a:rPr lang="en-US" sz="1800" dirty="0" err="1" smtClean="0"/>
+              <a:rPr lang="en-US" sz="1800" dirty="0" err="1"/>
               <a:t>cw</a:t>
             </a:r>
             <a:r>
-              <a:rPr lang="en-US" sz="1800" dirty="0" smtClean="0"/>
-              <a:t>(4:3)</a:t>
-            </a:r>
-            <a:endParaRPr lang="en-US" sz="1800" dirty="0"/>
+              <a:rPr lang="en-US" sz="1800" dirty="0"/>
+              <a:t>(1:0)</a:t>
+            </a:r>
           </a:p>
         </p:txBody>
       </p:sp>
@@ -4151,52 +4101,16 @@
           </a:fontRef>
         </p:style>
       </p:cxnSp>
-      <p:cxnSp>
-        <p:nvCxnSpPr>
-          <p:cNvPr id="262" name="Straight Connector 261"/>
-          <p:cNvCxnSpPr/>
-          <p:nvPr/>
-        </p:nvCxnSpPr>
-        <p:spPr>
-          <a:xfrm>
-            <a:off x="8841325" y="4148023"/>
-            <a:ext cx="955626" cy="8578"/>
-          </a:xfrm>
-          <a:prstGeom prst="line">
-            <a:avLst/>
-          </a:prstGeom>
-          <a:ln w="12700">
-            <a:solidFill>
-              <a:schemeClr val="tx1"/>
-            </a:solidFill>
-            <a:tailEnd type="triangle"/>
-          </a:ln>
-        </p:spPr>
-        <p:style>
-          <a:lnRef idx="1">
-            <a:schemeClr val="accent1"/>
-          </a:lnRef>
-          <a:fillRef idx="0">
-            <a:schemeClr val="accent1"/>
-          </a:fillRef>
-          <a:effectRef idx="0">
-            <a:schemeClr val="accent1"/>
-          </a:effectRef>
-          <a:fontRef idx="minor">
-            <a:schemeClr val="tx1"/>
-          </a:fontRef>
-        </p:style>
-      </p:cxnSp>
-      <p:sp>
-        <p:nvSpPr>
-          <p:cNvPr id="264" name="TextBox 263"/>
+      <p:sp>
+        <p:nvSpPr>
+          <p:cNvPr id="280" name="TextBox 279"/>
           <p:cNvSpPr txBox="1"/>
           <p:nvPr/>
         </p:nvSpPr>
         <p:spPr>
           <a:xfrm>
-            <a:off x="8943821" y="3821806"/>
-            <a:ext cx="759542" cy="369332"/>
+            <a:off x="10538610" y="1625377"/>
+            <a:ext cx="648858" cy="369332"/>
           </a:xfrm>
           <a:prstGeom prst="rect">
             <a:avLst/>
@@ -4209,82 +4123,10 @@
           </a:bodyPr>
           <a:lstStyle/>
           <a:p>
-            <a:pPr algn="r"/>
-            <a:r>
-              <a:rPr lang="en-US" sz="1800" dirty="0" err="1" smtClean="0"/>
-              <a:t>cw</a:t>
-            </a:r>
-            <a:r>
-              <a:rPr lang="en-US" sz="1800" dirty="0" smtClean="0"/>
-              <a:t>(0)</a:t>
-            </a:r>
-            <a:endParaRPr lang="en-US" sz="1800" dirty="0"/>
-          </a:p>
-        </p:txBody>
-      </p:sp>
-      <p:cxnSp>
-        <p:nvCxnSpPr>
-          <p:cNvPr id="279" name="Straight Connector 278"/>
-          <p:cNvCxnSpPr/>
-          <p:nvPr/>
-        </p:nvCxnSpPr>
-        <p:spPr>
-          <a:xfrm flipH="1">
-            <a:off x="8990216" y="5432325"/>
-            <a:ext cx="839125" cy="6587"/>
-          </a:xfrm>
-          <a:prstGeom prst="line">
-            <a:avLst/>
-          </a:prstGeom>
-          <a:ln w="12700">
-            <a:solidFill>
-              <a:schemeClr val="tx1"/>
-            </a:solidFill>
-            <a:tailEnd type="triangle"/>
-          </a:ln>
-        </p:spPr>
-        <p:style>
-          <a:lnRef idx="1">
-            <a:schemeClr val="accent1"/>
-          </a:lnRef>
-          <a:fillRef idx="0">
-            <a:schemeClr val="accent1"/>
-          </a:fillRef>
-          <a:effectRef idx="0">
-            <a:schemeClr val="accent1"/>
-          </a:effectRef>
-          <a:fontRef idx="minor">
-            <a:schemeClr val="tx1"/>
-          </a:fontRef>
-        </p:style>
-      </p:cxnSp>
-      <p:sp>
-        <p:nvSpPr>
-          <p:cNvPr id="280" name="TextBox 279"/>
-          <p:cNvSpPr txBox="1"/>
-          <p:nvPr/>
-        </p:nvSpPr>
-        <p:spPr>
-          <a:xfrm>
-            <a:off x="10538610" y="1625377"/>
-            <a:ext cx="648858" cy="369332"/>
-          </a:xfrm>
-          <a:prstGeom prst="rect">
-            <a:avLst/>
-          </a:prstGeom>
-          <a:noFill/>
-        </p:spPr>
-        <p:txBody>
-          <a:bodyPr wrap="square" lIns="91440" tIns="45720" rIns="91440" bIns="45720" rtlCol="0">
-            <a:spAutoFit/>
-          </a:bodyPr>
-          <a:lstStyle/>
-          <a:p>
-            <a:r>
-              <a:rPr lang="en-US" sz="1800" dirty="0" smtClean="0"/>
+            <a:r>
+              <a:rPr lang="en-US" sz="1800" dirty="0"/>
               <a:t>  i</a:t>
             </a:r>
-            <a:endParaRPr lang="en-US" sz="1800" dirty="0"/>
           </a:p>
         </p:txBody>
       </p:sp>
@@ -4345,7 +4187,7 @@
         <p:spPr>
           <a:xfrm>
             <a:off x="8686800" y="304800"/>
-            <a:ext cx="6019799" cy="6142061"/>
+            <a:ext cx="6019799" cy="7159875"/>
           </a:xfrm>
           <a:prstGeom prst="roundRect">
             <a:avLst>
@@ -4408,8 +4250,8 @@
           <a:p>
             <a:pPr algn="ctr"/>
             <a:r>
-              <a:rPr lang="en-US" b="1" dirty="0" smtClean="0"/>
-              <a:t>HW8b_dp</a:t>
+              <a:rPr lang="en-US" b="1" dirty="0"/>
+              <a:t>HW8b2_dp</a:t>
             </a:r>
             <a:endParaRPr lang="en-US" sz="4400" b="1" dirty="0"/>
           </a:p>
@@ -4418,13 +4260,15 @@
       <p:cxnSp>
         <p:nvCxnSpPr>
           <p:cNvPr id="300" name="Straight Connector 299"/>
-          <p:cNvCxnSpPr/>
+          <p:cNvCxnSpPr>
+            <a:cxnSpLocks/>
+          </p:cNvCxnSpPr>
           <p:nvPr/>
         </p:nvCxnSpPr>
         <p:spPr>
           <a:xfrm flipV="1">
-            <a:off x="8503180" y="3375830"/>
-            <a:ext cx="269" cy="4865837"/>
+            <a:off x="8451199" y="3361715"/>
+            <a:ext cx="52082" cy="4626998"/>
           </a:xfrm>
           <a:prstGeom prst="line">
             <a:avLst/>
@@ -4459,8 +4303,8 @@
         </p:nvSpPr>
         <p:spPr>
           <a:xfrm>
-            <a:off x="7840996" y="692892"/>
-            <a:ext cx="759542" cy="369332"/>
+            <a:off x="7903573" y="486243"/>
+            <a:ext cx="949006" cy="369332"/>
           </a:xfrm>
           <a:prstGeom prst="rect">
             <a:avLst/>
@@ -4475,10 +4319,13 @@
           <a:p>
             <a:pPr algn="r"/>
             <a:r>
-              <a:rPr lang="en-US" sz="1800" dirty="0" err="1" smtClean="0"/>
+              <a:rPr lang="en-US" sz="1800" dirty="0" err="1"/>
               <a:t>cw</a:t>
             </a:r>
-            <a:endParaRPr lang="en-US" sz="1800" dirty="0"/>
+            <a:r>
+              <a:rPr lang="en-US" sz="1800" dirty="0"/>
+              <a:t>(3:0)</a:t>
+            </a:r>
           </a:p>
         </p:txBody>
       </p:sp>
@@ -4505,7 +4352,7 @@
           <a:lstStyle/>
           <a:p>
             <a:r>
-              <a:rPr lang="en-US" sz="1800" dirty="0" err="1" smtClean="0"/>
+              <a:rPr lang="en-US" sz="1800" dirty="0" err="1"/>
               <a:t>sw</a:t>
             </a:r>
             <a:endParaRPr lang="en-US" sz="1800" dirty="0"/>
@@ -4520,7 +4367,7 @@
         </p:nvSpPr>
         <p:spPr>
           <a:xfrm>
-            <a:off x="1295399" y="311040"/>
+            <a:off x="1351618" y="308498"/>
             <a:ext cx="6808473" cy="5732967"/>
           </a:xfrm>
           <a:prstGeom prst="roundRect">
@@ -4584,116 +4431,13 @@
           <a:p>
             <a:pPr algn="ctr"/>
             <a:r>
-              <a:rPr lang="en-US" b="1" dirty="0" smtClean="0"/>
-              <a:t>HW8b_cu</a:t>
+              <a:rPr lang="en-US" b="1" dirty="0"/>
+              <a:t>HW8b2_cu</a:t>
             </a:r>
             <a:endParaRPr lang="en-US" sz="4400" b="1" dirty="0"/>
           </a:p>
         </p:txBody>
       </p:sp>
-      <p:sp>
-        <p:nvSpPr>
-          <p:cNvPr id="307" name="TextBox 306"/>
-          <p:cNvSpPr txBox="1"/>
-          <p:nvPr/>
-        </p:nvSpPr>
-        <p:spPr>
-          <a:xfrm>
-            <a:off x="7574313" y="6371693"/>
-            <a:ext cx="843861" cy="369332"/>
-          </a:xfrm>
-          <a:prstGeom prst="rect">
-            <a:avLst/>
-          </a:prstGeom>
-          <a:noFill/>
-        </p:spPr>
-        <p:txBody>
-          <a:bodyPr wrap="square" lIns="91440" tIns="45720" rIns="91440" bIns="45720" rtlCol="0">
-            <a:spAutoFit/>
-          </a:bodyPr>
-          <a:lstStyle/>
-          <a:p>
-            <a:pPr algn="r"/>
-            <a:r>
-              <a:rPr lang="en-US" sz="1800" dirty="0" smtClean="0"/>
-              <a:t>ACQ</a:t>
-            </a:r>
-            <a:endParaRPr lang="en-US" sz="1800" dirty="0"/>
-          </a:p>
-        </p:txBody>
-      </p:sp>
-      <p:cxnSp>
-        <p:nvCxnSpPr>
-          <p:cNvPr id="308" name="Straight Connector 307"/>
-          <p:cNvCxnSpPr/>
-          <p:nvPr/>
-        </p:nvCxnSpPr>
-        <p:spPr>
-          <a:xfrm flipH="1">
-            <a:off x="8116816" y="4523753"/>
-            <a:ext cx="274288" cy="2382"/>
-          </a:xfrm>
-          <a:prstGeom prst="line">
-            <a:avLst/>
-          </a:prstGeom>
-          <a:ln w="12700">
-            <a:solidFill>
-              <a:schemeClr val="tx1"/>
-            </a:solidFill>
-            <a:tailEnd type="none"/>
-          </a:ln>
-        </p:spPr>
-        <p:style>
-          <a:lnRef idx="1">
-            <a:schemeClr val="accent1"/>
-          </a:lnRef>
-          <a:fillRef idx="0">
-            <a:schemeClr val="accent1"/>
-          </a:fillRef>
-          <a:effectRef idx="0">
-            <a:schemeClr val="accent1"/>
-          </a:effectRef>
-          <a:fontRef idx="minor">
-            <a:schemeClr val="tx1"/>
-          </a:fontRef>
-        </p:style>
-      </p:cxnSp>
-      <p:cxnSp>
-        <p:nvCxnSpPr>
-          <p:cNvPr id="311" name="Straight Connector 310"/>
-          <p:cNvCxnSpPr/>
-          <p:nvPr/>
-        </p:nvCxnSpPr>
-        <p:spPr>
-          <a:xfrm>
-            <a:off x="8372497" y="4517356"/>
-            <a:ext cx="2747" cy="3440928"/>
-          </a:xfrm>
-          <a:prstGeom prst="line">
-            <a:avLst/>
-          </a:prstGeom>
-          <a:ln w="12700">
-            <a:solidFill>
-              <a:schemeClr val="tx1"/>
-            </a:solidFill>
-            <a:tailEnd type="none"/>
-          </a:ln>
-        </p:spPr>
-        <p:style>
-          <a:lnRef idx="1">
-            <a:schemeClr val="accent1"/>
-          </a:lnRef>
-          <a:fillRef idx="0">
-            <a:schemeClr val="accent1"/>
-          </a:fillRef>
-          <a:effectRef idx="0">
-            <a:schemeClr val="accent1"/>
-          </a:effectRef>
-          <a:fontRef idx="minor">
-            <a:schemeClr val="tx1"/>
-          </a:fontRef>
-        </p:style>
-      </p:cxnSp>
       <p:sp>
         <p:nvSpPr>
           <p:cNvPr id="316" name="Oval 315"/>
@@ -4702,7 +4446,7 @@
         </p:nvSpPr>
         <p:spPr>
           <a:xfrm>
-            <a:off x="2631741" y="1158652"/>
+            <a:off x="1967800" y="1112228"/>
             <a:ext cx="990600" cy="1002260"/>
           </a:xfrm>
           <a:prstGeom prst="ellipse">
@@ -4745,7 +4489,7 @@
         </p:nvSpPr>
         <p:spPr>
           <a:xfrm>
-            <a:off x="2647373" y="1273851"/>
+            <a:off x="1983432" y="1227427"/>
             <a:ext cx="858532" cy="276999"/>
           </a:xfrm>
           <a:prstGeom prst="rect">
@@ -4759,97 +4503,26 @@
           </a:bodyPr>
           <a:lstStyle/>
           <a:p>
-            <a:pPr algn="r"/>
-            <a:r>
-              <a:rPr lang="en-US" sz="1200" dirty="0" err="1" smtClean="0"/>
-              <a:t>waitREQ</a:t>
-            </a:r>
-            <a:endParaRPr lang="en-US" sz="1200" dirty="0"/>
+            <a:pPr algn="ctr"/>
+            <a:r>
+              <a:rPr lang="en-US" sz="1200" dirty="0"/>
+              <a:t>initC</a:t>
+            </a:r>
           </a:p>
         </p:txBody>
       </p:sp>
       <p:cxnSp>
         <p:nvCxnSpPr>
-          <p:cNvPr id="99" name="Curved Connector 98"/>
+          <p:cNvPr id="323" name="Straight Connector 322"/>
           <p:cNvCxnSpPr>
-            <a:stCxn id="316" idx="7"/>
-            <a:endCxn id="316" idx="1"/>
+            <a:cxnSpLocks/>
           </p:cNvCxnSpPr>
           <p:nvPr/>
         </p:nvCxnSpPr>
         <p:spPr>
-          <a:xfrm rot="16200000" flipV="1">
-            <a:off x="3127041" y="955200"/>
-            <a:ext cx="12700" cy="700460"/>
-          </a:xfrm>
-          <a:prstGeom prst="curvedConnector3">
-            <a:avLst>
-              <a:gd name="adj1" fmla="val 4530732"/>
-            </a:avLst>
-          </a:prstGeom>
-          <a:ln w="38100">
-            <a:solidFill>
-              <a:schemeClr val="tx1"/>
-            </a:solidFill>
-            <a:tailEnd type="triangle"/>
-          </a:ln>
-        </p:spPr>
-        <p:style>
-          <a:lnRef idx="1">
-            <a:schemeClr val="accent1"/>
-          </a:lnRef>
-          <a:fillRef idx="0">
-            <a:schemeClr val="accent1"/>
-          </a:fillRef>
-          <a:effectRef idx="0">
-            <a:schemeClr val="accent1"/>
-          </a:effectRef>
-          <a:fontRef idx="minor">
-            <a:schemeClr val="tx1"/>
-          </a:fontRef>
-        </p:style>
-      </p:cxnSp>
-      <p:sp>
-        <p:nvSpPr>
-          <p:cNvPr id="320" name="TextBox 319"/>
-          <p:cNvSpPr txBox="1"/>
-          <p:nvPr/>
-        </p:nvSpPr>
-        <p:spPr>
           <a:xfrm>
-            <a:off x="2902217" y="549553"/>
-            <a:ext cx="949006" cy="307777"/>
-          </a:xfrm>
-          <a:prstGeom prst="rect">
-            <a:avLst/>
-          </a:prstGeom>
-          <a:noFill/>
-        </p:spPr>
-        <p:txBody>
-          <a:bodyPr wrap="square" lIns="91440" tIns="45720" rIns="91440" bIns="45720" rtlCol="0">
-            <a:spAutoFit/>
-          </a:bodyPr>
-          <a:lstStyle/>
-          <a:p>
-            <a:pPr algn="r"/>
-            <a:r>
-              <a:rPr lang="en-US" sz="1400" dirty="0" smtClean="0"/>
-              <a:t>REQ’</a:t>
-            </a:r>
-            <a:endParaRPr lang="en-US" sz="1400" dirty="0"/>
-          </a:p>
-        </p:txBody>
-      </p:sp>
-      <p:cxnSp>
-        <p:nvCxnSpPr>
-          <p:cNvPr id="323" name="Straight Connector 322"/>
-          <p:cNvCxnSpPr/>
-          <p:nvPr/>
-        </p:nvCxnSpPr>
-        <p:spPr>
-          <a:xfrm>
-            <a:off x="3643187" y="1701166"/>
-            <a:ext cx="413838" cy="8029"/>
+            <a:off x="2979246" y="1654742"/>
+            <a:ext cx="426043" cy="0"/>
           </a:xfrm>
           <a:prstGeom prst="line">
             <a:avLst/>
@@ -4876,37 +4549,6 @@
           </a:fontRef>
         </p:style>
       </p:cxnSp>
-      <p:sp>
-        <p:nvSpPr>
-          <p:cNvPr id="325" name="TextBox 324"/>
-          <p:cNvSpPr txBox="1"/>
-          <p:nvPr/>
-        </p:nvSpPr>
-        <p:spPr>
-          <a:xfrm>
-            <a:off x="3140686" y="1282439"/>
-            <a:ext cx="949006" cy="307777"/>
-          </a:xfrm>
-          <a:prstGeom prst="rect">
-            <a:avLst/>
-          </a:prstGeom>
-          <a:noFill/>
-        </p:spPr>
-        <p:txBody>
-          <a:bodyPr wrap="square" lIns="91440" tIns="45720" rIns="91440" bIns="45720" rtlCol="0">
-            <a:spAutoFit/>
-          </a:bodyPr>
-          <a:lstStyle/>
-          <a:p>
-            <a:pPr algn="r"/>
-            <a:r>
-              <a:rPr lang="en-US" sz="1400" dirty="0" smtClean="0"/>
-              <a:t>REQ</a:t>
-            </a:r>
-            <a:endParaRPr lang="en-US" sz="1400" dirty="0"/>
-          </a:p>
-        </p:txBody>
-      </p:sp>
       <p:cxnSp>
         <p:nvCxnSpPr>
           <p:cNvPr id="110" name="Straight Connector 109"/>
@@ -5038,20 +4680,14 @@
           <a:p>
             <a:pPr algn="r" defTabSz="1219170"/>
             <a:r>
-              <a:rPr lang="en-US" sz="1800" dirty="0" smtClean="0">
+              <a:rPr lang="en-US" sz="1800" dirty="0">
                 <a:solidFill>
                   <a:prstClr val="black"/>
                 </a:solidFill>
                 <a:latin typeface="Calibri"/>
               </a:rPr>
-              <a:t>REQ</a:t>
-            </a:r>
-            <a:endParaRPr lang="en-US" sz="1800" dirty="0">
-              <a:solidFill>
-                <a:prstClr val="black"/>
-              </a:solidFill>
-              <a:latin typeface="Calibri"/>
-            </a:endParaRPr>
+              <a:t>Ready</a:t>
+            </a:r>
           </a:p>
         </p:txBody>
       </p:sp>
@@ -5063,8 +4699,8 @@
         </p:nvSpPr>
         <p:spPr>
           <a:xfrm>
-            <a:off x="4638536" y="6884067"/>
-            <a:ext cx="1751173" cy="2107533"/>
+            <a:off x="4638536" y="6884068"/>
+            <a:ext cx="1751173" cy="1357600"/>
           </a:xfrm>
           <a:prstGeom prst="roundRect">
             <a:avLst>
@@ -5132,13 +4768,13 @@
           <a:p>
             <a:pPr algn="ctr" defTabSz="1219170"/>
             <a:r>
-              <a:rPr lang="en-US" sz="2400" b="1" dirty="0" smtClean="0">
+              <a:rPr lang="en-US" sz="2400" b="1" dirty="0">
                 <a:solidFill>
                   <a:prstClr val="black"/>
                 </a:solidFill>
                 <a:latin typeface="Calibri"/>
               </a:rPr>
-              <a:t>HW8b_tb</a:t>
+              <a:t>Test Signals</a:t>
             </a:r>
             <a:endParaRPr lang="en-US" sz="5867" b="1" dirty="0">
               <a:solidFill>
@@ -5212,62 +4848,17 @@
           <a:p>
             <a:pPr algn="r" defTabSz="1219170"/>
             <a:r>
-              <a:rPr lang="en-US" sz="2400" dirty="0" smtClean="0">
+              <a:rPr lang="en-US" sz="2400" dirty="0">
                 <a:solidFill>
                   <a:prstClr val="black"/>
                 </a:solidFill>
                 <a:latin typeface="Calibri"/>
               </a:rPr>
-              <a:t>REQ</a:t>
-            </a:r>
-            <a:endParaRPr lang="en-US" sz="2400" dirty="0">
-              <a:solidFill>
-                <a:prstClr val="black"/>
-              </a:solidFill>
-              <a:latin typeface="Calibri"/>
-            </a:endParaRPr>
-          </a:p>
-        </p:txBody>
-      </p:sp>
-      <p:cxnSp>
-        <p:nvCxnSpPr>
-          <p:cNvPr id="132" name="Straight Connector 131"/>
-          <p:cNvCxnSpPr>
-            <a:stCxn id="134" idx="3"/>
-          </p:cNvCxnSpPr>
-          <p:nvPr/>
-        </p:nvCxnSpPr>
-        <p:spPr>
-          <a:xfrm flipV="1">
-            <a:off x="6383341" y="8258595"/>
-            <a:ext cx="2119839" cy="7392"/>
-          </a:xfrm>
-          <a:prstGeom prst="line">
-            <a:avLst/>
-          </a:prstGeom>
-          <a:ln w="38100">
-            <a:solidFill>
-              <a:schemeClr val="tx1"/>
-            </a:solidFill>
-            <a:headEnd type="none" w="med" len="med"/>
-            <a:tailEnd type="none" w="med" len="med"/>
-          </a:ln>
-        </p:spPr>
-        <p:style>
-          <a:lnRef idx="1">
-            <a:schemeClr val="accent1"/>
-          </a:lnRef>
-          <a:fillRef idx="0">
-            <a:schemeClr val="accent1"/>
-          </a:fillRef>
-          <a:effectRef idx="0">
-            <a:schemeClr val="accent1"/>
-          </a:effectRef>
-          <a:fontRef idx="minor">
-            <a:schemeClr val="tx1"/>
-          </a:fontRef>
-        </p:style>
-      </p:cxnSp>
+              <a:t>Ready</a:t>
+            </a:r>
+          </a:p>
+        </p:txBody>
+      </p:sp>
       <p:sp>
         <p:nvSpPr>
           <p:cNvPr id="134" name="TextBox 133"/>
@@ -5276,8 +4867,8 @@
         </p:nvSpPr>
         <p:spPr>
           <a:xfrm>
-            <a:off x="5062541" y="8019765"/>
-            <a:ext cx="1320800" cy="492443"/>
+            <a:off x="12818334" y="7914077"/>
+            <a:ext cx="1491019" cy="492443"/>
           </a:xfrm>
           <a:prstGeom prst="rect">
             <a:avLst/>
@@ -5292,13 +4883,13 @@
           <a:p>
             <a:pPr algn="r" defTabSz="1219170"/>
             <a:r>
-              <a:rPr lang="en-US" sz="2400" dirty="0" smtClean="0">
+              <a:rPr lang="en-US" sz="2400" dirty="0" err="1">
                 <a:solidFill>
                   <a:prstClr val="black"/>
                 </a:solidFill>
                 <a:latin typeface="Calibri"/>
               </a:rPr>
-              <a:t>data</a:t>
+              <a:t>Data_Out</a:t>
             </a:r>
             <a:endParaRPr lang="en-US" sz="2400" dirty="0">
               <a:solidFill>
@@ -5542,8 +5133,8 @@
         </p:nvSpPr>
         <p:spPr>
           <a:xfrm>
-            <a:off x="13397755" y="1781666"/>
-            <a:ext cx="1108177" cy="1200329"/>
+            <a:off x="9848447" y="5212281"/>
+            <a:ext cx="1307289" cy="1569660"/>
           </a:xfrm>
           <a:prstGeom prst="rect">
             <a:avLst/>
@@ -5557,14 +5148,8 @@
           <a:lstStyle/>
           <a:p>
             <a:r>
-              <a:rPr lang="en-US" sz="1800" dirty="0" smtClean="0"/>
-              <a:t>RD_ADDR</a:t>
-            </a:r>
-          </a:p>
-          <a:p>
-            <a:r>
-              <a:rPr lang="en-US" sz="1800" dirty="0" smtClean="0"/>
-              <a:t>DO</a:t>
+              <a:rPr lang="en-US" sz="1000" dirty="0"/>
+              <a:t>WR_ADDR RD_ADDR</a:t>
             </a:r>
           </a:p>
           <a:p>
@@ -5572,9 +5157,26 @@
           </a:p>
           <a:p>
             <a:r>
-              <a:rPr lang="en-US" sz="1800" dirty="0" smtClean="0"/>
-              <a:t>RDEN</a:t>
-            </a:r>
+              <a:rPr lang="en-US" sz="1800" dirty="0"/>
+              <a:t>DI            D0</a:t>
+            </a:r>
+          </a:p>
+          <a:p>
+            <a:endParaRPr lang="en-US" sz="1000" dirty="0"/>
+          </a:p>
+          <a:p>
+            <a:r>
+              <a:rPr lang="en-US" sz="1000" b="1" dirty="0"/>
+              <a:t>WR_EN           RD_EN</a:t>
+            </a:r>
+          </a:p>
+          <a:p>
+            <a:r>
+              <a:rPr lang="en-US" sz="1200" b="1" dirty="0"/>
+              <a:t>WE</a:t>
+            </a:r>
+          </a:p>
+          <a:p>
             <a:endParaRPr lang="en-US" sz="1800" dirty="0"/>
           </a:p>
         </p:txBody>
@@ -5587,8 +5189,8 @@
         </p:nvSpPr>
         <p:spPr>
           <a:xfrm>
-            <a:off x="13421152" y="1537918"/>
-            <a:ext cx="1161809" cy="1910971"/>
+            <a:off x="9871845" y="4968533"/>
+            <a:ext cx="1211076" cy="1910971"/>
           </a:xfrm>
           <a:prstGeom prst="roundRect">
             <a:avLst>
@@ -5635,7 +5237,7 @@
         </p:nvSpPr>
         <p:spPr>
           <a:xfrm>
-            <a:off x="13278769" y="1538146"/>
+            <a:off x="9729462" y="4968761"/>
             <a:ext cx="1524000" cy="369332"/>
           </a:xfrm>
           <a:prstGeom prst="rect">
@@ -5651,7 +5253,7 @@
           <a:p>
             <a:pPr algn="ctr"/>
             <a:r>
-              <a:rPr lang="en-US" sz="1800" b="1" dirty="0" smtClean="0"/>
+              <a:rPr lang="en-US" sz="1800" b="1" dirty="0"/>
               <a:t>BRAM</a:t>
             </a:r>
             <a:endParaRPr lang="en-US" sz="4400" b="1" dirty="0"/>
@@ -5666,7 +5268,7 @@
         </p:nvSpPr>
         <p:spPr>
           <a:xfrm rot="5400000">
-            <a:off x="13371994" y="3020508"/>
+            <a:off x="9824673" y="6618081"/>
             <a:ext cx="266700" cy="143315"/>
           </a:xfrm>
           <a:prstGeom prst="triangle">
@@ -5730,13 +5332,13 @@
           <a:p>
             <a:pPr algn="r" defTabSz="1219170"/>
             <a:r>
-              <a:rPr lang="en-US" sz="2400" dirty="0" smtClean="0">
+              <a:rPr lang="en-US" sz="2400" dirty="0" err="1">
                 <a:solidFill>
                   <a:prstClr val="black"/>
                 </a:solidFill>
                 <a:latin typeface="Calibri"/>
               </a:rPr>
-              <a:t>ACQ</a:t>
+              <a:t>Data_In</a:t>
             </a:r>
             <a:endParaRPr lang="en-US" sz="2400" dirty="0">
               <a:solidFill>
@@ -5749,85 +5351,16 @@
       </p:sp>
       <p:cxnSp>
         <p:nvCxnSpPr>
-          <p:cNvPr id="146" name="Straight Connector 145"/>
-          <p:cNvCxnSpPr/>
+          <p:cNvPr id="159" name="Straight Connector 158"/>
+          <p:cNvCxnSpPr>
+            <a:cxnSpLocks/>
+          </p:cNvCxnSpPr>
           <p:nvPr/>
         </p:nvCxnSpPr>
         <p:spPr>
-          <a:xfrm>
-            <a:off x="6383341" y="7922533"/>
-            <a:ext cx="1989156" cy="16989"/>
-          </a:xfrm>
-          <a:prstGeom prst="line">
-            <a:avLst/>
-          </a:prstGeom>
-          <a:ln w="12700">
-            <a:solidFill>
-              <a:schemeClr val="tx1"/>
-            </a:solidFill>
-            <a:headEnd type="triangle" w="med" len="med"/>
-            <a:tailEnd type="none" w="med" len="med"/>
-          </a:ln>
-        </p:spPr>
-        <p:style>
-          <a:lnRef idx="1">
-            <a:schemeClr val="accent1"/>
-          </a:lnRef>
-          <a:fillRef idx="0">
-            <a:schemeClr val="accent1"/>
-          </a:fillRef>
-          <a:effectRef idx="0">
-            <a:schemeClr val="accent1"/>
-          </a:effectRef>
-          <a:fontRef idx="minor">
-            <a:schemeClr val="tx1"/>
-          </a:fontRef>
-        </p:style>
-      </p:cxnSp>
-      <p:sp>
-        <p:nvSpPr>
-          <p:cNvPr id="150" name="TextBox 149"/>
-          <p:cNvSpPr txBox="1"/>
-          <p:nvPr/>
-        </p:nvSpPr>
-        <p:spPr>
-          <a:xfrm>
-            <a:off x="12274512" y="3976592"/>
-            <a:ext cx="675643" cy="369332"/>
-          </a:xfrm>
-          <a:prstGeom prst="rect">
-            <a:avLst/>
-          </a:prstGeom>
-          <a:noFill/>
-        </p:spPr>
-        <p:txBody>
-          <a:bodyPr wrap="square" lIns="91440" tIns="45720" rIns="91440" bIns="45720" rtlCol="0">
-            <a:spAutoFit/>
-          </a:bodyPr>
-          <a:lstStyle/>
-          <a:p>
-            <a:r>
-              <a:rPr lang="en-US" sz="1800" dirty="0" smtClean="0"/>
-              <a:t>  </a:t>
-            </a:r>
-            <a:r>
-              <a:rPr lang="en-US" sz="1800" dirty="0" err="1" smtClean="0"/>
-              <a:t>cw</a:t>
-            </a:r>
-            <a:endParaRPr lang="en-US" sz="1800" dirty="0"/>
-          </a:p>
-        </p:txBody>
-      </p:sp>
-      <p:cxnSp>
-        <p:nvCxnSpPr>
-          <p:cNvPr id="151" name="Straight Connector 150"/>
-          <p:cNvCxnSpPr/>
-          <p:nvPr/>
-        </p:nvCxnSpPr>
-        <p:spPr>
-          <a:xfrm>
-            <a:off x="13255734" y="4359714"/>
-            <a:ext cx="0" cy="430776"/>
+          <a:xfrm flipH="1" flipV="1">
+            <a:off x="9296625" y="5338093"/>
+            <a:ext cx="589741" cy="6589"/>
           </a:xfrm>
           <a:prstGeom prst="line">
             <a:avLst/>
@@ -5836,272 +5369,7 @@
             <a:solidFill>
               <a:schemeClr val="tx1"/>
             </a:solidFill>
-            <a:tailEnd type="none"/>
-          </a:ln>
-        </p:spPr>
-        <p:style>
-          <a:lnRef idx="1">
-            <a:schemeClr val="accent1"/>
-          </a:lnRef>
-          <a:fillRef idx="0">
-            <a:schemeClr val="accent1"/>
-          </a:fillRef>
-          <a:effectRef idx="0">
-            <a:schemeClr val="accent1"/>
-          </a:effectRef>
-          <a:fontRef idx="minor">
-            <a:schemeClr val="tx1"/>
-          </a:fontRef>
-        </p:style>
-      </p:cxnSp>
-      <p:sp>
-        <p:nvSpPr>
-          <p:cNvPr id="152" name="TextBox 151"/>
-          <p:cNvSpPr txBox="1"/>
-          <p:nvPr/>
-        </p:nvSpPr>
-        <p:spPr>
-          <a:xfrm>
-            <a:off x="12779912" y="4481754"/>
-            <a:ext cx="1545406" cy="369332"/>
-          </a:xfrm>
-          <a:prstGeom prst="rect">
-            <a:avLst/>
-          </a:prstGeom>
-          <a:noFill/>
-        </p:spPr>
-        <p:txBody>
-          <a:bodyPr wrap="square" lIns="91440" tIns="45720" rIns="91440" bIns="45720" rtlCol="0">
-            <a:spAutoFit/>
-          </a:bodyPr>
-          <a:lstStyle/>
-          <a:p>
-            <a:pPr algn="ctr"/>
-            <a:r>
-              <a:rPr lang="en-US" sz="1800" dirty="0" smtClean="0"/>
-              <a:t>MBR</a:t>
-            </a:r>
-            <a:endParaRPr lang="en-US" sz="1200" dirty="0"/>
-          </a:p>
-        </p:txBody>
-      </p:sp>
-      <p:cxnSp>
-        <p:nvCxnSpPr>
-          <p:cNvPr id="153" name="Straight Connector 152"/>
-          <p:cNvCxnSpPr/>
-          <p:nvPr/>
-        </p:nvCxnSpPr>
-        <p:spPr>
-          <a:xfrm flipV="1">
-            <a:off x="13089340" y="4492457"/>
-            <a:ext cx="264757" cy="230972"/>
-          </a:xfrm>
-          <a:prstGeom prst="line">
-            <a:avLst/>
-          </a:prstGeom>
-          <a:ln w="12700">
-            <a:solidFill>
-              <a:schemeClr val="tx1"/>
-            </a:solidFill>
-          </a:ln>
-        </p:spPr>
-        <p:style>
-          <a:lnRef idx="1">
-            <a:schemeClr val="accent1"/>
-          </a:lnRef>
-          <a:fillRef idx="0">
-            <a:schemeClr val="accent1"/>
-          </a:fillRef>
-          <a:effectRef idx="0">
-            <a:schemeClr val="accent1"/>
-          </a:effectRef>
-          <a:fontRef idx="minor">
-            <a:schemeClr val="tx1"/>
-          </a:fontRef>
-        </p:style>
-      </p:cxnSp>
-      <p:sp>
-        <p:nvSpPr>
-          <p:cNvPr id="154" name="TextBox 153"/>
-          <p:cNvSpPr txBox="1"/>
-          <p:nvPr/>
-        </p:nvSpPr>
-        <p:spPr>
-          <a:xfrm>
-            <a:off x="12802109" y="4345924"/>
-            <a:ext cx="479840" cy="369332"/>
-          </a:xfrm>
-          <a:prstGeom prst="rect">
-            <a:avLst/>
-          </a:prstGeom>
-          <a:noFill/>
-        </p:spPr>
-        <p:txBody>
-          <a:bodyPr wrap="square" lIns="91440" tIns="45720" rIns="91440" bIns="45720" rtlCol="0">
-            <a:spAutoFit/>
-          </a:bodyPr>
-          <a:lstStyle/>
-          <a:p>
-            <a:pPr algn="r"/>
-            <a:r>
-              <a:rPr lang="en-US" sz="1800" dirty="0" smtClean="0"/>
-              <a:t>16</a:t>
-            </a:r>
-            <a:endParaRPr lang="en-US" sz="1800" dirty="0"/>
-          </a:p>
-        </p:txBody>
-      </p:sp>
-      <p:sp>
-        <p:nvSpPr>
-          <p:cNvPr id="155" name="TextBox 154"/>
-          <p:cNvSpPr txBox="1"/>
-          <p:nvPr/>
-        </p:nvSpPr>
-        <p:spPr>
-          <a:xfrm>
-            <a:off x="13114212" y="6014111"/>
-            <a:ext cx="1545406" cy="369332"/>
-          </a:xfrm>
-          <a:prstGeom prst="rect">
-            <a:avLst/>
-          </a:prstGeom>
-          <a:noFill/>
-        </p:spPr>
-        <p:txBody>
-          <a:bodyPr wrap="square" lIns="91440" tIns="45720" rIns="91440" bIns="45720" rtlCol="0">
-            <a:spAutoFit/>
-          </a:bodyPr>
-          <a:lstStyle/>
-          <a:p>
-            <a:pPr algn="ctr"/>
-            <a:r>
-              <a:rPr lang="en-US" sz="1800" dirty="0" smtClean="0"/>
-              <a:t>match</a:t>
-            </a:r>
-            <a:endParaRPr lang="en-US" sz="1200" dirty="0"/>
-          </a:p>
-        </p:txBody>
-      </p:sp>
-      <p:cxnSp>
-        <p:nvCxnSpPr>
-          <p:cNvPr id="156" name="Straight Connector 155"/>
-          <p:cNvCxnSpPr/>
-          <p:nvPr/>
-        </p:nvCxnSpPr>
-        <p:spPr>
-          <a:xfrm flipH="1">
-            <a:off x="13126796" y="2270192"/>
-            <a:ext cx="27682" cy="1380670"/>
-          </a:xfrm>
-          <a:prstGeom prst="line">
-            <a:avLst/>
-          </a:prstGeom>
-          <a:ln w="38100">
-            <a:solidFill>
-              <a:schemeClr val="tx1"/>
-            </a:solidFill>
-            <a:tailEnd type="triangle"/>
-          </a:ln>
-        </p:spPr>
-        <p:style>
-          <a:lnRef idx="1">
-            <a:schemeClr val="accent1"/>
-          </a:lnRef>
-          <a:fillRef idx="0">
-            <a:schemeClr val="accent1"/>
-          </a:fillRef>
-          <a:effectRef idx="0">
-            <a:schemeClr val="accent1"/>
-          </a:effectRef>
-          <a:fontRef idx="minor">
-            <a:schemeClr val="tx1"/>
-          </a:fontRef>
-        </p:style>
-      </p:cxnSp>
-      <p:cxnSp>
-        <p:nvCxnSpPr>
-          <p:cNvPr id="157" name="Straight Connector 156"/>
-          <p:cNvCxnSpPr/>
-          <p:nvPr/>
-        </p:nvCxnSpPr>
-        <p:spPr>
-          <a:xfrm flipV="1">
-            <a:off x="12961869" y="2873125"/>
-            <a:ext cx="264757" cy="230972"/>
-          </a:xfrm>
-          <a:prstGeom prst="line">
-            <a:avLst/>
-          </a:prstGeom>
-          <a:ln w="12700">
-            <a:solidFill>
-              <a:schemeClr val="tx1"/>
-            </a:solidFill>
-          </a:ln>
-        </p:spPr>
-        <p:style>
-          <a:lnRef idx="1">
-            <a:schemeClr val="accent1"/>
-          </a:lnRef>
-          <a:fillRef idx="0">
-            <a:schemeClr val="accent1"/>
-          </a:fillRef>
-          <a:effectRef idx="0">
-            <a:schemeClr val="accent1"/>
-          </a:effectRef>
-          <a:fontRef idx="minor">
-            <a:schemeClr val="tx1"/>
-          </a:fontRef>
-        </p:style>
-      </p:cxnSp>
-      <p:sp>
-        <p:nvSpPr>
-          <p:cNvPr id="158" name="TextBox 157"/>
-          <p:cNvSpPr txBox="1"/>
-          <p:nvPr/>
-        </p:nvSpPr>
-        <p:spPr>
-          <a:xfrm>
-            <a:off x="12674638" y="2726592"/>
-            <a:ext cx="479840" cy="369332"/>
-          </a:xfrm>
-          <a:prstGeom prst="rect">
-            <a:avLst/>
-          </a:prstGeom>
-          <a:noFill/>
-        </p:spPr>
-        <p:txBody>
-          <a:bodyPr wrap="square" lIns="91440" tIns="45720" rIns="91440" bIns="45720" rtlCol="0">
-            <a:spAutoFit/>
-          </a:bodyPr>
-          <a:lstStyle/>
-          <a:p>
-            <a:pPr algn="r"/>
-            <a:r>
-              <a:rPr lang="en-US" sz="1800" dirty="0" smtClean="0"/>
-              <a:t>16</a:t>
-            </a:r>
-            <a:endParaRPr lang="en-US" sz="1800" dirty="0"/>
-          </a:p>
-        </p:txBody>
-      </p:sp>
-      <p:cxnSp>
-        <p:nvCxnSpPr>
-          <p:cNvPr id="159" name="Straight Connector 158"/>
-          <p:cNvCxnSpPr/>
-          <p:nvPr/>
-        </p:nvCxnSpPr>
-        <p:spPr>
-          <a:xfrm flipH="1">
-            <a:off x="13139957" y="2270192"/>
-            <a:ext cx="281195" cy="0"/>
-          </a:xfrm>
-          <a:prstGeom prst="line">
-            <a:avLst/>
-          </a:prstGeom>
-          <a:ln w="38100">
-            <a:solidFill>
-              <a:schemeClr val="tx1"/>
-            </a:solidFill>
+            <a:headEnd type="triangle"/>
             <a:tailEnd type="none"/>
           </a:ln>
         </p:spPr>
@@ -6124,13 +5392,13 @@
         <p:nvCxnSpPr>
           <p:cNvPr id="163" name="Straight Connector 162"/>
           <p:cNvCxnSpPr>
-            <a:stCxn id="164" idx="2"/>
+            <a:cxnSpLocks/>
           </p:cNvCxnSpPr>
           <p:nvPr/>
         </p:nvCxnSpPr>
         <p:spPr>
           <a:xfrm flipV="1">
-            <a:off x="11979020" y="4172961"/>
+            <a:off x="9425247" y="6159347"/>
             <a:ext cx="434899" cy="5255"/>
           </a:xfrm>
           <a:prstGeom prst="line">
@@ -6166,7 +5434,7 @@
         </p:nvSpPr>
         <p:spPr>
           <a:xfrm>
-            <a:off x="11599249" y="3808884"/>
+            <a:off x="8741425" y="5961670"/>
             <a:ext cx="759542" cy="369332"/>
           </a:xfrm>
           <a:prstGeom prst="rect">
@@ -6182,27 +5450,28 @@
           <a:p>
             <a:pPr algn="r"/>
             <a:r>
-              <a:rPr lang="en-US" sz="1800" dirty="0" err="1" smtClean="0"/>
+              <a:rPr lang="en-US" sz="1800" dirty="0" err="1"/>
               <a:t>cw</a:t>
             </a:r>
             <a:r>
-              <a:rPr lang="en-US" sz="1800" dirty="0" smtClean="0"/>
-              <a:t>(5)</a:t>
-            </a:r>
-            <a:endParaRPr lang="en-US" sz="1800" dirty="0"/>
+              <a:rPr lang="en-US" sz="1800" dirty="0"/>
+              <a:t>(2)</a:t>
+            </a:r>
           </a:p>
         </p:txBody>
       </p:sp>
       <p:cxnSp>
         <p:nvCxnSpPr>
           <p:cNvPr id="166" name="Straight Connector 165"/>
-          <p:cNvCxnSpPr/>
+          <p:cNvCxnSpPr>
+            <a:cxnSpLocks/>
+          </p:cNvCxnSpPr>
           <p:nvPr/>
         </p:nvCxnSpPr>
         <p:spPr>
-          <a:xfrm flipV="1">
-            <a:off x="8513933" y="3345113"/>
-            <a:ext cx="1889186" cy="30717"/>
+          <a:xfrm>
+            <a:off x="8513933" y="3375830"/>
+            <a:ext cx="560432" cy="16675"/>
           </a:xfrm>
           <a:prstGeom prst="line">
             <a:avLst/>
@@ -6238,7 +5507,7 @@
         </p:nvCxnSpPr>
         <p:spPr>
           <a:xfrm flipV="1">
-            <a:off x="7352079" y="8156551"/>
+            <a:off x="13434455" y="7150348"/>
             <a:ext cx="264757" cy="230972"/>
           </a:xfrm>
           <a:prstGeom prst="line">
@@ -6273,7 +5542,7 @@
         </p:nvSpPr>
         <p:spPr>
           <a:xfrm>
-            <a:off x="7063086" y="7953375"/>
+            <a:off x="13145462" y="6947172"/>
             <a:ext cx="479840" cy="369332"/>
           </a:xfrm>
           <a:prstGeom prst="rect">
@@ -6289,58 +5558,22 @@
           <a:p>
             <a:pPr algn="r"/>
             <a:r>
-              <a:rPr lang="en-US" sz="1800" dirty="0" smtClean="0"/>
+              <a:rPr lang="en-US" sz="1800" dirty="0"/>
               <a:t>16</a:t>
             </a:r>
-            <a:endParaRPr lang="en-US" sz="1800" dirty="0"/>
-          </a:p>
-        </p:txBody>
-      </p:sp>
-      <p:cxnSp>
-        <p:nvCxnSpPr>
-          <p:cNvPr id="170" name="Straight Connector 169"/>
-          <p:cNvCxnSpPr/>
-          <p:nvPr/>
-        </p:nvCxnSpPr>
-        <p:spPr>
-          <a:xfrm flipV="1">
-            <a:off x="9326022" y="3246604"/>
-            <a:ext cx="264757" cy="230972"/>
-          </a:xfrm>
-          <a:prstGeom prst="line">
-            <a:avLst/>
-          </a:prstGeom>
-          <a:ln w="12700">
-            <a:solidFill>
-              <a:schemeClr val="tx1"/>
-            </a:solidFill>
-          </a:ln>
-        </p:spPr>
-        <p:style>
-          <a:lnRef idx="1">
-            <a:schemeClr val="accent1"/>
-          </a:lnRef>
-          <a:fillRef idx="0">
-            <a:schemeClr val="accent1"/>
-          </a:fillRef>
-          <a:effectRef idx="0">
-            <a:schemeClr val="accent1"/>
-          </a:effectRef>
-          <a:fontRef idx="minor">
-            <a:schemeClr val="tx1"/>
-          </a:fontRef>
-        </p:style>
-      </p:cxnSp>
-      <p:sp>
-        <p:nvSpPr>
-          <p:cNvPr id="171" name="TextBox 170"/>
+          </a:p>
+        </p:txBody>
+      </p:sp>
+      <p:sp>
+        <p:nvSpPr>
+          <p:cNvPr id="185" name="TextBox 184"/>
           <p:cNvSpPr txBox="1"/>
           <p:nvPr/>
         </p:nvSpPr>
         <p:spPr>
           <a:xfrm>
-            <a:off x="9039589" y="3050378"/>
-            <a:ext cx="479840" cy="369332"/>
+            <a:off x="10322655" y="2687331"/>
+            <a:ext cx="809896" cy="369332"/>
           </a:xfrm>
           <a:prstGeom prst="rect">
             <a:avLst/>
@@ -6353,48 +5586,9 @@
           </a:bodyPr>
           <a:lstStyle/>
           <a:p>
-            <a:pPr algn="r"/>
-            <a:r>
-              <a:rPr lang="en-US" sz="1800" dirty="0" smtClean="0"/>
-              <a:t>16</a:t>
-            </a:r>
-            <a:endParaRPr lang="en-US" sz="1800" dirty="0"/>
-          </a:p>
-        </p:txBody>
-      </p:sp>
-      <p:sp>
-        <p:nvSpPr>
-          <p:cNvPr id="185" name="TextBox 184"/>
-          <p:cNvSpPr txBox="1"/>
-          <p:nvPr/>
-        </p:nvSpPr>
-        <p:spPr>
-          <a:xfrm>
-            <a:off x="9963577" y="2590767"/>
-            <a:ext cx="809896" cy="369332"/>
-          </a:xfrm>
-          <a:prstGeom prst="rect">
-            <a:avLst/>
-          </a:prstGeom>
-          <a:noFill/>
-        </p:spPr>
-        <p:txBody>
-          <a:bodyPr wrap="square" lIns="91440" tIns="45720" rIns="91440" bIns="45720" rtlCol="0">
-            <a:spAutoFit/>
-          </a:bodyPr>
-          <a:lstStyle/>
-          <a:p>
             <a:r>
               <a:rPr lang="en-US" sz="1800" dirty="0" err="1"/>
-              <a:t>s</a:t>
-            </a:r>
-            <a:r>
-              <a:rPr lang="en-US" sz="1800" dirty="0" err="1" smtClean="0"/>
-              <a:t>w</a:t>
-            </a:r>
-            <a:r>
-              <a:rPr lang="en-US" sz="1800" dirty="0" smtClean="0"/>
-              <a:t>(0)</a:t>
+              <a:t>sw</a:t>
             </a:r>
             <a:endParaRPr lang="en-US" sz="1800" dirty="0"/>
           </a:p>
@@ -6408,7 +5602,7 @@
         </p:nvSpPr>
         <p:spPr>
           <a:xfrm>
-            <a:off x="12584221" y="5031547"/>
+            <a:off x="12584220" y="6139074"/>
             <a:ext cx="1959248" cy="762000"/>
           </a:xfrm>
           <a:prstGeom prst="roundRect">
@@ -6456,7 +5650,7 @@
         </p:nvSpPr>
         <p:spPr>
           <a:xfrm>
-            <a:off x="12801844" y="5204709"/>
+            <a:off x="12801843" y="6312236"/>
             <a:ext cx="1524000" cy="369332"/>
           </a:xfrm>
           <a:prstGeom prst="rect">
@@ -6472,8 +5666,8 @@
           <a:p>
             <a:pPr algn="ctr"/>
             <a:r>
-              <a:rPr lang="en-US" sz="1800" b="1" smtClean="0"/>
-              <a:t>Counter </a:t>
+              <a:rPr lang="en-US" sz="1800" b="1" dirty="0"/>
+              <a:t>Register </a:t>
             </a:r>
             <a:endParaRPr lang="en-US" sz="4400" b="1" dirty="0"/>
           </a:p>
@@ -6487,7 +5681,7 @@
         </p:nvSpPr>
         <p:spPr>
           <a:xfrm>
-            <a:off x="12539821" y="5031547"/>
+            <a:off x="12539820" y="6139074"/>
             <a:ext cx="759542" cy="369332"/>
           </a:xfrm>
           <a:prstGeom prst="rect">
@@ -6502,7 +5696,7 @@
           <a:lstStyle/>
           <a:p>
             <a:r>
-              <a:rPr lang="en-US" sz="1800" dirty="0" err="1" smtClean="0"/>
+              <a:rPr lang="en-US" sz="1800" dirty="0" err="1"/>
               <a:t>cw</a:t>
             </a:r>
             <a:endParaRPr lang="en-US" sz="1800" dirty="0"/>
@@ -6517,7 +5711,7 @@
         </p:nvSpPr>
         <p:spPr>
           <a:xfrm>
-            <a:off x="11629024" y="4881951"/>
+            <a:off x="11738508" y="6031971"/>
             <a:ext cx="911328" cy="369332"/>
           </a:xfrm>
           <a:prstGeom prst="rect">
@@ -6532,14 +5726,13 @@
           <a:lstStyle/>
           <a:p>
             <a:r>
-              <a:rPr lang="en-US" sz="1800" dirty="0" err="1" smtClean="0"/>
+              <a:rPr lang="en-US" sz="1800" dirty="0" err="1"/>
               <a:t>cw</a:t>
             </a:r>
             <a:r>
-              <a:rPr lang="en-US" sz="1800" dirty="0" smtClean="0"/>
-              <a:t>(2:1)</a:t>
-            </a:r>
-            <a:endParaRPr lang="en-US" sz="1800" dirty="0"/>
+              <a:rPr lang="en-US" sz="1800" dirty="0"/>
+              <a:t>(3)</a:t>
+            </a:r>
           </a:p>
         </p:txBody>
       </p:sp>
@@ -6551,7 +5744,7 @@
         </p:nvSpPr>
         <p:spPr>
           <a:xfrm rot="5400000">
-            <a:off x="12514590" y="5504649"/>
+            <a:off x="12514589" y="6612176"/>
             <a:ext cx="266700" cy="143315"/>
           </a:xfrm>
           <a:prstGeom prst="triangle">
@@ -6593,48 +5786,13 @@
       </p:sp>
       <p:cxnSp>
         <p:nvCxnSpPr>
-          <p:cNvPr id="198" name="Straight Connector 197"/>
-          <p:cNvCxnSpPr/>
-          <p:nvPr/>
-        </p:nvCxnSpPr>
-        <p:spPr>
-          <a:xfrm flipV="1">
-            <a:off x="12149162" y="5169353"/>
-            <a:ext cx="264757" cy="230972"/>
-          </a:xfrm>
-          <a:prstGeom prst="line">
-            <a:avLst/>
-          </a:prstGeom>
-          <a:ln w="12700">
-            <a:solidFill>
-              <a:schemeClr val="tx1"/>
-            </a:solidFill>
-          </a:ln>
-        </p:spPr>
-        <p:style>
-          <a:lnRef idx="1">
-            <a:schemeClr val="accent1"/>
-          </a:lnRef>
-          <a:fillRef idx="0">
-            <a:schemeClr val="accent1"/>
-          </a:fillRef>
-          <a:effectRef idx="0">
-            <a:schemeClr val="accent1"/>
-          </a:effectRef>
-          <a:fontRef idx="minor">
-            <a:schemeClr val="tx1"/>
-          </a:fontRef>
-        </p:style>
-      </p:cxnSp>
-      <p:cxnSp>
-        <p:nvCxnSpPr>
           <p:cNvPr id="199" name="Straight Connector 198"/>
           <p:cNvCxnSpPr/>
           <p:nvPr/>
         </p:nvCxnSpPr>
         <p:spPr>
           <a:xfrm flipV="1">
-            <a:off x="11857818" y="5270193"/>
+            <a:off x="11857817" y="6377720"/>
             <a:ext cx="730982" cy="14646"/>
           </a:xfrm>
           <a:prstGeom prst="line">
@@ -6665,145 +5823,16 @@
       <p:cxnSp>
         <p:nvCxnSpPr>
           <p:cNvPr id="202" name="Straight Connector 201"/>
-          <p:cNvCxnSpPr/>
+          <p:cNvCxnSpPr>
+            <a:cxnSpLocks/>
+            <a:stCxn id="193" idx="2"/>
+          </p:cNvCxnSpPr>
           <p:nvPr/>
         </p:nvCxnSpPr>
         <p:spPr>
           <a:xfrm>
-            <a:off x="13516772" y="5820945"/>
-            <a:ext cx="27682" cy="2836449"/>
-          </a:xfrm>
-          <a:prstGeom prst="line">
-            <a:avLst/>
-          </a:prstGeom>
-          <a:ln w="38100">
-            <a:solidFill>
-              <a:schemeClr val="tx1"/>
-            </a:solidFill>
-            <a:tailEnd type="none"/>
-          </a:ln>
-        </p:spPr>
-        <p:style>
-          <a:lnRef idx="1">
-            <a:schemeClr val="accent1"/>
-          </a:lnRef>
-          <a:fillRef idx="0">
-            <a:schemeClr val="accent1"/>
-          </a:fillRef>
-          <a:effectRef idx="0">
-            <a:schemeClr val="accent1"/>
-          </a:effectRef>
-          <a:fontRef idx="minor">
-            <a:schemeClr val="tx1"/>
-          </a:fontRef>
-        </p:style>
-      </p:cxnSp>
-      <p:cxnSp>
-        <p:nvCxnSpPr>
-          <p:cNvPr id="203" name="Straight Connector 202"/>
-          <p:cNvCxnSpPr/>
-          <p:nvPr/>
-        </p:nvCxnSpPr>
-        <p:spPr>
-          <a:xfrm flipV="1">
-            <a:off x="13351845" y="6066787"/>
-            <a:ext cx="264757" cy="230972"/>
-          </a:xfrm>
-          <a:prstGeom prst="line">
-            <a:avLst/>
-          </a:prstGeom>
-          <a:ln w="12700">
-            <a:solidFill>
-              <a:schemeClr val="tx1"/>
-            </a:solidFill>
-          </a:ln>
-        </p:spPr>
-        <p:style>
-          <a:lnRef idx="1">
-            <a:schemeClr val="accent1"/>
-          </a:lnRef>
-          <a:fillRef idx="0">
-            <a:schemeClr val="accent1"/>
-          </a:fillRef>
-          <a:effectRef idx="0">
-            <a:schemeClr val="accent1"/>
-          </a:effectRef>
-          <a:fontRef idx="minor">
-            <a:schemeClr val="tx1"/>
-          </a:fontRef>
-        </p:style>
-      </p:cxnSp>
-      <p:sp>
-        <p:nvSpPr>
-          <p:cNvPr id="204" name="TextBox 203"/>
-          <p:cNvSpPr txBox="1"/>
-          <p:nvPr/>
-        </p:nvSpPr>
-        <p:spPr>
-          <a:xfrm>
-            <a:off x="13064614" y="5920254"/>
-            <a:ext cx="479840" cy="369332"/>
-          </a:xfrm>
-          <a:prstGeom prst="rect">
-            <a:avLst/>
-          </a:prstGeom>
-          <a:noFill/>
-        </p:spPr>
-        <p:txBody>
-          <a:bodyPr wrap="square" lIns="91440" tIns="45720" rIns="91440" bIns="45720" rtlCol="0">
-            <a:spAutoFit/>
-          </a:bodyPr>
-          <a:lstStyle/>
-          <a:p>
-            <a:pPr algn="r"/>
-            <a:r>
-              <a:rPr lang="en-US" sz="1800" dirty="0" smtClean="0"/>
-              <a:t>10</a:t>
-            </a:r>
-            <a:endParaRPr lang="en-US" sz="1800" dirty="0"/>
-          </a:p>
-        </p:txBody>
-      </p:sp>
-      <p:sp>
-        <p:nvSpPr>
-          <p:cNvPr id="208" name="TextBox 207"/>
-          <p:cNvSpPr txBox="1"/>
-          <p:nvPr/>
-        </p:nvSpPr>
-        <p:spPr>
-          <a:xfrm>
-            <a:off x="11935566" y="5233602"/>
-            <a:ext cx="570681" cy="369332"/>
-          </a:xfrm>
-          <a:prstGeom prst="rect">
-            <a:avLst/>
-          </a:prstGeom>
-          <a:noFill/>
-        </p:spPr>
-        <p:txBody>
-          <a:bodyPr wrap="square" lIns="91440" tIns="45720" rIns="91440" bIns="45720" rtlCol="0">
-            <a:spAutoFit/>
-          </a:bodyPr>
-          <a:lstStyle/>
-          <a:p>
-            <a:pPr algn="r"/>
-            <a:r>
-              <a:rPr lang="en-US" sz="1800" dirty="0"/>
-              <a:t>2</a:t>
-            </a:r>
-          </a:p>
-        </p:txBody>
-      </p:sp>
-      <p:cxnSp>
-        <p:nvCxnSpPr>
-          <p:cNvPr id="216" name="Straight Connector 215"/>
-          <p:cNvCxnSpPr/>
-          <p:nvPr/>
-        </p:nvCxnSpPr>
-        <p:spPr>
-          <a:xfrm>
-            <a:off x="8085569" y="1028455"/>
-            <a:ext cx="643995" cy="11142"/>
+            <a:off x="13563844" y="6901074"/>
+            <a:ext cx="27682" cy="1047815"/>
           </a:xfrm>
           <a:prstGeom prst="line">
             <a:avLst/>
@@ -6832,14 +5861,14 @@
       </p:cxnSp>
       <p:cxnSp>
         <p:nvCxnSpPr>
-          <p:cNvPr id="220" name="Straight Connector 219"/>
+          <p:cNvPr id="216" name="Straight Connector 215"/>
           <p:cNvCxnSpPr/>
           <p:nvPr/>
         </p:nvCxnSpPr>
         <p:spPr>
-          <a:xfrm flipH="1">
-            <a:off x="8093642" y="3044753"/>
-            <a:ext cx="594921" cy="1"/>
+          <a:xfrm>
+            <a:off x="8086787" y="955019"/>
+            <a:ext cx="643995" cy="11142"/>
           </a:xfrm>
           <a:prstGeom prst="line">
             <a:avLst/>
@@ -6866,57 +5895,18 @@
           </a:fontRef>
         </p:style>
       </p:cxnSp>
-      <p:sp>
-        <p:nvSpPr>
-          <p:cNvPr id="337" name="TextBox 336"/>
-          <p:cNvSpPr txBox="1"/>
-          <p:nvPr/>
-        </p:nvSpPr>
-        <p:spPr>
-          <a:xfrm>
-            <a:off x="5062541" y="8380293"/>
-            <a:ext cx="1320800" cy="492443"/>
-          </a:xfrm>
-          <a:prstGeom prst="rect">
-            <a:avLst/>
-          </a:prstGeom>
-          <a:noFill/>
-        </p:spPr>
-        <p:txBody>
-          <a:bodyPr wrap="square" lIns="121920" tIns="60960" rIns="121920" bIns="60960" rtlCol="0">
-            <a:spAutoFit/>
-          </a:bodyPr>
-          <a:lstStyle/>
-          <a:p>
-            <a:pPr algn="r" defTabSz="1219170"/>
-            <a:r>
-              <a:rPr lang="en-US" sz="2400" dirty="0" smtClean="0">
-                <a:solidFill>
-                  <a:prstClr val="black"/>
-                </a:solidFill>
-                <a:latin typeface="Calibri"/>
-              </a:rPr>
-              <a:t>match</a:t>
-            </a:r>
-            <a:endParaRPr lang="en-US" sz="2400" dirty="0">
-              <a:solidFill>
-                <a:prstClr val="black"/>
-              </a:solidFill>
-              <a:latin typeface="Calibri"/>
-            </a:endParaRPr>
-          </a:p>
-        </p:txBody>
-      </p:sp>
       <p:cxnSp>
         <p:nvCxnSpPr>
-          <p:cNvPr id="338" name="Straight Connector 337"/>
-          <p:cNvCxnSpPr/>
+          <p:cNvPr id="220" name="Straight Connector 219"/>
+          <p:cNvCxnSpPr>
+            <a:cxnSpLocks/>
+          </p:cNvCxnSpPr>
           <p:nvPr/>
         </p:nvCxnSpPr>
         <p:spPr>
-          <a:xfrm>
-            <a:off x="6396136" y="8635357"/>
-            <a:ext cx="7120636" cy="22037"/>
+          <a:xfrm flipH="1">
+            <a:off x="8093642" y="3017231"/>
+            <a:ext cx="2772430" cy="27523"/>
           </a:xfrm>
           <a:prstGeom prst="line">
             <a:avLst/>
@@ -6925,8 +5915,7 @@
             <a:solidFill>
               <a:schemeClr val="tx1"/>
             </a:solidFill>
-            <a:headEnd type="triangle" w="med" len="med"/>
-            <a:tailEnd type="none" w="med" len="med"/>
+            <a:tailEnd type="triangle"/>
           </a:ln>
         </p:spPr>
         <p:style>
@@ -6944,72 +5933,6 @@
           </a:fontRef>
         </p:style>
       </p:cxnSp>
-      <p:cxnSp>
-        <p:nvCxnSpPr>
-          <p:cNvPr id="339" name="Straight Connector 338"/>
-          <p:cNvCxnSpPr/>
-          <p:nvPr/>
-        </p:nvCxnSpPr>
-        <p:spPr>
-          <a:xfrm flipV="1">
-            <a:off x="7364874" y="8525921"/>
-            <a:ext cx="264757" cy="230972"/>
-          </a:xfrm>
-          <a:prstGeom prst="line">
-            <a:avLst/>
-          </a:prstGeom>
-          <a:ln w="12700">
-            <a:solidFill>
-              <a:schemeClr val="tx1"/>
-            </a:solidFill>
-          </a:ln>
-        </p:spPr>
-        <p:style>
-          <a:lnRef idx="1">
-            <a:schemeClr val="accent1"/>
-          </a:lnRef>
-          <a:fillRef idx="0">
-            <a:schemeClr val="accent1"/>
-          </a:fillRef>
-          <a:effectRef idx="0">
-            <a:schemeClr val="accent1"/>
-          </a:effectRef>
-          <a:fontRef idx="minor">
-            <a:schemeClr val="tx1"/>
-          </a:fontRef>
-        </p:style>
-      </p:cxnSp>
-      <p:sp>
-        <p:nvSpPr>
-          <p:cNvPr id="340" name="TextBox 339"/>
-          <p:cNvSpPr txBox="1"/>
-          <p:nvPr/>
-        </p:nvSpPr>
-        <p:spPr>
-          <a:xfrm>
-            <a:off x="7070502" y="8339635"/>
-            <a:ext cx="479840" cy="369332"/>
-          </a:xfrm>
-          <a:prstGeom prst="rect">
-            <a:avLst/>
-          </a:prstGeom>
-          <a:noFill/>
-        </p:spPr>
-        <p:txBody>
-          <a:bodyPr wrap="square" lIns="91440" tIns="45720" rIns="91440" bIns="45720" rtlCol="0">
-            <a:spAutoFit/>
-          </a:bodyPr>
-          <a:lstStyle/>
-          <a:p>
-            <a:pPr algn="r"/>
-            <a:r>
-              <a:rPr lang="en-US" sz="1800" dirty="0" smtClean="0"/>
-              <a:t>10</a:t>
-            </a:r>
-            <a:endParaRPr lang="en-US" sz="1800" dirty="0"/>
-          </a:p>
-        </p:txBody>
-      </p:sp>
       <p:graphicFrame>
         <p:nvGraphicFramePr>
           <p:cNvPr id="2" name="Table 1"/>
@@ -7019,14 +5942,14 @@
           <p:nvPr>
             <p:extLst>
               <p:ext uri="{D42A27DB-BD31-4B8C-83A1-F6EECF244321}">
-                <p14:modId xmlns:p14="http://schemas.microsoft.com/office/powerpoint/2010/main" val="2898114427"/>
+                <p14:modId xmlns:p14="http://schemas.microsoft.com/office/powerpoint/2010/main" val="1658230343"/>
               </p:ext>
             </p:extLst>
           </p:nvPr>
         </p:nvGraphicFramePr>
         <p:xfrm>
           <a:off x="914247" y="6213806"/>
-          <a:ext cx="2870200" cy="2667000"/>
+          <a:ext cx="2012950" cy="2164080"/>
         </p:xfrm>
         <a:graphic>
           <a:graphicData uri="http://schemas.openxmlformats.org/drawingml/2006/table">
@@ -7037,27 +5960,6 @@
                   <a:extLst>
                     <a:ext uri="{9D8B030D-6E8A-4147-A177-3AD203B41FA5}">
                       <a16:colId xmlns:a16="http://schemas.microsoft.com/office/drawing/2014/main" val="3047884395"/>
-                    </a:ext>
-                  </a:extLst>
-                </a:gridCol>
-                <a:gridCol w="295275">
-                  <a:extLst>
-                    <a:ext uri="{9D8B030D-6E8A-4147-A177-3AD203B41FA5}">
-                      <a16:colId xmlns:a16="http://schemas.microsoft.com/office/drawing/2014/main" val="1484825939"/>
-                    </a:ext>
-                  </a:extLst>
-                </a:gridCol>
-                <a:gridCol w="276225">
-                  <a:extLst>
-                    <a:ext uri="{9D8B030D-6E8A-4147-A177-3AD203B41FA5}">
-                      <a16:colId xmlns:a16="http://schemas.microsoft.com/office/drawing/2014/main" val="1808342961"/>
-                    </a:ext>
-                  </a:extLst>
-                </a:gridCol>
-                <a:gridCol w="285750">
-                  <a:extLst>
-                    <a:ext uri="{9D8B030D-6E8A-4147-A177-3AD203B41FA5}">
-                      <a16:colId xmlns:a16="http://schemas.microsoft.com/office/drawing/2014/main" val="3320731534"/>
                     </a:ext>
                   </a:extLst>
                 </a:gridCol>
@@ -7121,37 +6023,25 @@
                     </a:lnB>
                   </a:tcPr>
                 </a:tc>
-                <a:tc gridSpan="5">
+                <a:tc gridSpan="4">
                   <a:txBody>
                     <a:bodyPr/>
                     <a:lstStyle/>
                     <a:p>
-                      <a:pPr algn="l" fontAlgn="b"/>
                       <a:r>
-                        <a:rPr lang="en-US" sz="1100" b="1" i="0" u="none" strike="noStrike">
-                          <a:solidFill>
-                            <a:srgbClr val="000000"/>
-                          </a:solidFill>
-                          <a:effectLst/>
-                          <a:latin typeface="Calibri" panose="020F0502020204030204" pitchFamily="34" charset="0"/>
-                        </a:rPr>
-                        <a:t>Output Equation Table</a:t>
+                        <a:rPr lang="en-US" sz="1100" dirty="0"/>
+                        <a:t>Output table</a:t>
                       </a:r>
                     </a:p>
                   </a:txBody>
-                  <a:tcPr marL="9525" marR="9525" marT="9525" marB="0" anchor="b">
-                    <a:lnL>
+                  <a:tcPr>
+                    <a:lnL w="12700" cmpd="sng">
                       <a:noFill/>
+                      <a:prstDash val="solid"/>
                     </a:lnL>
                     <a:lnR>
                       <a:noFill/>
                     </a:lnR>
-                    <a:lnT>
-                      <a:noFill/>
-                    </a:lnT>
-                    <a:lnB>
-                      <a:noFill/>
-                    </a:lnB>
                   </a:tcPr>
                 </a:tc>
                 <a:tc hMerge="1">
@@ -7165,36 +6055,6 @@
                   <a:tcPr/>
                 </a:tc>
                 <a:tc hMerge="1">
-                  <a:txBody>
-                    <a:bodyPr/>
-                    <a:lstStyle/>
-                    <a:p>
-                      <a:endParaRPr lang="en-US"/>
-                    </a:p>
-                  </a:txBody>
-                  <a:tcPr/>
-                </a:tc>
-                <a:tc hMerge="1">
-                  <a:txBody>
-                    <a:bodyPr/>
-                    <a:lstStyle/>
-                    <a:p>
-                      <a:endParaRPr lang="en-US"/>
-                    </a:p>
-                  </a:txBody>
-                  <a:tcPr/>
-                </a:tc>
-                <a:tc hMerge="1">
-                  <a:txBody>
-                    <a:bodyPr/>
-                    <a:lstStyle/>
-                    <a:p>
-                      <a:endParaRPr lang="en-US"/>
-                    </a:p>
-                  </a:txBody>
-                  <a:tcPr/>
-                </a:tc>
-                <a:tc>
                   <a:txBody>
                     <a:bodyPr/>
                     <a:lstStyle/>
@@ -7224,13 +6084,13 @@
                     </a:lnB>
                   </a:tcPr>
                 </a:tc>
-                <a:tc>
+                <a:tc hMerge="1">
                   <a:txBody>
                     <a:bodyPr/>
                     <a:lstStyle/>
                     <a:p>
                       <a:pPr algn="l" fontAlgn="b"/>
-                      <a:endParaRPr lang="en-US" sz="1100" b="0" i="0" u="none" strike="noStrike">
+                      <a:endParaRPr lang="en-US" sz="1100" b="0" i="0" u="none" strike="noStrike" dirty="0">
                         <a:solidFill>
                           <a:srgbClr val="000000"/>
                         </a:solidFill>
@@ -7308,123 +6168,6 @@
                           <a:effectLst/>
                           <a:latin typeface="Calibri" panose="020F0502020204030204" pitchFamily="34" charset="0"/>
                         </a:rPr>
-                        <a:t>ACQ</a:t>
-                      </a:r>
-                    </a:p>
-                  </a:txBody>
-                  <a:tcPr marL="9525" marR="9525" marT="9525" marB="0" anchor="b">
-                    <a:lnL>
-                      <a:noFill/>
-                    </a:lnL>
-                    <a:lnR>
-                      <a:noFill/>
-                    </a:lnR>
-                    <a:lnT>
-                      <a:noFill/>
-                    </a:lnT>
-                    <a:lnB w="6350" cap="flat" cmpd="sng" algn="ctr">
-                      <a:solidFill>
-                        <a:srgbClr val="000000"/>
-                      </a:solidFill>
-                      <a:prstDash val="solid"/>
-                      <a:round/>
-                      <a:headEnd type="none" w="med" len="med"/>
-                      <a:tailEnd type="none" w="med" len="med"/>
-                    </a:lnB>
-                  </a:tcPr>
-                </a:tc>
-                <a:tc>
-                  <a:txBody>
-                    <a:bodyPr/>
-                    <a:lstStyle/>
-                    <a:p>
-                      <a:pPr algn="l" fontAlgn="b"/>
-                      <a:r>
-                        <a:rPr lang="en-US" sz="1100" b="0" i="0" u="none" strike="noStrike">
-                          <a:solidFill>
-                            <a:srgbClr val="000000"/>
-                          </a:solidFill>
-                          <a:effectLst/>
-                          <a:latin typeface="Calibri" panose="020F0502020204030204" pitchFamily="34" charset="0"/>
-                        </a:rPr>
-                        <a:t>cw5</a:t>
-                      </a:r>
-                    </a:p>
-                  </a:txBody>
-                  <a:tcPr marL="9525" marR="9525" marT="9525" marB="0" anchor="b">
-                    <a:lnL>
-                      <a:noFill/>
-                    </a:lnL>
-                    <a:lnR>
-                      <a:noFill/>
-                    </a:lnR>
-                    <a:lnT>
-                      <a:noFill/>
-                    </a:lnT>
-                    <a:lnB w="6350" cap="flat" cmpd="sng" algn="ctr">
-                      <a:solidFill>
-                        <a:srgbClr val="000000"/>
-                      </a:solidFill>
-                      <a:prstDash val="solid"/>
-                      <a:round/>
-                      <a:headEnd type="none" w="med" len="med"/>
-                      <a:tailEnd type="none" w="med" len="med"/>
-                    </a:lnB>
-                  </a:tcPr>
-                </a:tc>
-                <a:tc>
-                  <a:txBody>
-                    <a:bodyPr/>
-                    <a:lstStyle/>
-                    <a:p>
-                      <a:pPr algn="l" fontAlgn="b"/>
-                      <a:r>
-                        <a:rPr lang="en-US" sz="1100" b="0" i="0" u="none" strike="noStrike">
-                          <a:solidFill>
-                            <a:srgbClr val="000000"/>
-                          </a:solidFill>
-                          <a:effectLst/>
-                          <a:latin typeface="Calibri" panose="020F0502020204030204" pitchFamily="34" charset="0"/>
-                        </a:rPr>
-                        <a:t>cw4</a:t>
-                      </a:r>
-                    </a:p>
-                  </a:txBody>
-                  <a:tcPr marL="9525" marR="9525" marT="9525" marB="0" anchor="b">
-                    <a:lnL>
-                      <a:noFill/>
-                    </a:lnL>
-                    <a:lnR>
-                      <a:noFill/>
-                    </a:lnR>
-                    <a:lnT>
-                      <a:noFill/>
-                    </a:lnT>
-                    <a:lnB w="6350" cap="flat" cmpd="sng" algn="ctr">
-                      <a:solidFill>
-                        <a:srgbClr val="000000"/>
-                      </a:solidFill>
-                      <a:prstDash val="solid"/>
-                      <a:round/>
-                      <a:headEnd type="none" w="med" len="med"/>
-                      <a:tailEnd type="none" w="med" len="med"/>
-                    </a:lnB>
-                  </a:tcPr>
-                </a:tc>
-                <a:tc>
-                  <a:txBody>
-                    <a:bodyPr/>
-                    <a:lstStyle/>
-                    <a:p>
-                      <a:pPr algn="l" fontAlgn="b"/>
-                      <a:r>
-                        <a:rPr lang="en-US" sz="1100" b="0" i="0" u="none" strike="noStrike">
-                          <a:solidFill>
-                            <a:srgbClr val="000000"/>
-                          </a:solidFill>
-                          <a:effectLst/>
-                          <a:latin typeface="Calibri" panose="020F0502020204030204" pitchFamily="34" charset="0"/>
-                        </a:rPr>
                         <a:t>cw3</a:t>
                       </a:r>
                     </a:p>
@@ -7436,9 +6179,6 @@
                     <a:lnR>
                       <a:noFill/>
                     </a:lnR>
-                    <a:lnT>
-                      <a:noFill/>
-                    </a:lnT>
                     <a:lnB w="6350" cap="flat" cmpd="sng" algn="ctr">
                       <a:solidFill>
                         <a:srgbClr val="000000"/>
@@ -7475,9 +6215,6 @@
                     <a:lnR>
                       <a:noFill/>
                     </a:lnR>
-                    <a:lnT>
-                      <a:noFill/>
-                    </a:lnT>
                     <a:lnB w="6350" cap="flat" cmpd="sng" algn="ctr">
                       <a:solidFill>
                         <a:srgbClr val="000000"/>
@@ -7581,22 +6318,15 @@
                     <a:p>
                       <a:pPr algn="l" fontAlgn="b"/>
                       <a:r>
-                        <a:rPr lang="en-US" sz="1100" b="0" i="0" u="none" strike="noStrike" dirty="0" err="1" smtClean="0">
+                        <a:rPr lang="en-US" sz="1100" b="0" i="0" u="none" strike="noStrike" dirty="0">
                           <a:solidFill>
                             <a:srgbClr val="000000"/>
                           </a:solidFill>
                           <a:effectLst/>
                           <a:latin typeface="Calibri" panose="020F0502020204030204" pitchFamily="34" charset="0"/>
                         </a:rPr>
-                        <a:t>waitREQ</a:t>
+                        <a:t>initC</a:t>
                       </a:r>
-                      <a:endParaRPr lang="en-US" sz="1100" b="0" i="0" u="none" strike="noStrike" dirty="0">
-                        <a:solidFill>
-                          <a:srgbClr val="000000"/>
-                        </a:solidFill>
-                        <a:effectLst/>
-                        <a:latin typeface="Calibri" panose="020F0502020204030204" pitchFamily="34" charset="0"/>
-                      </a:endParaRPr>
                     </a:p>
                   </a:txBody>
                   <a:tcPr marL="9525" marR="9525" marT="9525" marB="0" anchor="b">
@@ -7626,16 +6356,13 @@
                     <a:lstStyle/>
                     <a:p>
                       <a:pPr algn="ctr" fontAlgn="b"/>
-                      <a:r>
-                        <a:rPr lang="en-US" sz="1100" b="0" i="0" u="none" strike="noStrike">
-                          <a:solidFill>
-                            <a:srgbClr val="000000"/>
-                          </a:solidFill>
-                          <a:effectLst/>
-                          <a:latin typeface="Calibri" panose="020F0502020204030204" pitchFamily="34" charset="0"/>
-                        </a:rPr>
-                        <a:t> </a:t>
-                      </a:r>
+                      <a:endParaRPr lang="en-US" sz="1100" b="0" i="0" u="none" strike="noStrike" dirty="0">
+                        <a:solidFill>
+                          <a:srgbClr val="000000"/>
+                        </a:solidFill>
+                        <a:effectLst/>
+                        <a:latin typeface="Calibri" panose="020F0502020204030204" pitchFamily="34" charset="0"/>
+                      </a:endParaRPr>
                     </a:p>
                   </a:txBody>
                   <a:tcPr marL="9525" marR="9525" marT="9525" marB="0" anchor="b">
@@ -7686,16 +6413,13 @@
                     <a:lstStyle/>
                     <a:p>
                       <a:pPr algn="ctr" fontAlgn="b"/>
-                      <a:r>
-                        <a:rPr lang="en-US" sz="1100" b="0" i="0" u="none" strike="noStrike">
-                          <a:solidFill>
-                            <a:srgbClr val="000000"/>
-                          </a:solidFill>
-                          <a:effectLst/>
-                          <a:latin typeface="Calibri" panose="020F0502020204030204" pitchFamily="34" charset="0"/>
-                        </a:rPr>
-                        <a:t> </a:t>
-                      </a:r>
+                      <a:endParaRPr lang="en-US" sz="1100" b="0" i="0" u="none" strike="noStrike" dirty="0">
+                        <a:solidFill>
+                          <a:srgbClr val="000000"/>
+                        </a:solidFill>
+                        <a:effectLst/>
+                        <a:latin typeface="Calibri" panose="020F0502020204030204" pitchFamily="34" charset="0"/>
+                      </a:endParaRPr>
                     </a:p>
                   </a:txBody>
                   <a:tcPr marL="9525" marR="9525" marT="9525" marB="0" anchor="b">
@@ -7746,16 +6470,13 @@
                     <a:lstStyle/>
                     <a:p>
                       <a:pPr algn="ctr" fontAlgn="b"/>
-                      <a:r>
-                        <a:rPr lang="en-US" sz="1100" b="0" i="0" u="none" strike="noStrike">
-                          <a:solidFill>
-                            <a:srgbClr val="000000"/>
-                          </a:solidFill>
-                          <a:effectLst/>
-                          <a:latin typeface="Calibri" panose="020F0502020204030204" pitchFamily="34" charset="0"/>
-                        </a:rPr>
-                        <a:t> </a:t>
-                      </a:r>
+                      <a:endParaRPr lang="en-US" sz="1100" b="0" i="0" u="none" strike="noStrike" dirty="0">
+                        <a:solidFill>
+                          <a:srgbClr val="000000"/>
+                        </a:solidFill>
+                        <a:effectLst/>
+                        <a:latin typeface="Calibri" panose="020F0502020204030204" pitchFamily="34" charset="0"/>
+                      </a:endParaRPr>
                     </a:p>
                   </a:txBody>
                   <a:tcPr marL="9525" marR="9525" marT="9525" marB="0" anchor="b">
@@ -7806,196 +6527,13 @@
                     <a:lstStyle/>
                     <a:p>
                       <a:pPr algn="ctr" fontAlgn="b"/>
-                      <a:r>
-                        <a:rPr lang="en-US" sz="1100" b="0" i="0" u="none" strike="noStrike">
-                          <a:solidFill>
-                            <a:srgbClr val="000000"/>
-                          </a:solidFill>
-                          <a:effectLst/>
-                          <a:latin typeface="Calibri" panose="020F0502020204030204" pitchFamily="34" charset="0"/>
-                        </a:rPr>
-                        <a:t> </a:t>
-                      </a:r>
-                    </a:p>
-                  </a:txBody>
-                  <a:tcPr marL="9525" marR="9525" marT="9525" marB="0" anchor="b">
-                    <a:lnL w="6350" cap="flat" cmpd="sng" algn="ctr">
-                      <a:solidFill>
-                        <a:srgbClr val="000000"/>
-                      </a:solidFill>
-                      <a:prstDash val="solid"/>
-                      <a:round/>
-                      <a:headEnd type="none" w="med" len="med"/>
-                      <a:tailEnd type="none" w="med" len="med"/>
-                    </a:lnL>
-                    <a:lnR w="6350" cap="flat" cmpd="sng" algn="ctr">
-                      <a:solidFill>
-                        <a:srgbClr val="000000"/>
-                      </a:solidFill>
-                      <a:prstDash val="solid"/>
-                      <a:round/>
-                      <a:headEnd type="none" w="med" len="med"/>
-                      <a:tailEnd type="none" w="med" len="med"/>
-                    </a:lnR>
-                    <a:lnT w="6350" cap="flat" cmpd="sng" algn="ctr">
-                      <a:solidFill>
-                        <a:srgbClr val="000000"/>
-                      </a:solidFill>
-                      <a:prstDash val="solid"/>
-                      <a:round/>
-                      <a:headEnd type="none" w="med" len="med"/>
-                      <a:tailEnd type="none" w="med" len="med"/>
-                    </a:lnT>
-                    <a:lnB w="6350" cap="flat" cmpd="sng" algn="ctr">
-                      <a:solidFill>
-                        <a:srgbClr val="000000"/>
-                      </a:solidFill>
-                      <a:prstDash val="solid"/>
-                      <a:round/>
-                      <a:headEnd type="none" w="med" len="med"/>
-                      <a:tailEnd type="none" w="med" len="med"/>
-                    </a:lnB>
-                    <a:solidFill>
-                      <a:srgbClr val="FFFFFF"/>
-                    </a:solidFill>
-                  </a:tcPr>
-                </a:tc>
-                <a:tc>
-                  <a:txBody>
-                    <a:bodyPr/>
-                    <a:lstStyle/>
-                    <a:p>
-                      <a:pPr algn="ctr" fontAlgn="b"/>
-                      <a:r>
-                        <a:rPr lang="en-US" sz="1100" b="0" i="0" u="none" strike="noStrike">
-                          <a:solidFill>
-                            <a:srgbClr val="000000"/>
-                          </a:solidFill>
-                          <a:effectLst/>
-                          <a:latin typeface="Calibri" panose="020F0502020204030204" pitchFamily="34" charset="0"/>
-                        </a:rPr>
-                        <a:t> </a:t>
-                      </a:r>
-                    </a:p>
-                  </a:txBody>
-                  <a:tcPr marL="9525" marR="9525" marT="9525" marB="0" anchor="b">
-                    <a:lnL w="6350" cap="flat" cmpd="sng" algn="ctr">
-                      <a:solidFill>
-                        <a:srgbClr val="000000"/>
-                      </a:solidFill>
-                      <a:prstDash val="solid"/>
-                      <a:round/>
-                      <a:headEnd type="none" w="med" len="med"/>
-                      <a:tailEnd type="none" w="med" len="med"/>
-                    </a:lnL>
-                    <a:lnR w="6350" cap="flat" cmpd="sng" algn="ctr">
-                      <a:solidFill>
-                        <a:srgbClr val="000000"/>
-                      </a:solidFill>
-                      <a:prstDash val="solid"/>
-                      <a:round/>
-                      <a:headEnd type="none" w="med" len="med"/>
-                      <a:tailEnd type="none" w="med" len="med"/>
-                    </a:lnR>
-                    <a:lnT w="6350" cap="flat" cmpd="sng" algn="ctr">
-                      <a:solidFill>
-                        <a:srgbClr val="000000"/>
-                      </a:solidFill>
-                      <a:prstDash val="solid"/>
-                      <a:round/>
-                      <a:headEnd type="none" w="med" len="med"/>
-                      <a:tailEnd type="none" w="med" len="med"/>
-                    </a:lnT>
-                    <a:lnB w="6350" cap="flat" cmpd="sng" algn="ctr">
-                      <a:solidFill>
-                        <a:srgbClr val="000000"/>
-                      </a:solidFill>
-                      <a:prstDash val="solid"/>
-                      <a:round/>
-                      <a:headEnd type="none" w="med" len="med"/>
-                      <a:tailEnd type="none" w="med" len="med"/>
-                    </a:lnB>
-                    <a:solidFill>
-                      <a:srgbClr val="FFFFFF"/>
-                    </a:solidFill>
-                  </a:tcPr>
-                </a:tc>
-                <a:tc>
-                  <a:txBody>
-                    <a:bodyPr/>
-                    <a:lstStyle/>
-                    <a:p>
-                      <a:pPr algn="ctr" fontAlgn="b"/>
-                      <a:r>
-                        <a:rPr lang="en-US" sz="1100" b="0" i="0" u="none" strike="noStrike">
-                          <a:solidFill>
-                            <a:srgbClr val="000000"/>
-                          </a:solidFill>
-                          <a:effectLst/>
-                          <a:latin typeface="Calibri" panose="020F0502020204030204" pitchFamily="34" charset="0"/>
-                        </a:rPr>
-                        <a:t> </a:t>
-                      </a:r>
-                    </a:p>
-                  </a:txBody>
-                  <a:tcPr marL="9525" marR="9525" marT="9525" marB="0" anchor="b">
-                    <a:lnL w="6350" cap="flat" cmpd="sng" algn="ctr">
-                      <a:solidFill>
-                        <a:srgbClr val="000000"/>
-                      </a:solidFill>
-                      <a:prstDash val="solid"/>
-                      <a:round/>
-                      <a:headEnd type="none" w="med" len="med"/>
-                      <a:tailEnd type="none" w="med" len="med"/>
-                    </a:lnL>
-                    <a:lnR w="6350" cap="flat" cmpd="sng" algn="ctr">
-                      <a:solidFill>
-                        <a:srgbClr val="000000"/>
-                      </a:solidFill>
-                      <a:prstDash val="solid"/>
-                      <a:round/>
-                      <a:headEnd type="none" w="med" len="med"/>
-                      <a:tailEnd type="none" w="med" len="med"/>
-                    </a:lnR>
-                    <a:lnT w="6350" cap="flat" cmpd="sng" algn="ctr">
-                      <a:solidFill>
-                        <a:srgbClr val="000000"/>
-                      </a:solidFill>
-                      <a:prstDash val="solid"/>
-                      <a:round/>
-                      <a:headEnd type="none" w="med" len="med"/>
-                      <a:tailEnd type="none" w="med" len="med"/>
-                    </a:lnT>
-                    <a:lnB w="6350" cap="flat" cmpd="sng" algn="ctr">
-                      <a:solidFill>
-                        <a:srgbClr val="000000"/>
-                      </a:solidFill>
-                      <a:prstDash val="solid"/>
-                      <a:round/>
-                      <a:headEnd type="none" w="med" len="med"/>
-                      <a:tailEnd type="none" w="med" len="med"/>
-                    </a:lnB>
-                    <a:solidFill>
-                      <a:srgbClr val="FFFFFF"/>
-                    </a:solidFill>
-                  </a:tcPr>
-                </a:tc>
-                <a:tc>
-                  <a:txBody>
-                    <a:bodyPr/>
-                    <a:lstStyle/>
-                    <a:p>
-                      <a:pPr algn="ctr" fontAlgn="b"/>
-                      <a:r>
-                        <a:rPr lang="en-US" sz="1100" b="0" i="0" u="none" strike="noStrike">
-                          <a:solidFill>
-                            <a:srgbClr val="000000"/>
-                          </a:solidFill>
-                          <a:effectLst/>
-                          <a:latin typeface="Calibri" panose="020F0502020204030204" pitchFamily="34" charset="0"/>
-                        </a:rPr>
-                        <a:t> </a:t>
-                      </a:r>
+                      <a:endParaRPr lang="en-US" sz="1100" b="0" i="0" u="none" strike="noStrike" dirty="0">
+                        <a:solidFill>
+                          <a:srgbClr val="000000"/>
+                        </a:solidFill>
+                        <a:effectLst/>
+                        <a:latin typeface="Calibri" panose="020F0502020204030204" pitchFamily="34" charset="0"/>
+                      </a:endParaRPr>
                     </a:p>
                   </a:txBody>
                   <a:tcPr marL="9525" marR="9525" marT="9525" marB="0" anchor="b">
@@ -8089,16 +6627,13 @@
                     <a:lstStyle/>
                     <a:p>
                       <a:pPr algn="ctr" fontAlgn="b"/>
-                      <a:r>
-                        <a:rPr lang="en-US" sz="1100" b="0" i="0" u="none" strike="noStrike">
-                          <a:solidFill>
-                            <a:srgbClr val="000000"/>
-                          </a:solidFill>
-                          <a:effectLst/>
-                          <a:latin typeface="Calibri" panose="020F0502020204030204" pitchFamily="34" charset="0"/>
-                        </a:rPr>
-                        <a:t> </a:t>
-                      </a:r>
+                      <a:endParaRPr lang="en-US" sz="1100" b="0" i="0" u="none" strike="noStrike" dirty="0">
+                        <a:solidFill>
+                          <a:srgbClr val="000000"/>
+                        </a:solidFill>
+                        <a:effectLst/>
+                        <a:latin typeface="Calibri" panose="020F0502020204030204" pitchFamily="34" charset="0"/>
+                      </a:endParaRPr>
                     </a:p>
                   </a:txBody>
                   <a:tcPr marL="9525" marR="9525" marT="9525" marB="0" anchor="b">
@@ -8149,16 +6684,13 @@
                     <a:lstStyle/>
                     <a:p>
                       <a:pPr algn="ctr" fontAlgn="b"/>
-                      <a:r>
-                        <a:rPr lang="en-US" sz="1100" b="0" i="0" u="none" strike="noStrike">
-                          <a:solidFill>
-                            <a:srgbClr val="000000"/>
-                          </a:solidFill>
-                          <a:effectLst/>
-                          <a:latin typeface="Calibri" panose="020F0502020204030204" pitchFamily="34" charset="0"/>
-                        </a:rPr>
-                        <a:t> </a:t>
-                      </a:r>
+                      <a:endParaRPr lang="en-US" sz="1100" b="0" i="0" u="none" strike="noStrike" dirty="0">
+                        <a:solidFill>
+                          <a:srgbClr val="000000"/>
+                        </a:solidFill>
+                        <a:effectLst/>
+                        <a:latin typeface="Calibri" panose="020F0502020204030204" pitchFamily="34" charset="0"/>
+                      </a:endParaRPr>
                     </a:p>
                   </a:txBody>
                   <a:tcPr marL="9525" marR="9525" marT="9525" marB="0" anchor="b">
@@ -8209,16 +6741,13 @@
                     <a:lstStyle/>
                     <a:p>
                       <a:pPr algn="ctr" fontAlgn="b"/>
-                      <a:r>
-                        <a:rPr lang="en-US" sz="1100" b="0" i="0" u="none" strike="noStrike" dirty="0">
-                          <a:solidFill>
-                            <a:srgbClr val="000000"/>
-                          </a:solidFill>
-                          <a:effectLst/>
-                          <a:latin typeface="Calibri" panose="020F0502020204030204" pitchFamily="34" charset="0"/>
-                        </a:rPr>
-                        <a:t> </a:t>
-                      </a:r>
+                      <a:endParaRPr lang="en-US" sz="1100" b="0" i="0" u="none" strike="noStrike" dirty="0">
+                        <a:solidFill>
+                          <a:srgbClr val="000000"/>
+                        </a:solidFill>
+                        <a:effectLst/>
+                        <a:latin typeface="Calibri" panose="020F0502020204030204" pitchFamily="34" charset="0"/>
+                      </a:endParaRPr>
                     </a:p>
                   </a:txBody>
                   <a:tcPr marL="9525" marR="9525" marT="9525" marB="0" anchor="b">
@@ -8269,196 +6798,13 @@
                     <a:lstStyle/>
                     <a:p>
                       <a:pPr algn="ctr" fontAlgn="b"/>
-                      <a:r>
-                        <a:rPr lang="en-US" sz="1100" b="0" i="0" u="none" strike="noStrike">
-                          <a:solidFill>
-                            <a:srgbClr val="000000"/>
-                          </a:solidFill>
-                          <a:effectLst/>
-                          <a:latin typeface="Calibri" panose="020F0502020204030204" pitchFamily="34" charset="0"/>
-                        </a:rPr>
-                        <a:t> </a:t>
-                      </a:r>
-                    </a:p>
-                  </a:txBody>
-                  <a:tcPr marL="9525" marR="9525" marT="9525" marB="0" anchor="b">
-                    <a:lnL w="6350" cap="flat" cmpd="sng" algn="ctr">
-                      <a:solidFill>
-                        <a:srgbClr val="000000"/>
-                      </a:solidFill>
-                      <a:prstDash val="solid"/>
-                      <a:round/>
-                      <a:headEnd type="none" w="med" len="med"/>
-                      <a:tailEnd type="none" w="med" len="med"/>
-                    </a:lnL>
-                    <a:lnR w="6350" cap="flat" cmpd="sng" algn="ctr">
-                      <a:solidFill>
-                        <a:srgbClr val="000000"/>
-                      </a:solidFill>
-                      <a:prstDash val="solid"/>
-                      <a:round/>
-                      <a:headEnd type="none" w="med" len="med"/>
-                      <a:tailEnd type="none" w="med" len="med"/>
-                    </a:lnR>
-                    <a:lnT w="6350" cap="flat" cmpd="sng" algn="ctr">
-                      <a:solidFill>
-                        <a:srgbClr val="000000"/>
-                      </a:solidFill>
-                      <a:prstDash val="solid"/>
-                      <a:round/>
-                      <a:headEnd type="none" w="med" len="med"/>
-                      <a:tailEnd type="none" w="med" len="med"/>
-                    </a:lnT>
-                    <a:lnB w="6350" cap="flat" cmpd="sng" algn="ctr">
-                      <a:solidFill>
-                        <a:srgbClr val="000000"/>
-                      </a:solidFill>
-                      <a:prstDash val="solid"/>
-                      <a:round/>
-                      <a:headEnd type="none" w="med" len="med"/>
-                      <a:tailEnd type="none" w="med" len="med"/>
-                    </a:lnB>
-                    <a:solidFill>
-                      <a:srgbClr val="FFFFFF"/>
-                    </a:solidFill>
-                  </a:tcPr>
-                </a:tc>
-                <a:tc>
-                  <a:txBody>
-                    <a:bodyPr/>
-                    <a:lstStyle/>
-                    <a:p>
-                      <a:pPr algn="ctr" fontAlgn="b"/>
-                      <a:r>
-                        <a:rPr lang="en-US" sz="1100" b="0" i="0" u="none" strike="noStrike">
-                          <a:solidFill>
-                            <a:srgbClr val="000000"/>
-                          </a:solidFill>
-                          <a:effectLst/>
-                          <a:latin typeface="Calibri" panose="020F0502020204030204" pitchFamily="34" charset="0"/>
-                        </a:rPr>
-                        <a:t> </a:t>
-                      </a:r>
-                    </a:p>
-                  </a:txBody>
-                  <a:tcPr marL="9525" marR="9525" marT="9525" marB="0" anchor="b">
-                    <a:lnL w="6350" cap="flat" cmpd="sng" algn="ctr">
-                      <a:solidFill>
-                        <a:srgbClr val="000000"/>
-                      </a:solidFill>
-                      <a:prstDash val="solid"/>
-                      <a:round/>
-                      <a:headEnd type="none" w="med" len="med"/>
-                      <a:tailEnd type="none" w="med" len="med"/>
-                    </a:lnL>
-                    <a:lnR w="6350" cap="flat" cmpd="sng" algn="ctr">
-                      <a:solidFill>
-                        <a:srgbClr val="000000"/>
-                      </a:solidFill>
-                      <a:prstDash val="solid"/>
-                      <a:round/>
-                      <a:headEnd type="none" w="med" len="med"/>
-                      <a:tailEnd type="none" w="med" len="med"/>
-                    </a:lnR>
-                    <a:lnT w="6350" cap="flat" cmpd="sng" algn="ctr">
-                      <a:solidFill>
-                        <a:srgbClr val="000000"/>
-                      </a:solidFill>
-                      <a:prstDash val="solid"/>
-                      <a:round/>
-                      <a:headEnd type="none" w="med" len="med"/>
-                      <a:tailEnd type="none" w="med" len="med"/>
-                    </a:lnT>
-                    <a:lnB w="6350" cap="flat" cmpd="sng" algn="ctr">
-                      <a:solidFill>
-                        <a:srgbClr val="000000"/>
-                      </a:solidFill>
-                      <a:prstDash val="solid"/>
-                      <a:round/>
-                      <a:headEnd type="none" w="med" len="med"/>
-                      <a:tailEnd type="none" w="med" len="med"/>
-                    </a:lnB>
-                    <a:solidFill>
-                      <a:srgbClr val="FFFFFF"/>
-                    </a:solidFill>
-                  </a:tcPr>
-                </a:tc>
-                <a:tc>
-                  <a:txBody>
-                    <a:bodyPr/>
-                    <a:lstStyle/>
-                    <a:p>
-                      <a:pPr algn="ctr" fontAlgn="b"/>
-                      <a:r>
-                        <a:rPr lang="en-US" sz="1100" b="0" i="0" u="none" strike="noStrike">
-                          <a:solidFill>
-                            <a:srgbClr val="000000"/>
-                          </a:solidFill>
-                          <a:effectLst/>
-                          <a:latin typeface="Calibri" panose="020F0502020204030204" pitchFamily="34" charset="0"/>
-                        </a:rPr>
-                        <a:t> </a:t>
-                      </a:r>
-                    </a:p>
-                  </a:txBody>
-                  <a:tcPr marL="9525" marR="9525" marT="9525" marB="0" anchor="b">
-                    <a:lnL w="6350" cap="flat" cmpd="sng" algn="ctr">
-                      <a:solidFill>
-                        <a:srgbClr val="000000"/>
-                      </a:solidFill>
-                      <a:prstDash val="solid"/>
-                      <a:round/>
-                      <a:headEnd type="none" w="med" len="med"/>
-                      <a:tailEnd type="none" w="med" len="med"/>
-                    </a:lnL>
-                    <a:lnR w="6350" cap="flat" cmpd="sng" algn="ctr">
-                      <a:solidFill>
-                        <a:srgbClr val="000000"/>
-                      </a:solidFill>
-                      <a:prstDash val="solid"/>
-                      <a:round/>
-                      <a:headEnd type="none" w="med" len="med"/>
-                      <a:tailEnd type="none" w="med" len="med"/>
-                    </a:lnR>
-                    <a:lnT w="6350" cap="flat" cmpd="sng" algn="ctr">
-                      <a:solidFill>
-                        <a:srgbClr val="000000"/>
-                      </a:solidFill>
-                      <a:prstDash val="solid"/>
-                      <a:round/>
-                      <a:headEnd type="none" w="med" len="med"/>
-                      <a:tailEnd type="none" w="med" len="med"/>
-                    </a:lnT>
-                    <a:lnB w="6350" cap="flat" cmpd="sng" algn="ctr">
-                      <a:solidFill>
-                        <a:srgbClr val="000000"/>
-                      </a:solidFill>
-                      <a:prstDash val="solid"/>
-                      <a:round/>
-                      <a:headEnd type="none" w="med" len="med"/>
-                      <a:tailEnd type="none" w="med" len="med"/>
-                    </a:lnB>
-                    <a:solidFill>
-                      <a:srgbClr val="FFFFFF"/>
-                    </a:solidFill>
-                  </a:tcPr>
-                </a:tc>
-                <a:tc>
-                  <a:txBody>
-                    <a:bodyPr/>
-                    <a:lstStyle/>
-                    <a:p>
-                      <a:pPr algn="ctr" fontAlgn="b"/>
-                      <a:r>
-                        <a:rPr lang="en-US" sz="1100" b="0" i="0" u="none" strike="noStrike">
-                          <a:solidFill>
-                            <a:srgbClr val="000000"/>
-                          </a:solidFill>
-                          <a:effectLst/>
-                          <a:latin typeface="Calibri" panose="020F0502020204030204" pitchFamily="34" charset="0"/>
-                        </a:rPr>
-                        <a:t> </a:t>
-                      </a:r>
+                      <a:endParaRPr lang="en-US" sz="1100" b="0" i="0" u="none" strike="noStrike" dirty="0">
+                        <a:solidFill>
+                          <a:srgbClr val="000000"/>
+                        </a:solidFill>
+                        <a:effectLst/>
+                        <a:latin typeface="Calibri" panose="020F0502020204030204" pitchFamily="34" charset="0"/>
+                      </a:endParaRPr>
                     </a:p>
                   </a:txBody>
                   <a:tcPr marL="9525" marR="9525" marT="9525" marB="0" anchor="b">
@@ -8516,7 +6862,17 @@
                     <a:lstStyle/>
                     <a:p>
                       <a:pPr algn="l" fontAlgn="b"/>
-                      <a:endParaRPr lang="en-US" sz="1100" b="0" i="0" u="none" strike="noStrike">
+                      <a:r>
+                        <a:rPr lang="en-US" sz="1100" b="0" i="0" u="none" strike="noStrike">
+                          <a:solidFill>
+                            <a:srgbClr val="000000"/>
+                          </a:solidFill>
+                          <a:effectLst/>
+                          <a:latin typeface="Calibri" panose="020F0502020204030204" pitchFamily="34" charset="0"/>
+                        </a:rPr>
+                        <a:t>ready_rise</a:t>
+                      </a:r>
+                      <a:endParaRPr lang="en-US" sz="1100" b="0" i="0" u="none" strike="noStrike" dirty="0">
                         <a:solidFill>
                           <a:srgbClr val="000000"/>
                         </a:solidFill>
@@ -8552,16 +6908,13 @@
                     <a:lstStyle/>
                     <a:p>
                       <a:pPr algn="ctr" fontAlgn="b"/>
-                      <a:r>
-                        <a:rPr lang="en-US" sz="1100" b="0" i="0" u="none" strike="noStrike">
-                          <a:solidFill>
-                            <a:srgbClr val="000000"/>
-                          </a:solidFill>
-                          <a:effectLst/>
-                          <a:latin typeface="Calibri" panose="020F0502020204030204" pitchFamily="34" charset="0"/>
-                        </a:rPr>
-                        <a:t> </a:t>
-                      </a:r>
+                      <a:endParaRPr lang="en-US" sz="1100" b="0" i="0" u="none" strike="noStrike" dirty="0">
+                        <a:solidFill>
+                          <a:srgbClr val="000000"/>
+                        </a:solidFill>
+                        <a:effectLst/>
+                        <a:latin typeface="Calibri" panose="020F0502020204030204" pitchFamily="34" charset="0"/>
+                      </a:endParaRPr>
                     </a:p>
                   </a:txBody>
                   <a:tcPr marL="9525" marR="9525" marT="9525" marB="0" anchor="b">
@@ -8612,16 +6965,13 @@
                     <a:lstStyle/>
                     <a:p>
                       <a:pPr algn="ctr" fontAlgn="b"/>
-                      <a:r>
-                        <a:rPr lang="en-US" sz="1100" b="0" i="0" u="none" strike="noStrike">
-                          <a:solidFill>
-                            <a:srgbClr val="000000"/>
-                          </a:solidFill>
-                          <a:effectLst/>
-                          <a:latin typeface="Calibri" panose="020F0502020204030204" pitchFamily="34" charset="0"/>
-                        </a:rPr>
-                        <a:t> </a:t>
-                      </a:r>
+                      <a:endParaRPr lang="en-US" sz="1100" b="0" i="0" u="none" strike="noStrike" dirty="0">
+                        <a:solidFill>
+                          <a:srgbClr val="000000"/>
+                        </a:solidFill>
+                        <a:effectLst/>
+                        <a:latin typeface="Calibri" panose="020F0502020204030204" pitchFamily="34" charset="0"/>
+                      </a:endParaRPr>
                     </a:p>
                   </a:txBody>
                   <a:tcPr marL="9525" marR="9525" marT="9525" marB="0" anchor="b">
@@ -8672,16 +7022,13 @@
                     <a:lstStyle/>
                     <a:p>
                       <a:pPr algn="ctr" fontAlgn="b"/>
-                      <a:r>
-                        <a:rPr lang="en-US" sz="1100" b="0" i="0" u="none" strike="noStrike">
-                          <a:solidFill>
-                            <a:srgbClr val="000000"/>
-                          </a:solidFill>
-                          <a:effectLst/>
-                          <a:latin typeface="Calibri" panose="020F0502020204030204" pitchFamily="34" charset="0"/>
-                        </a:rPr>
-                        <a:t> </a:t>
-                      </a:r>
+                      <a:endParaRPr lang="en-US" sz="1100" b="0" i="0" u="none" strike="noStrike" dirty="0">
+                        <a:solidFill>
+                          <a:srgbClr val="000000"/>
+                        </a:solidFill>
+                        <a:effectLst/>
+                        <a:latin typeface="Calibri" panose="020F0502020204030204" pitchFamily="34" charset="0"/>
+                      </a:endParaRPr>
                     </a:p>
                   </a:txBody>
                   <a:tcPr marL="9525" marR="9525" marT="9525" marB="0" anchor="b">
@@ -8732,196 +7079,13 @@
                     <a:lstStyle/>
                     <a:p>
                       <a:pPr algn="ctr" fontAlgn="b"/>
-                      <a:r>
-                        <a:rPr lang="en-US" sz="1100" b="0" i="0" u="none" strike="noStrike">
-                          <a:solidFill>
-                            <a:srgbClr val="000000"/>
-                          </a:solidFill>
-                          <a:effectLst/>
-                          <a:latin typeface="Calibri" panose="020F0502020204030204" pitchFamily="34" charset="0"/>
-                        </a:rPr>
-                        <a:t> </a:t>
-                      </a:r>
-                    </a:p>
-                  </a:txBody>
-                  <a:tcPr marL="9525" marR="9525" marT="9525" marB="0" anchor="b">
-                    <a:lnL w="6350" cap="flat" cmpd="sng" algn="ctr">
-                      <a:solidFill>
-                        <a:srgbClr val="000000"/>
-                      </a:solidFill>
-                      <a:prstDash val="solid"/>
-                      <a:round/>
-                      <a:headEnd type="none" w="med" len="med"/>
-                      <a:tailEnd type="none" w="med" len="med"/>
-                    </a:lnL>
-                    <a:lnR w="6350" cap="flat" cmpd="sng" algn="ctr">
-                      <a:solidFill>
-                        <a:srgbClr val="000000"/>
-                      </a:solidFill>
-                      <a:prstDash val="solid"/>
-                      <a:round/>
-                      <a:headEnd type="none" w="med" len="med"/>
-                      <a:tailEnd type="none" w="med" len="med"/>
-                    </a:lnR>
-                    <a:lnT w="6350" cap="flat" cmpd="sng" algn="ctr">
-                      <a:solidFill>
-                        <a:srgbClr val="000000"/>
-                      </a:solidFill>
-                      <a:prstDash val="solid"/>
-                      <a:round/>
-                      <a:headEnd type="none" w="med" len="med"/>
-                      <a:tailEnd type="none" w="med" len="med"/>
-                    </a:lnT>
-                    <a:lnB w="6350" cap="flat" cmpd="sng" algn="ctr">
-                      <a:solidFill>
-                        <a:srgbClr val="000000"/>
-                      </a:solidFill>
-                      <a:prstDash val="solid"/>
-                      <a:round/>
-                      <a:headEnd type="none" w="med" len="med"/>
-                      <a:tailEnd type="none" w="med" len="med"/>
-                    </a:lnB>
-                    <a:solidFill>
-                      <a:srgbClr val="FFFFFF"/>
-                    </a:solidFill>
-                  </a:tcPr>
-                </a:tc>
-                <a:tc>
-                  <a:txBody>
-                    <a:bodyPr/>
-                    <a:lstStyle/>
-                    <a:p>
-                      <a:pPr algn="ctr" fontAlgn="b"/>
-                      <a:r>
-                        <a:rPr lang="en-US" sz="1100" b="0" i="0" u="none" strike="noStrike">
-                          <a:solidFill>
-                            <a:srgbClr val="000000"/>
-                          </a:solidFill>
-                          <a:effectLst/>
-                          <a:latin typeface="Calibri" panose="020F0502020204030204" pitchFamily="34" charset="0"/>
-                        </a:rPr>
-                        <a:t> </a:t>
-                      </a:r>
-                    </a:p>
-                  </a:txBody>
-                  <a:tcPr marL="9525" marR="9525" marT="9525" marB="0" anchor="b">
-                    <a:lnL w="6350" cap="flat" cmpd="sng" algn="ctr">
-                      <a:solidFill>
-                        <a:srgbClr val="000000"/>
-                      </a:solidFill>
-                      <a:prstDash val="solid"/>
-                      <a:round/>
-                      <a:headEnd type="none" w="med" len="med"/>
-                      <a:tailEnd type="none" w="med" len="med"/>
-                    </a:lnL>
-                    <a:lnR w="6350" cap="flat" cmpd="sng" algn="ctr">
-                      <a:solidFill>
-                        <a:srgbClr val="000000"/>
-                      </a:solidFill>
-                      <a:prstDash val="solid"/>
-                      <a:round/>
-                      <a:headEnd type="none" w="med" len="med"/>
-                      <a:tailEnd type="none" w="med" len="med"/>
-                    </a:lnR>
-                    <a:lnT w="6350" cap="flat" cmpd="sng" algn="ctr">
-                      <a:solidFill>
-                        <a:srgbClr val="000000"/>
-                      </a:solidFill>
-                      <a:prstDash val="solid"/>
-                      <a:round/>
-                      <a:headEnd type="none" w="med" len="med"/>
-                      <a:tailEnd type="none" w="med" len="med"/>
-                    </a:lnT>
-                    <a:lnB w="6350" cap="flat" cmpd="sng" algn="ctr">
-                      <a:solidFill>
-                        <a:srgbClr val="000000"/>
-                      </a:solidFill>
-                      <a:prstDash val="solid"/>
-                      <a:round/>
-                      <a:headEnd type="none" w="med" len="med"/>
-                      <a:tailEnd type="none" w="med" len="med"/>
-                    </a:lnB>
-                    <a:solidFill>
-                      <a:srgbClr val="FFFFFF"/>
-                    </a:solidFill>
-                  </a:tcPr>
-                </a:tc>
-                <a:tc>
-                  <a:txBody>
-                    <a:bodyPr/>
-                    <a:lstStyle/>
-                    <a:p>
-                      <a:pPr algn="ctr" fontAlgn="b"/>
-                      <a:r>
-                        <a:rPr lang="en-US" sz="1100" b="0" i="0" u="none" strike="noStrike">
-                          <a:solidFill>
-                            <a:srgbClr val="000000"/>
-                          </a:solidFill>
-                          <a:effectLst/>
-                          <a:latin typeface="Calibri" panose="020F0502020204030204" pitchFamily="34" charset="0"/>
-                        </a:rPr>
-                        <a:t> </a:t>
-                      </a:r>
-                    </a:p>
-                  </a:txBody>
-                  <a:tcPr marL="9525" marR="9525" marT="9525" marB="0" anchor="b">
-                    <a:lnL w="6350" cap="flat" cmpd="sng" algn="ctr">
-                      <a:solidFill>
-                        <a:srgbClr val="000000"/>
-                      </a:solidFill>
-                      <a:prstDash val="solid"/>
-                      <a:round/>
-                      <a:headEnd type="none" w="med" len="med"/>
-                      <a:tailEnd type="none" w="med" len="med"/>
-                    </a:lnL>
-                    <a:lnR w="6350" cap="flat" cmpd="sng" algn="ctr">
-                      <a:solidFill>
-                        <a:srgbClr val="000000"/>
-                      </a:solidFill>
-                      <a:prstDash val="solid"/>
-                      <a:round/>
-                      <a:headEnd type="none" w="med" len="med"/>
-                      <a:tailEnd type="none" w="med" len="med"/>
-                    </a:lnR>
-                    <a:lnT w="6350" cap="flat" cmpd="sng" algn="ctr">
-                      <a:solidFill>
-                        <a:srgbClr val="000000"/>
-                      </a:solidFill>
-                      <a:prstDash val="solid"/>
-                      <a:round/>
-                      <a:headEnd type="none" w="med" len="med"/>
-                      <a:tailEnd type="none" w="med" len="med"/>
-                    </a:lnT>
-                    <a:lnB w="6350" cap="flat" cmpd="sng" algn="ctr">
-                      <a:solidFill>
-                        <a:srgbClr val="000000"/>
-                      </a:solidFill>
-                      <a:prstDash val="solid"/>
-                      <a:round/>
-                      <a:headEnd type="none" w="med" len="med"/>
-                      <a:tailEnd type="none" w="med" len="med"/>
-                    </a:lnB>
-                    <a:solidFill>
-                      <a:srgbClr val="FFFFFF"/>
-                    </a:solidFill>
-                  </a:tcPr>
-                </a:tc>
-                <a:tc>
-                  <a:txBody>
-                    <a:bodyPr/>
-                    <a:lstStyle/>
-                    <a:p>
-                      <a:pPr algn="ctr" fontAlgn="b"/>
-                      <a:r>
-                        <a:rPr lang="en-US" sz="1100" b="0" i="0" u="none" strike="noStrike">
-                          <a:solidFill>
-                            <a:srgbClr val="000000"/>
-                          </a:solidFill>
-                          <a:effectLst/>
-                          <a:latin typeface="Calibri" panose="020F0502020204030204" pitchFamily="34" charset="0"/>
-                        </a:rPr>
-                        <a:t> </a:t>
-                      </a:r>
+                      <a:endParaRPr lang="en-US" sz="1100" b="0" i="0" u="none" strike="noStrike" dirty="0">
+                        <a:solidFill>
+                          <a:srgbClr val="000000"/>
+                        </a:solidFill>
+                        <a:effectLst/>
+                        <a:latin typeface="Calibri" panose="020F0502020204030204" pitchFamily="34" charset="0"/>
+                      </a:endParaRPr>
                     </a:p>
                   </a:txBody>
                   <a:tcPr marL="9525" marR="9525" marT="9525" marB="0" anchor="b">
@@ -8979,7 +7143,7 @@
                     <a:lstStyle/>
                     <a:p>
                       <a:pPr algn="l" fontAlgn="b"/>
-                      <a:endParaRPr lang="en-US" sz="1100" b="0" i="0" u="none" strike="noStrike">
+                      <a:endParaRPr lang="en-US" sz="1100" b="0" i="0" u="none" strike="noStrike" dirty="0">
                         <a:solidFill>
                           <a:srgbClr val="000000"/>
                         </a:solidFill>
@@ -9015,16 +7179,13 @@
                     <a:lstStyle/>
                     <a:p>
                       <a:pPr algn="ctr" fontAlgn="b"/>
-                      <a:r>
-                        <a:rPr lang="en-US" sz="1100" b="0" i="0" u="none" strike="noStrike">
-                          <a:solidFill>
-                            <a:srgbClr val="000000"/>
-                          </a:solidFill>
-                          <a:effectLst/>
-                          <a:latin typeface="Calibri" panose="020F0502020204030204" pitchFamily="34" charset="0"/>
-                        </a:rPr>
-                        <a:t> </a:t>
-                      </a:r>
+                      <a:endParaRPr lang="en-US" sz="1100" b="0" i="0" u="none" strike="noStrike" dirty="0">
+                        <a:solidFill>
+                          <a:srgbClr val="000000"/>
+                        </a:solidFill>
+                        <a:effectLst/>
+                        <a:latin typeface="Calibri" panose="020F0502020204030204" pitchFamily="34" charset="0"/>
+                      </a:endParaRPr>
                     </a:p>
                   </a:txBody>
                   <a:tcPr marL="9525" marR="9525" marT="9525" marB="0" anchor="b">
@@ -9075,16 +7236,13 @@
                     <a:lstStyle/>
                     <a:p>
                       <a:pPr algn="ctr" fontAlgn="b"/>
-                      <a:r>
-                        <a:rPr lang="en-US" sz="1100" b="0" i="0" u="none" strike="noStrike">
-                          <a:solidFill>
-                            <a:srgbClr val="000000"/>
-                          </a:solidFill>
-                          <a:effectLst/>
-                          <a:latin typeface="Calibri" panose="020F0502020204030204" pitchFamily="34" charset="0"/>
-                        </a:rPr>
-                        <a:t> </a:t>
-                      </a:r>
+                      <a:endParaRPr lang="en-US" sz="1100" b="0" i="0" u="none" strike="noStrike" dirty="0">
+                        <a:solidFill>
+                          <a:srgbClr val="000000"/>
+                        </a:solidFill>
+                        <a:effectLst/>
+                        <a:latin typeface="Calibri" panose="020F0502020204030204" pitchFamily="34" charset="0"/>
+                      </a:endParaRPr>
                     </a:p>
                   </a:txBody>
                   <a:tcPr marL="9525" marR="9525" marT="9525" marB="0" anchor="b">
@@ -9135,16 +7293,13 @@
                     <a:lstStyle/>
                     <a:p>
                       <a:pPr algn="ctr" fontAlgn="b"/>
-                      <a:r>
-                        <a:rPr lang="en-US" sz="1100" b="0" i="0" u="none" strike="noStrike">
-                          <a:solidFill>
-                            <a:srgbClr val="000000"/>
-                          </a:solidFill>
-                          <a:effectLst/>
-                          <a:latin typeface="Calibri" panose="020F0502020204030204" pitchFamily="34" charset="0"/>
-                        </a:rPr>
-                        <a:t> </a:t>
-                      </a:r>
+                      <a:endParaRPr lang="en-US" sz="1100" b="0" i="0" u="none" strike="noStrike" dirty="0">
+                        <a:solidFill>
+                          <a:srgbClr val="000000"/>
+                        </a:solidFill>
+                        <a:effectLst/>
+                        <a:latin typeface="Calibri" panose="020F0502020204030204" pitchFamily="34" charset="0"/>
+                      </a:endParaRPr>
                     </a:p>
                   </a:txBody>
                   <a:tcPr marL="9525" marR="9525" marT="9525" marB="0" anchor="b">
@@ -9195,196 +7350,13 @@
                     <a:lstStyle/>
                     <a:p>
                       <a:pPr algn="ctr" fontAlgn="b"/>
-                      <a:r>
-                        <a:rPr lang="en-US" sz="1100" b="0" i="0" u="none" strike="noStrike">
-                          <a:solidFill>
-                            <a:srgbClr val="000000"/>
-                          </a:solidFill>
-                          <a:effectLst/>
-                          <a:latin typeface="Calibri" panose="020F0502020204030204" pitchFamily="34" charset="0"/>
-                        </a:rPr>
-                        <a:t> </a:t>
-                      </a:r>
-                    </a:p>
-                  </a:txBody>
-                  <a:tcPr marL="9525" marR="9525" marT="9525" marB="0" anchor="b">
-                    <a:lnL w="6350" cap="flat" cmpd="sng" algn="ctr">
-                      <a:solidFill>
-                        <a:srgbClr val="000000"/>
-                      </a:solidFill>
-                      <a:prstDash val="solid"/>
-                      <a:round/>
-                      <a:headEnd type="none" w="med" len="med"/>
-                      <a:tailEnd type="none" w="med" len="med"/>
-                    </a:lnL>
-                    <a:lnR w="6350" cap="flat" cmpd="sng" algn="ctr">
-                      <a:solidFill>
-                        <a:srgbClr val="000000"/>
-                      </a:solidFill>
-                      <a:prstDash val="solid"/>
-                      <a:round/>
-                      <a:headEnd type="none" w="med" len="med"/>
-                      <a:tailEnd type="none" w="med" len="med"/>
-                    </a:lnR>
-                    <a:lnT w="6350" cap="flat" cmpd="sng" algn="ctr">
-                      <a:solidFill>
-                        <a:srgbClr val="000000"/>
-                      </a:solidFill>
-                      <a:prstDash val="solid"/>
-                      <a:round/>
-                      <a:headEnd type="none" w="med" len="med"/>
-                      <a:tailEnd type="none" w="med" len="med"/>
-                    </a:lnT>
-                    <a:lnB w="6350" cap="flat" cmpd="sng" algn="ctr">
-                      <a:solidFill>
-                        <a:srgbClr val="000000"/>
-                      </a:solidFill>
-                      <a:prstDash val="solid"/>
-                      <a:round/>
-                      <a:headEnd type="none" w="med" len="med"/>
-                      <a:tailEnd type="none" w="med" len="med"/>
-                    </a:lnB>
-                    <a:solidFill>
-                      <a:srgbClr val="FFFFFF"/>
-                    </a:solidFill>
-                  </a:tcPr>
-                </a:tc>
-                <a:tc>
-                  <a:txBody>
-                    <a:bodyPr/>
-                    <a:lstStyle/>
-                    <a:p>
-                      <a:pPr algn="ctr" fontAlgn="b"/>
-                      <a:r>
-                        <a:rPr lang="en-US" sz="1100" b="0" i="0" u="none" strike="noStrike">
-                          <a:solidFill>
-                            <a:srgbClr val="000000"/>
-                          </a:solidFill>
-                          <a:effectLst/>
-                          <a:latin typeface="Calibri" panose="020F0502020204030204" pitchFamily="34" charset="0"/>
-                        </a:rPr>
-                        <a:t> </a:t>
-                      </a:r>
-                    </a:p>
-                  </a:txBody>
-                  <a:tcPr marL="9525" marR="9525" marT="9525" marB="0" anchor="b">
-                    <a:lnL w="6350" cap="flat" cmpd="sng" algn="ctr">
-                      <a:solidFill>
-                        <a:srgbClr val="000000"/>
-                      </a:solidFill>
-                      <a:prstDash val="solid"/>
-                      <a:round/>
-                      <a:headEnd type="none" w="med" len="med"/>
-                      <a:tailEnd type="none" w="med" len="med"/>
-                    </a:lnL>
-                    <a:lnR w="6350" cap="flat" cmpd="sng" algn="ctr">
-                      <a:solidFill>
-                        <a:srgbClr val="000000"/>
-                      </a:solidFill>
-                      <a:prstDash val="solid"/>
-                      <a:round/>
-                      <a:headEnd type="none" w="med" len="med"/>
-                      <a:tailEnd type="none" w="med" len="med"/>
-                    </a:lnR>
-                    <a:lnT w="6350" cap="flat" cmpd="sng" algn="ctr">
-                      <a:solidFill>
-                        <a:srgbClr val="000000"/>
-                      </a:solidFill>
-                      <a:prstDash val="solid"/>
-                      <a:round/>
-                      <a:headEnd type="none" w="med" len="med"/>
-                      <a:tailEnd type="none" w="med" len="med"/>
-                    </a:lnT>
-                    <a:lnB w="6350" cap="flat" cmpd="sng" algn="ctr">
-                      <a:solidFill>
-                        <a:srgbClr val="000000"/>
-                      </a:solidFill>
-                      <a:prstDash val="solid"/>
-                      <a:round/>
-                      <a:headEnd type="none" w="med" len="med"/>
-                      <a:tailEnd type="none" w="med" len="med"/>
-                    </a:lnB>
-                    <a:solidFill>
-                      <a:srgbClr val="FFFFFF"/>
-                    </a:solidFill>
-                  </a:tcPr>
-                </a:tc>
-                <a:tc>
-                  <a:txBody>
-                    <a:bodyPr/>
-                    <a:lstStyle/>
-                    <a:p>
-                      <a:pPr algn="ctr" fontAlgn="b"/>
-                      <a:r>
-                        <a:rPr lang="en-US" sz="1100" b="0" i="0" u="none" strike="noStrike">
-                          <a:solidFill>
-                            <a:srgbClr val="000000"/>
-                          </a:solidFill>
-                          <a:effectLst/>
-                          <a:latin typeface="Calibri" panose="020F0502020204030204" pitchFamily="34" charset="0"/>
-                        </a:rPr>
-                        <a:t> </a:t>
-                      </a:r>
-                    </a:p>
-                  </a:txBody>
-                  <a:tcPr marL="9525" marR="9525" marT="9525" marB="0" anchor="b">
-                    <a:lnL w="6350" cap="flat" cmpd="sng" algn="ctr">
-                      <a:solidFill>
-                        <a:srgbClr val="000000"/>
-                      </a:solidFill>
-                      <a:prstDash val="solid"/>
-                      <a:round/>
-                      <a:headEnd type="none" w="med" len="med"/>
-                      <a:tailEnd type="none" w="med" len="med"/>
-                    </a:lnL>
-                    <a:lnR w="6350" cap="flat" cmpd="sng" algn="ctr">
-                      <a:solidFill>
-                        <a:srgbClr val="000000"/>
-                      </a:solidFill>
-                      <a:prstDash val="solid"/>
-                      <a:round/>
-                      <a:headEnd type="none" w="med" len="med"/>
-                      <a:tailEnd type="none" w="med" len="med"/>
-                    </a:lnR>
-                    <a:lnT w="6350" cap="flat" cmpd="sng" algn="ctr">
-                      <a:solidFill>
-                        <a:srgbClr val="000000"/>
-                      </a:solidFill>
-                      <a:prstDash val="solid"/>
-                      <a:round/>
-                      <a:headEnd type="none" w="med" len="med"/>
-                      <a:tailEnd type="none" w="med" len="med"/>
-                    </a:lnT>
-                    <a:lnB w="6350" cap="flat" cmpd="sng" algn="ctr">
-                      <a:solidFill>
-                        <a:srgbClr val="000000"/>
-                      </a:solidFill>
-                      <a:prstDash val="solid"/>
-                      <a:round/>
-                      <a:headEnd type="none" w="med" len="med"/>
-                      <a:tailEnd type="none" w="med" len="med"/>
-                    </a:lnB>
-                    <a:solidFill>
-                      <a:srgbClr val="FFFFFF"/>
-                    </a:solidFill>
-                  </a:tcPr>
-                </a:tc>
-                <a:tc>
-                  <a:txBody>
-                    <a:bodyPr/>
-                    <a:lstStyle/>
-                    <a:p>
-                      <a:pPr algn="ctr" fontAlgn="b"/>
-                      <a:r>
-                        <a:rPr lang="en-US" sz="1100" b="0" i="0" u="none" strike="noStrike">
-                          <a:solidFill>
-                            <a:srgbClr val="000000"/>
-                          </a:solidFill>
-                          <a:effectLst/>
-                          <a:latin typeface="Calibri" panose="020F0502020204030204" pitchFamily="34" charset="0"/>
-                        </a:rPr>
-                        <a:t> </a:t>
-                      </a:r>
+                      <a:endParaRPr lang="en-US" sz="1100" b="0" i="0" u="none" strike="noStrike" dirty="0">
+                        <a:solidFill>
+                          <a:srgbClr val="000000"/>
+                        </a:solidFill>
+                        <a:effectLst/>
+                        <a:latin typeface="Calibri" panose="020F0502020204030204" pitchFamily="34" charset="0"/>
+                      </a:endParaRPr>
                     </a:p>
                   </a:txBody>
                   <a:tcPr marL="9525" marR="9525" marT="9525" marB="0" anchor="b">
@@ -9442,7 +7414,7 @@
                     <a:lstStyle/>
                     <a:p>
                       <a:pPr algn="l" fontAlgn="b"/>
-                      <a:endParaRPr lang="en-US" sz="1100" b="0" i="0" u="none" strike="noStrike">
+                      <a:endParaRPr lang="en-US" sz="1100" b="0" i="0" u="none" strike="noStrike" dirty="0">
                         <a:solidFill>
                           <a:srgbClr val="000000"/>
                         </a:solidFill>
@@ -9478,16 +7450,13 @@
                     <a:lstStyle/>
                     <a:p>
                       <a:pPr algn="ctr" fontAlgn="b"/>
-                      <a:r>
-                        <a:rPr lang="en-US" sz="1100" b="0" i="0" u="none" strike="noStrike">
-                          <a:solidFill>
-                            <a:srgbClr val="000000"/>
-                          </a:solidFill>
-                          <a:effectLst/>
-                          <a:latin typeface="Calibri" panose="020F0502020204030204" pitchFamily="34" charset="0"/>
-                        </a:rPr>
-                        <a:t> </a:t>
-                      </a:r>
+                      <a:endParaRPr lang="en-US" sz="1100" b="0" i="0" u="none" strike="noStrike" dirty="0">
+                        <a:solidFill>
+                          <a:srgbClr val="000000"/>
+                        </a:solidFill>
+                        <a:effectLst/>
+                        <a:latin typeface="Calibri" panose="020F0502020204030204" pitchFamily="34" charset="0"/>
+                      </a:endParaRPr>
                     </a:p>
                   </a:txBody>
                   <a:tcPr marL="9525" marR="9525" marT="9525" marB="0" anchor="b">
@@ -9538,16 +7507,13 @@
                     <a:lstStyle/>
                     <a:p>
                       <a:pPr algn="ctr" fontAlgn="b"/>
-                      <a:r>
-                        <a:rPr lang="en-US" sz="1100" b="0" i="0" u="none" strike="noStrike">
-                          <a:solidFill>
-                            <a:srgbClr val="000000"/>
-                          </a:solidFill>
-                          <a:effectLst/>
-                          <a:latin typeface="Calibri" panose="020F0502020204030204" pitchFamily="34" charset="0"/>
-                        </a:rPr>
-                        <a:t> </a:t>
-                      </a:r>
+                      <a:endParaRPr lang="en-US" sz="1100" b="0" i="0" u="none" strike="noStrike" dirty="0">
+                        <a:solidFill>
+                          <a:srgbClr val="000000"/>
+                        </a:solidFill>
+                        <a:effectLst/>
+                        <a:latin typeface="Calibri" panose="020F0502020204030204" pitchFamily="34" charset="0"/>
+                      </a:endParaRPr>
                     </a:p>
                   </a:txBody>
                   <a:tcPr marL="9525" marR="9525" marT="9525" marB="0" anchor="b">
@@ -9598,16 +7564,13 @@
                     <a:lstStyle/>
                     <a:p>
                       <a:pPr algn="ctr" fontAlgn="b"/>
-                      <a:r>
-                        <a:rPr lang="en-US" sz="1100" b="0" i="0" u="none" strike="noStrike">
-                          <a:solidFill>
-                            <a:srgbClr val="000000"/>
-                          </a:solidFill>
-                          <a:effectLst/>
-                          <a:latin typeface="Calibri" panose="020F0502020204030204" pitchFamily="34" charset="0"/>
-                        </a:rPr>
-                        <a:t> </a:t>
-                      </a:r>
+                      <a:endParaRPr lang="en-US" sz="1100" b="0" i="0" u="none" strike="noStrike" dirty="0">
+                        <a:solidFill>
+                          <a:srgbClr val="000000"/>
+                        </a:solidFill>
+                        <a:effectLst/>
+                        <a:latin typeface="Calibri" panose="020F0502020204030204" pitchFamily="34" charset="0"/>
+                      </a:endParaRPr>
                     </a:p>
                   </a:txBody>
                   <a:tcPr marL="9525" marR="9525" marT="9525" marB="0" anchor="b">
@@ -9658,196 +7621,13 @@
                     <a:lstStyle/>
                     <a:p>
                       <a:pPr algn="ctr" fontAlgn="b"/>
-                      <a:r>
-                        <a:rPr lang="en-US" sz="1100" b="0" i="0" u="none" strike="noStrike">
-                          <a:solidFill>
-                            <a:srgbClr val="000000"/>
-                          </a:solidFill>
-                          <a:effectLst/>
-                          <a:latin typeface="Calibri" panose="020F0502020204030204" pitchFamily="34" charset="0"/>
-                        </a:rPr>
-                        <a:t> </a:t>
-                      </a:r>
-                    </a:p>
-                  </a:txBody>
-                  <a:tcPr marL="9525" marR="9525" marT="9525" marB="0" anchor="b">
-                    <a:lnL w="6350" cap="flat" cmpd="sng" algn="ctr">
-                      <a:solidFill>
-                        <a:srgbClr val="000000"/>
-                      </a:solidFill>
-                      <a:prstDash val="solid"/>
-                      <a:round/>
-                      <a:headEnd type="none" w="med" len="med"/>
-                      <a:tailEnd type="none" w="med" len="med"/>
-                    </a:lnL>
-                    <a:lnR w="6350" cap="flat" cmpd="sng" algn="ctr">
-                      <a:solidFill>
-                        <a:srgbClr val="000000"/>
-                      </a:solidFill>
-                      <a:prstDash val="solid"/>
-                      <a:round/>
-                      <a:headEnd type="none" w="med" len="med"/>
-                      <a:tailEnd type="none" w="med" len="med"/>
-                    </a:lnR>
-                    <a:lnT w="6350" cap="flat" cmpd="sng" algn="ctr">
-                      <a:solidFill>
-                        <a:srgbClr val="000000"/>
-                      </a:solidFill>
-                      <a:prstDash val="solid"/>
-                      <a:round/>
-                      <a:headEnd type="none" w="med" len="med"/>
-                      <a:tailEnd type="none" w="med" len="med"/>
-                    </a:lnT>
-                    <a:lnB w="6350" cap="flat" cmpd="sng" algn="ctr">
-                      <a:solidFill>
-                        <a:srgbClr val="000000"/>
-                      </a:solidFill>
-                      <a:prstDash val="solid"/>
-                      <a:round/>
-                      <a:headEnd type="none" w="med" len="med"/>
-                      <a:tailEnd type="none" w="med" len="med"/>
-                    </a:lnB>
-                    <a:solidFill>
-                      <a:srgbClr val="FFFFFF"/>
-                    </a:solidFill>
-                  </a:tcPr>
-                </a:tc>
-                <a:tc>
-                  <a:txBody>
-                    <a:bodyPr/>
-                    <a:lstStyle/>
-                    <a:p>
-                      <a:pPr algn="ctr" fontAlgn="b"/>
-                      <a:r>
-                        <a:rPr lang="en-US" sz="1100" b="0" i="0" u="none" strike="noStrike">
-                          <a:solidFill>
-                            <a:srgbClr val="000000"/>
-                          </a:solidFill>
-                          <a:effectLst/>
-                          <a:latin typeface="Calibri" panose="020F0502020204030204" pitchFamily="34" charset="0"/>
-                        </a:rPr>
-                        <a:t> </a:t>
-                      </a:r>
-                    </a:p>
-                  </a:txBody>
-                  <a:tcPr marL="9525" marR="9525" marT="9525" marB="0" anchor="b">
-                    <a:lnL w="6350" cap="flat" cmpd="sng" algn="ctr">
-                      <a:solidFill>
-                        <a:srgbClr val="000000"/>
-                      </a:solidFill>
-                      <a:prstDash val="solid"/>
-                      <a:round/>
-                      <a:headEnd type="none" w="med" len="med"/>
-                      <a:tailEnd type="none" w="med" len="med"/>
-                    </a:lnL>
-                    <a:lnR w="6350" cap="flat" cmpd="sng" algn="ctr">
-                      <a:solidFill>
-                        <a:srgbClr val="000000"/>
-                      </a:solidFill>
-                      <a:prstDash val="solid"/>
-                      <a:round/>
-                      <a:headEnd type="none" w="med" len="med"/>
-                      <a:tailEnd type="none" w="med" len="med"/>
-                    </a:lnR>
-                    <a:lnT w="6350" cap="flat" cmpd="sng" algn="ctr">
-                      <a:solidFill>
-                        <a:srgbClr val="000000"/>
-                      </a:solidFill>
-                      <a:prstDash val="solid"/>
-                      <a:round/>
-                      <a:headEnd type="none" w="med" len="med"/>
-                      <a:tailEnd type="none" w="med" len="med"/>
-                    </a:lnT>
-                    <a:lnB w="6350" cap="flat" cmpd="sng" algn="ctr">
-                      <a:solidFill>
-                        <a:srgbClr val="000000"/>
-                      </a:solidFill>
-                      <a:prstDash val="solid"/>
-                      <a:round/>
-                      <a:headEnd type="none" w="med" len="med"/>
-                      <a:tailEnd type="none" w="med" len="med"/>
-                    </a:lnB>
-                    <a:solidFill>
-                      <a:srgbClr val="FFFFFF"/>
-                    </a:solidFill>
-                  </a:tcPr>
-                </a:tc>
-                <a:tc>
-                  <a:txBody>
-                    <a:bodyPr/>
-                    <a:lstStyle/>
-                    <a:p>
-                      <a:pPr algn="ctr" fontAlgn="b"/>
-                      <a:r>
-                        <a:rPr lang="en-US" sz="1100" b="0" i="0" u="none" strike="noStrike">
-                          <a:solidFill>
-                            <a:srgbClr val="000000"/>
-                          </a:solidFill>
-                          <a:effectLst/>
-                          <a:latin typeface="Calibri" panose="020F0502020204030204" pitchFamily="34" charset="0"/>
-                        </a:rPr>
-                        <a:t> </a:t>
-                      </a:r>
-                    </a:p>
-                  </a:txBody>
-                  <a:tcPr marL="9525" marR="9525" marT="9525" marB="0" anchor="b">
-                    <a:lnL w="6350" cap="flat" cmpd="sng" algn="ctr">
-                      <a:solidFill>
-                        <a:srgbClr val="000000"/>
-                      </a:solidFill>
-                      <a:prstDash val="solid"/>
-                      <a:round/>
-                      <a:headEnd type="none" w="med" len="med"/>
-                      <a:tailEnd type="none" w="med" len="med"/>
-                    </a:lnL>
-                    <a:lnR w="6350" cap="flat" cmpd="sng" algn="ctr">
-                      <a:solidFill>
-                        <a:srgbClr val="000000"/>
-                      </a:solidFill>
-                      <a:prstDash val="solid"/>
-                      <a:round/>
-                      <a:headEnd type="none" w="med" len="med"/>
-                      <a:tailEnd type="none" w="med" len="med"/>
-                    </a:lnR>
-                    <a:lnT w="6350" cap="flat" cmpd="sng" algn="ctr">
-                      <a:solidFill>
-                        <a:srgbClr val="000000"/>
-                      </a:solidFill>
-                      <a:prstDash val="solid"/>
-                      <a:round/>
-                      <a:headEnd type="none" w="med" len="med"/>
-                      <a:tailEnd type="none" w="med" len="med"/>
-                    </a:lnT>
-                    <a:lnB w="6350" cap="flat" cmpd="sng" algn="ctr">
-                      <a:solidFill>
-                        <a:srgbClr val="000000"/>
-                      </a:solidFill>
-                      <a:prstDash val="solid"/>
-                      <a:round/>
-                      <a:headEnd type="none" w="med" len="med"/>
-                      <a:tailEnd type="none" w="med" len="med"/>
-                    </a:lnB>
-                    <a:solidFill>
-                      <a:srgbClr val="FFFFFF"/>
-                    </a:solidFill>
-                  </a:tcPr>
-                </a:tc>
-                <a:tc>
-                  <a:txBody>
-                    <a:bodyPr/>
-                    <a:lstStyle/>
-                    <a:p>
-                      <a:pPr algn="ctr" fontAlgn="b"/>
-                      <a:r>
-                        <a:rPr lang="en-US" sz="1100" b="0" i="0" u="none" strike="noStrike">
-                          <a:solidFill>
-                            <a:srgbClr val="000000"/>
-                          </a:solidFill>
-                          <a:effectLst/>
-                          <a:latin typeface="Calibri" panose="020F0502020204030204" pitchFamily="34" charset="0"/>
-                        </a:rPr>
-                        <a:t> </a:t>
-                      </a:r>
+                      <a:endParaRPr lang="en-US" sz="1100" b="0" i="0" u="none" strike="noStrike" dirty="0">
+                        <a:solidFill>
+                          <a:srgbClr val="000000"/>
+                        </a:solidFill>
+                        <a:effectLst/>
+                        <a:latin typeface="Calibri" panose="020F0502020204030204" pitchFamily="34" charset="0"/>
+                      </a:endParaRPr>
                     </a:p>
                   </a:txBody>
                   <a:tcPr marL="9525" marR="9525" marT="9525" marB="0" anchor="b">
@@ -9905,7 +7685,7 @@
                     <a:lstStyle/>
                     <a:p>
                       <a:pPr algn="l" fontAlgn="b"/>
-                      <a:endParaRPr lang="en-US" sz="1100" b="0" i="0" u="none" strike="noStrike">
+                      <a:endParaRPr lang="en-US" sz="1100" b="0" i="0" u="none" strike="noStrike" dirty="0">
                         <a:solidFill>
                           <a:srgbClr val="000000"/>
                         </a:solidFill>
@@ -9941,16 +7721,13 @@
                     <a:lstStyle/>
                     <a:p>
                       <a:pPr algn="ctr" fontAlgn="b"/>
-                      <a:r>
-                        <a:rPr lang="en-US" sz="1100" b="0" i="0" u="none" strike="noStrike">
-                          <a:solidFill>
-                            <a:srgbClr val="000000"/>
-                          </a:solidFill>
-                          <a:effectLst/>
-                          <a:latin typeface="Calibri" panose="020F0502020204030204" pitchFamily="34" charset="0"/>
-                        </a:rPr>
-                        <a:t> </a:t>
-                      </a:r>
+                      <a:endParaRPr lang="en-US" sz="1100" b="0" i="0" u="none" strike="noStrike" dirty="0">
+                        <a:solidFill>
+                          <a:srgbClr val="000000"/>
+                        </a:solidFill>
+                        <a:effectLst/>
+                        <a:latin typeface="Calibri" panose="020F0502020204030204" pitchFamily="34" charset="0"/>
+                      </a:endParaRPr>
                     </a:p>
                   </a:txBody>
                   <a:tcPr marL="9525" marR="9525" marT="9525" marB="0" anchor="b">
@@ -10001,16 +7778,13 @@
                     <a:lstStyle/>
                     <a:p>
                       <a:pPr algn="ctr" fontAlgn="b"/>
-                      <a:r>
-                        <a:rPr lang="en-US" sz="1100" b="0" i="0" u="none" strike="noStrike">
-                          <a:solidFill>
-                            <a:srgbClr val="000000"/>
-                          </a:solidFill>
-                          <a:effectLst/>
-                          <a:latin typeface="Calibri" panose="020F0502020204030204" pitchFamily="34" charset="0"/>
-                        </a:rPr>
-                        <a:t> </a:t>
-                      </a:r>
+                      <a:endParaRPr lang="en-US" sz="1100" b="0" i="0" u="none" strike="noStrike" dirty="0">
+                        <a:solidFill>
+                          <a:srgbClr val="000000"/>
+                        </a:solidFill>
+                        <a:effectLst/>
+                        <a:latin typeface="Calibri" panose="020F0502020204030204" pitchFamily="34" charset="0"/>
+                      </a:endParaRPr>
                     </a:p>
                   </a:txBody>
                   <a:tcPr marL="9525" marR="9525" marT="9525" marB="0" anchor="b">
@@ -10061,16 +7835,13 @@
                     <a:lstStyle/>
                     <a:p>
                       <a:pPr algn="ctr" fontAlgn="b"/>
-                      <a:r>
-                        <a:rPr lang="en-US" sz="1100" b="0" i="0" u="none" strike="noStrike">
-                          <a:solidFill>
-                            <a:srgbClr val="000000"/>
-                          </a:solidFill>
-                          <a:effectLst/>
-                          <a:latin typeface="Calibri" panose="020F0502020204030204" pitchFamily="34" charset="0"/>
-                        </a:rPr>
-                        <a:t> </a:t>
-                      </a:r>
+                      <a:endParaRPr lang="en-US" sz="1100" b="0" i="0" u="none" strike="noStrike" dirty="0">
+                        <a:solidFill>
+                          <a:srgbClr val="000000"/>
+                        </a:solidFill>
+                        <a:effectLst/>
+                        <a:latin typeface="Calibri" panose="020F0502020204030204" pitchFamily="34" charset="0"/>
+                      </a:endParaRPr>
                     </a:p>
                   </a:txBody>
                   <a:tcPr marL="9525" marR="9525" marT="9525" marB="0" anchor="b">
@@ -10121,196 +7892,13 @@
                     <a:lstStyle/>
                     <a:p>
                       <a:pPr algn="ctr" fontAlgn="b"/>
-                      <a:r>
-                        <a:rPr lang="en-US" sz="1100" b="0" i="0" u="none" strike="noStrike">
-                          <a:solidFill>
-                            <a:srgbClr val="000000"/>
-                          </a:solidFill>
-                          <a:effectLst/>
-                          <a:latin typeface="Calibri" panose="020F0502020204030204" pitchFamily="34" charset="0"/>
-                        </a:rPr>
-                        <a:t> </a:t>
-                      </a:r>
-                    </a:p>
-                  </a:txBody>
-                  <a:tcPr marL="9525" marR="9525" marT="9525" marB="0" anchor="b">
-                    <a:lnL w="6350" cap="flat" cmpd="sng" algn="ctr">
-                      <a:solidFill>
-                        <a:srgbClr val="000000"/>
-                      </a:solidFill>
-                      <a:prstDash val="solid"/>
-                      <a:round/>
-                      <a:headEnd type="none" w="med" len="med"/>
-                      <a:tailEnd type="none" w="med" len="med"/>
-                    </a:lnL>
-                    <a:lnR w="6350" cap="flat" cmpd="sng" algn="ctr">
-                      <a:solidFill>
-                        <a:srgbClr val="000000"/>
-                      </a:solidFill>
-                      <a:prstDash val="solid"/>
-                      <a:round/>
-                      <a:headEnd type="none" w="med" len="med"/>
-                      <a:tailEnd type="none" w="med" len="med"/>
-                    </a:lnR>
-                    <a:lnT w="6350" cap="flat" cmpd="sng" algn="ctr">
-                      <a:solidFill>
-                        <a:srgbClr val="000000"/>
-                      </a:solidFill>
-                      <a:prstDash val="solid"/>
-                      <a:round/>
-                      <a:headEnd type="none" w="med" len="med"/>
-                      <a:tailEnd type="none" w="med" len="med"/>
-                    </a:lnT>
-                    <a:lnB w="6350" cap="flat" cmpd="sng" algn="ctr">
-                      <a:solidFill>
-                        <a:srgbClr val="000000"/>
-                      </a:solidFill>
-                      <a:prstDash val="solid"/>
-                      <a:round/>
-                      <a:headEnd type="none" w="med" len="med"/>
-                      <a:tailEnd type="none" w="med" len="med"/>
-                    </a:lnB>
-                    <a:solidFill>
-                      <a:srgbClr val="FFFFFF"/>
-                    </a:solidFill>
-                  </a:tcPr>
-                </a:tc>
-                <a:tc>
-                  <a:txBody>
-                    <a:bodyPr/>
-                    <a:lstStyle/>
-                    <a:p>
-                      <a:pPr algn="ctr" fontAlgn="b"/>
-                      <a:r>
-                        <a:rPr lang="en-US" sz="1100" b="0" i="0" u="none" strike="noStrike">
-                          <a:solidFill>
-                            <a:srgbClr val="000000"/>
-                          </a:solidFill>
-                          <a:effectLst/>
-                          <a:latin typeface="Calibri" panose="020F0502020204030204" pitchFamily="34" charset="0"/>
-                        </a:rPr>
-                        <a:t> </a:t>
-                      </a:r>
-                    </a:p>
-                  </a:txBody>
-                  <a:tcPr marL="9525" marR="9525" marT="9525" marB="0" anchor="b">
-                    <a:lnL w="6350" cap="flat" cmpd="sng" algn="ctr">
-                      <a:solidFill>
-                        <a:srgbClr val="000000"/>
-                      </a:solidFill>
-                      <a:prstDash val="solid"/>
-                      <a:round/>
-                      <a:headEnd type="none" w="med" len="med"/>
-                      <a:tailEnd type="none" w="med" len="med"/>
-                    </a:lnL>
-                    <a:lnR w="6350" cap="flat" cmpd="sng" algn="ctr">
-                      <a:solidFill>
-                        <a:srgbClr val="000000"/>
-                      </a:solidFill>
-                      <a:prstDash val="solid"/>
-                      <a:round/>
-                      <a:headEnd type="none" w="med" len="med"/>
-                      <a:tailEnd type="none" w="med" len="med"/>
-                    </a:lnR>
-                    <a:lnT w="6350" cap="flat" cmpd="sng" algn="ctr">
-                      <a:solidFill>
-                        <a:srgbClr val="000000"/>
-                      </a:solidFill>
-                      <a:prstDash val="solid"/>
-                      <a:round/>
-                      <a:headEnd type="none" w="med" len="med"/>
-                      <a:tailEnd type="none" w="med" len="med"/>
-                    </a:lnT>
-                    <a:lnB w="6350" cap="flat" cmpd="sng" algn="ctr">
-                      <a:solidFill>
-                        <a:srgbClr val="000000"/>
-                      </a:solidFill>
-                      <a:prstDash val="solid"/>
-                      <a:round/>
-                      <a:headEnd type="none" w="med" len="med"/>
-                      <a:tailEnd type="none" w="med" len="med"/>
-                    </a:lnB>
-                    <a:solidFill>
-                      <a:srgbClr val="FFFFFF"/>
-                    </a:solidFill>
-                  </a:tcPr>
-                </a:tc>
-                <a:tc>
-                  <a:txBody>
-                    <a:bodyPr/>
-                    <a:lstStyle/>
-                    <a:p>
-                      <a:pPr algn="ctr" fontAlgn="b"/>
-                      <a:r>
-                        <a:rPr lang="en-US" sz="1100" b="0" i="0" u="none" strike="noStrike">
-                          <a:solidFill>
-                            <a:srgbClr val="000000"/>
-                          </a:solidFill>
-                          <a:effectLst/>
-                          <a:latin typeface="Calibri" panose="020F0502020204030204" pitchFamily="34" charset="0"/>
-                        </a:rPr>
-                        <a:t> </a:t>
-                      </a:r>
-                    </a:p>
-                  </a:txBody>
-                  <a:tcPr marL="9525" marR="9525" marT="9525" marB="0" anchor="b">
-                    <a:lnL w="6350" cap="flat" cmpd="sng" algn="ctr">
-                      <a:solidFill>
-                        <a:srgbClr val="000000"/>
-                      </a:solidFill>
-                      <a:prstDash val="solid"/>
-                      <a:round/>
-                      <a:headEnd type="none" w="med" len="med"/>
-                      <a:tailEnd type="none" w="med" len="med"/>
-                    </a:lnL>
-                    <a:lnR w="6350" cap="flat" cmpd="sng" algn="ctr">
-                      <a:solidFill>
-                        <a:srgbClr val="000000"/>
-                      </a:solidFill>
-                      <a:prstDash val="solid"/>
-                      <a:round/>
-                      <a:headEnd type="none" w="med" len="med"/>
-                      <a:tailEnd type="none" w="med" len="med"/>
-                    </a:lnR>
-                    <a:lnT w="6350" cap="flat" cmpd="sng" algn="ctr">
-                      <a:solidFill>
-                        <a:srgbClr val="000000"/>
-                      </a:solidFill>
-                      <a:prstDash val="solid"/>
-                      <a:round/>
-                      <a:headEnd type="none" w="med" len="med"/>
-                      <a:tailEnd type="none" w="med" len="med"/>
-                    </a:lnT>
-                    <a:lnB w="6350" cap="flat" cmpd="sng" algn="ctr">
-                      <a:solidFill>
-                        <a:srgbClr val="000000"/>
-                      </a:solidFill>
-                      <a:prstDash val="solid"/>
-                      <a:round/>
-                      <a:headEnd type="none" w="med" len="med"/>
-                      <a:tailEnd type="none" w="med" len="med"/>
-                    </a:lnB>
-                    <a:solidFill>
-                      <a:srgbClr val="FFFFFF"/>
-                    </a:solidFill>
-                  </a:tcPr>
-                </a:tc>
-                <a:tc>
-                  <a:txBody>
-                    <a:bodyPr/>
-                    <a:lstStyle/>
-                    <a:p>
-                      <a:pPr algn="ctr" fontAlgn="b"/>
-                      <a:r>
-                        <a:rPr lang="en-US" sz="1100" b="0" i="0" u="none" strike="noStrike">
-                          <a:solidFill>
-                            <a:srgbClr val="000000"/>
-                          </a:solidFill>
-                          <a:effectLst/>
-                          <a:latin typeface="Calibri" panose="020F0502020204030204" pitchFamily="34" charset="0"/>
-                        </a:rPr>
-                        <a:t> </a:t>
-                      </a:r>
+                      <a:endParaRPr lang="en-US" sz="1100" b="0" i="0" u="none" strike="noStrike" dirty="0">
+                        <a:solidFill>
+                          <a:srgbClr val="000000"/>
+                        </a:solidFill>
+                        <a:effectLst/>
+                        <a:latin typeface="Calibri" panose="020F0502020204030204" pitchFamily="34" charset="0"/>
+                      </a:endParaRPr>
                     </a:p>
                   </a:txBody>
                   <a:tcPr marL="9525" marR="9525" marT="9525" marB="0" anchor="b">
@@ -10368,7 +7956,7 @@
                     <a:lstStyle/>
                     <a:p>
                       <a:pPr algn="l" fontAlgn="b"/>
-                      <a:endParaRPr lang="en-US" sz="1100" b="0" i="0" u="none" strike="noStrike">
+                      <a:endParaRPr lang="en-US" sz="1100" b="0" i="0" u="none" strike="noStrike" dirty="0">
                         <a:solidFill>
                           <a:srgbClr val="000000"/>
                         </a:solidFill>
@@ -10404,16 +7992,13 @@
                     <a:lstStyle/>
                     <a:p>
                       <a:pPr algn="ctr" fontAlgn="b"/>
-                      <a:r>
-                        <a:rPr lang="en-US" sz="1100" b="0" i="0" u="none" strike="noStrike">
-                          <a:solidFill>
-                            <a:srgbClr val="000000"/>
-                          </a:solidFill>
-                          <a:effectLst/>
-                          <a:latin typeface="Calibri" panose="020F0502020204030204" pitchFamily="34" charset="0"/>
-                        </a:rPr>
-                        <a:t> </a:t>
-                      </a:r>
+                      <a:endParaRPr lang="en-US" sz="1100" b="0" i="0" u="none" strike="noStrike" dirty="0">
+                        <a:solidFill>
+                          <a:srgbClr val="000000"/>
+                        </a:solidFill>
+                        <a:effectLst/>
+                        <a:latin typeface="Calibri" panose="020F0502020204030204" pitchFamily="34" charset="0"/>
+                      </a:endParaRPr>
                     </a:p>
                   </a:txBody>
                   <a:tcPr marL="9525" marR="9525" marT="9525" marB="0" anchor="b">
@@ -10464,16 +8049,13 @@
                     <a:lstStyle/>
                     <a:p>
                       <a:pPr algn="ctr" fontAlgn="b"/>
-                      <a:r>
-                        <a:rPr lang="en-US" sz="1100" b="0" i="0" u="none" strike="noStrike">
-                          <a:solidFill>
-                            <a:srgbClr val="000000"/>
-                          </a:solidFill>
-                          <a:effectLst/>
-                          <a:latin typeface="Calibri" panose="020F0502020204030204" pitchFamily="34" charset="0"/>
-                        </a:rPr>
-                        <a:t> </a:t>
-                      </a:r>
+                      <a:endParaRPr lang="en-US" sz="1100" b="0" i="0" u="none" strike="noStrike" dirty="0">
+                        <a:solidFill>
+                          <a:srgbClr val="000000"/>
+                        </a:solidFill>
+                        <a:effectLst/>
+                        <a:latin typeface="Calibri" panose="020F0502020204030204" pitchFamily="34" charset="0"/>
+                      </a:endParaRPr>
                     </a:p>
                   </a:txBody>
                   <a:tcPr marL="9525" marR="9525" marT="9525" marB="0" anchor="b">
@@ -10524,16 +8106,13 @@
                     <a:lstStyle/>
                     <a:p>
                       <a:pPr algn="ctr" fontAlgn="b"/>
-                      <a:r>
-                        <a:rPr lang="en-US" sz="1100" b="0" i="0" u="none" strike="noStrike">
-                          <a:solidFill>
-                            <a:srgbClr val="000000"/>
-                          </a:solidFill>
-                          <a:effectLst/>
-                          <a:latin typeface="Calibri" panose="020F0502020204030204" pitchFamily="34" charset="0"/>
-                        </a:rPr>
-                        <a:t> </a:t>
-                      </a:r>
+                      <a:endParaRPr lang="en-US" sz="1100" b="0" i="0" u="none" strike="noStrike" dirty="0">
+                        <a:solidFill>
+                          <a:srgbClr val="000000"/>
+                        </a:solidFill>
+                        <a:effectLst/>
+                        <a:latin typeface="Calibri" panose="020F0502020204030204" pitchFamily="34" charset="0"/>
+                      </a:endParaRPr>
                     </a:p>
                   </a:txBody>
                   <a:tcPr marL="9525" marR="9525" marT="9525" marB="0" anchor="b">
@@ -10584,196 +8163,13 @@
                     <a:lstStyle/>
                     <a:p>
                       <a:pPr algn="ctr" fontAlgn="b"/>
-                      <a:r>
-                        <a:rPr lang="en-US" sz="1100" b="0" i="0" u="none" strike="noStrike">
-                          <a:solidFill>
-                            <a:srgbClr val="000000"/>
-                          </a:solidFill>
-                          <a:effectLst/>
-                          <a:latin typeface="Calibri" panose="020F0502020204030204" pitchFamily="34" charset="0"/>
-                        </a:rPr>
-                        <a:t> </a:t>
-                      </a:r>
-                    </a:p>
-                  </a:txBody>
-                  <a:tcPr marL="9525" marR="9525" marT="9525" marB="0" anchor="b">
-                    <a:lnL w="6350" cap="flat" cmpd="sng" algn="ctr">
-                      <a:solidFill>
-                        <a:srgbClr val="000000"/>
-                      </a:solidFill>
-                      <a:prstDash val="solid"/>
-                      <a:round/>
-                      <a:headEnd type="none" w="med" len="med"/>
-                      <a:tailEnd type="none" w="med" len="med"/>
-                    </a:lnL>
-                    <a:lnR w="6350" cap="flat" cmpd="sng" algn="ctr">
-                      <a:solidFill>
-                        <a:srgbClr val="000000"/>
-                      </a:solidFill>
-                      <a:prstDash val="solid"/>
-                      <a:round/>
-                      <a:headEnd type="none" w="med" len="med"/>
-                      <a:tailEnd type="none" w="med" len="med"/>
-                    </a:lnR>
-                    <a:lnT w="6350" cap="flat" cmpd="sng" algn="ctr">
-                      <a:solidFill>
-                        <a:srgbClr val="000000"/>
-                      </a:solidFill>
-                      <a:prstDash val="solid"/>
-                      <a:round/>
-                      <a:headEnd type="none" w="med" len="med"/>
-                      <a:tailEnd type="none" w="med" len="med"/>
-                    </a:lnT>
-                    <a:lnB w="6350" cap="flat" cmpd="sng" algn="ctr">
-                      <a:solidFill>
-                        <a:srgbClr val="000000"/>
-                      </a:solidFill>
-                      <a:prstDash val="solid"/>
-                      <a:round/>
-                      <a:headEnd type="none" w="med" len="med"/>
-                      <a:tailEnd type="none" w="med" len="med"/>
-                    </a:lnB>
-                    <a:solidFill>
-                      <a:srgbClr val="FFFFFF"/>
-                    </a:solidFill>
-                  </a:tcPr>
-                </a:tc>
-                <a:tc>
-                  <a:txBody>
-                    <a:bodyPr/>
-                    <a:lstStyle/>
-                    <a:p>
-                      <a:pPr algn="ctr" fontAlgn="b"/>
-                      <a:r>
-                        <a:rPr lang="en-US" sz="1100" b="0" i="0" u="none" strike="noStrike">
-                          <a:solidFill>
-                            <a:srgbClr val="000000"/>
-                          </a:solidFill>
-                          <a:effectLst/>
-                          <a:latin typeface="Calibri" panose="020F0502020204030204" pitchFamily="34" charset="0"/>
-                        </a:rPr>
-                        <a:t> </a:t>
-                      </a:r>
-                    </a:p>
-                  </a:txBody>
-                  <a:tcPr marL="9525" marR="9525" marT="9525" marB="0" anchor="b">
-                    <a:lnL w="6350" cap="flat" cmpd="sng" algn="ctr">
-                      <a:solidFill>
-                        <a:srgbClr val="000000"/>
-                      </a:solidFill>
-                      <a:prstDash val="solid"/>
-                      <a:round/>
-                      <a:headEnd type="none" w="med" len="med"/>
-                      <a:tailEnd type="none" w="med" len="med"/>
-                    </a:lnL>
-                    <a:lnR w="6350" cap="flat" cmpd="sng" algn="ctr">
-                      <a:solidFill>
-                        <a:srgbClr val="000000"/>
-                      </a:solidFill>
-                      <a:prstDash val="solid"/>
-                      <a:round/>
-                      <a:headEnd type="none" w="med" len="med"/>
-                      <a:tailEnd type="none" w="med" len="med"/>
-                    </a:lnR>
-                    <a:lnT w="6350" cap="flat" cmpd="sng" algn="ctr">
-                      <a:solidFill>
-                        <a:srgbClr val="000000"/>
-                      </a:solidFill>
-                      <a:prstDash val="solid"/>
-                      <a:round/>
-                      <a:headEnd type="none" w="med" len="med"/>
-                      <a:tailEnd type="none" w="med" len="med"/>
-                    </a:lnT>
-                    <a:lnB w="6350" cap="flat" cmpd="sng" algn="ctr">
-                      <a:solidFill>
-                        <a:srgbClr val="000000"/>
-                      </a:solidFill>
-                      <a:prstDash val="solid"/>
-                      <a:round/>
-                      <a:headEnd type="none" w="med" len="med"/>
-                      <a:tailEnd type="none" w="med" len="med"/>
-                    </a:lnB>
-                    <a:solidFill>
-                      <a:srgbClr val="FFFFFF"/>
-                    </a:solidFill>
-                  </a:tcPr>
-                </a:tc>
-                <a:tc>
-                  <a:txBody>
-                    <a:bodyPr/>
-                    <a:lstStyle/>
-                    <a:p>
-                      <a:pPr algn="ctr" fontAlgn="b"/>
-                      <a:r>
-                        <a:rPr lang="en-US" sz="1100" b="0" i="0" u="none" strike="noStrike">
-                          <a:solidFill>
-                            <a:srgbClr val="000000"/>
-                          </a:solidFill>
-                          <a:effectLst/>
-                          <a:latin typeface="Calibri" panose="020F0502020204030204" pitchFamily="34" charset="0"/>
-                        </a:rPr>
-                        <a:t> </a:t>
-                      </a:r>
-                    </a:p>
-                  </a:txBody>
-                  <a:tcPr marL="9525" marR="9525" marT="9525" marB="0" anchor="b">
-                    <a:lnL w="6350" cap="flat" cmpd="sng" algn="ctr">
-                      <a:solidFill>
-                        <a:srgbClr val="000000"/>
-                      </a:solidFill>
-                      <a:prstDash val="solid"/>
-                      <a:round/>
-                      <a:headEnd type="none" w="med" len="med"/>
-                      <a:tailEnd type="none" w="med" len="med"/>
-                    </a:lnL>
-                    <a:lnR w="6350" cap="flat" cmpd="sng" algn="ctr">
-                      <a:solidFill>
-                        <a:srgbClr val="000000"/>
-                      </a:solidFill>
-                      <a:prstDash val="solid"/>
-                      <a:round/>
-                      <a:headEnd type="none" w="med" len="med"/>
-                      <a:tailEnd type="none" w="med" len="med"/>
-                    </a:lnR>
-                    <a:lnT w="6350" cap="flat" cmpd="sng" algn="ctr">
-                      <a:solidFill>
-                        <a:srgbClr val="000000"/>
-                      </a:solidFill>
-                      <a:prstDash val="solid"/>
-                      <a:round/>
-                      <a:headEnd type="none" w="med" len="med"/>
-                      <a:tailEnd type="none" w="med" len="med"/>
-                    </a:lnT>
-                    <a:lnB w="6350" cap="flat" cmpd="sng" algn="ctr">
-                      <a:solidFill>
-                        <a:srgbClr val="000000"/>
-                      </a:solidFill>
-                      <a:prstDash val="solid"/>
-                      <a:round/>
-                      <a:headEnd type="none" w="med" len="med"/>
-                      <a:tailEnd type="none" w="med" len="med"/>
-                    </a:lnB>
-                    <a:solidFill>
-                      <a:srgbClr val="FFFFFF"/>
-                    </a:solidFill>
-                  </a:tcPr>
-                </a:tc>
-                <a:tc>
-                  <a:txBody>
-                    <a:bodyPr/>
-                    <a:lstStyle/>
-                    <a:p>
-                      <a:pPr algn="ctr" fontAlgn="b"/>
-                      <a:r>
-                        <a:rPr lang="en-US" sz="1100" b="0" i="0" u="none" strike="noStrike">
-                          <a:solidFill>
-                            <a:srgbClr val="000000"/>
-                          </a:solidFill>
-                          <a:effectLst/>
-                          <a:latin typeface="Calibri" panose="020F0502020204030204" pitchFamily="34" charset="0"/>
-                        </a:rPr>
-                        <a:t> </a:t>
-                      </a:r>
+                      <a:endParaRPr lang="en-US" sz="1100" b="0" i="0" u="none" strike="noStrike" dirty="0">
+                        <a:solidFill>
+                          <a:srgbClr val="000000"/>
+                        </a:solidFill>
+                        <a:effectLst/>
+                        <a:latin typeface="Calibri" panose="020F0502020204030204" pitchFamily="34" charset="0"/>
+                      </a:endParaRPr>
                     </a:p>
                   </a:txBody>
                   <a:tcPr marL="9525" marR="9525" marT="9525" marB="0" anchor="b">
@@ -10831,7 +8227,7 @@
                     <a:lstStyle/>
                     <a:p>
                       <a:pPr algn="l" fontAlgn="b"/>
-                      <a:endParaRPr lang="en-US" sz="1100" b="0" i="0" u="none" strike="noStrike">
+                      <a:endParaRPr lang="en-US" sz="1100" b="0" i="0" u="none" strike="noStrike" dirty="0">
                         <a:solidFill>
                           <a:srgbClr val="000000"/>
                         </a:solidFill>
@@ -10867,16 +8263,13 @@
                     <a:lstStyle/>
                     <a:p>
                       <a:pPr algn="ctr" fontAlgn="b"/>
-                      <a:r>
-                        <a:rPr lang="en-US" sz="1100" b="0" i="0" u="none" strike="noStrike">
-                          <a:solidFill>
-                            <a:srgbClr val="000000"/>
-                          </a:solidFill>
-                          <a:effectLst/>
-                          <a:latin typeface="Calibri" panose="020F0502020204030204" pitchFamily="34" charset="0"/>
-                        </a:rPr>
-                        <a:t> </a:t>
-                      </a:r>
+                      <a:endParaRPr lang="en-US" sz="1100" b="0" i="0" u="none" strike="noStrike" dirty="0">
+                        <a:solidFill>
+                          <a:srgbClr val="000000"/>
+                        </a:solidFill>
+                        <a:effectLst/>
+                        <a:latin typeface="Calibri" panose="020F0502020204030204" pitchFamily="34" charset="0"/>
+                      </a:endParaRPr>
                     </a:p>
                   </a:txBody>
                   <a:tcPr marL="9525" marR="9525" marT="9525" marB="0" anchor="b">
@@ -10927,16 +8320,13 @@
                     <a:lstStyle/>
                     <a:p>
                       <a:pPr algn="ctr" fontAlgn="b"/>
-                      <a:r>
-                        <a:rPr lang="en-US" sz="1100" b="0" i="0" u="none" strike="noStrike">
-                          <a:solidFill>
-                            <a:srgbClr val="000000"/>
-                          </a:solidFill>
-                          <a:effectLst/>
-                          <a:latin typeface="Calibri" panose="020F0502020204030204" pitchFamily="34" charset="0"/>
-                        </a:rPr>
-                        <a:t> </a:t>
-                      </a:r>
+                      <a:endParaRPr lang="en-US" sz="1100" b="0" i="0" u="none" strike="noStrike" dirty="0">
+                        <a:solidFill>
+                          <a:srgbClr val="000000"/>
+                        </a:solidFill>
+                        <a:effectLst/>
+                        <a:latin typeface="Calibri" panose="020F0502020204030204" pitchFamily="34" charset="0"/>
+                      </a:endParaRPr>
                     </a:p>
                   </a:txBody>
                   <a:tcPr marL="9525" marR="9525" marT="9525" marB="0" anchor="b">
@@ -10987,16 +8377,13 @@
                     <a:lstStyle/>
                     <a:p>
                       <a:pPr algn="ctr" fontAlgn="b"/>
-                      <a:r>
-                        <a:rPr lang="en-US" sz="1100" b="0" i="0" u="none" strike="noStrike">
-                          <a:solidFill>
-                            <a:srgbClr val="000000"/>
-                          </a:solidFill>
-                          <a:effectLst/>
-                          <a:latin typeface="Calibri" panose="020F0502020204030204" pitchFamily="34" charset="0"/>
-                        </a:rPr>
-                        <a:t> </a:t>
-                      </a:r>
+                      <a:endParaRPr lang="en-US" sz="1100" b="0" i="0" u="none" strike="noStrike" dirty="0">
+                        <a:solidFill>
+                          <a:srgbClr val="000000"/>
+                        </a:solidFill>
+                        <a:effectLst/>
+                        <a:latin typeface="Calibri" panose="020F0502020204030204" pitchFamily="34" charset="0"/>
+                      </a:endParaRPr>
                     </a:p>
                   </a:txBody>
                   <a:tcPr marL="9525" marR="9525" marT="9525" marB="0" anchor="b">
@@ -11047,196 +8434,13 @@
                     <a:lstStyle/>
                     <a:p>
                       <a:pPr algn="ctr" fontAlgn="b"/>
-                      <a:r>
-                        <a:rPr lang="en-US" sz="1100" b="0" i="0" u="none" strike="noStrike">
-                          <a:solidFill>
-                            <a:srgbClr val="000000"/>
-                          </a:solidFill>
-                          <a:effectLst/>
-                          <a:latin typeface="Calibri" panose="020F0502020204030204" pitchFamily="34" charset="0"/>
-                        </a:rPr>
-                        <a:t> </a:t>
-                      </a:r>
-                    </a:p>
-                  </a:txBody>
-                  <a:tcPr marL="9525" marR="9525" marT="9525" marB="0" anchor="b">
-                    <a:lnL w="6350" cap="flat" cmpd="sng" algn="ctr">
-                      <a:solidFill>
-                        <a:srgbClr val="000000"/>
-                      </a:solidFill>
-                      <a:prstDash val="solid"/>
-                      <a:round/>
-                      <a:headEnd type="none" w="med" len="med"/>
-                      <a:tailEnd type="none" w="med" len="med"/>
-                    </a:lnL>
-                    <a:lnR w="6350" cap="flat" cmpd="sng" algn="ctr">
-                      <a:solidFill>
-                        <a:srgbClr val="000000"/>
-                      </a:solidFill>
-                      <a:prstDash val="solid"/>
-                      <a:round/>
-                      <a:headEnd type="none" w="med" len="med"/>
-                      <a:tailEnd type="none" w="med" len="med"/>
-                    </a:lnR>
-                    <a:lnT w="6350" cap="flat" cmpd="sng" algn="ctr">
-                      <a:solidFill>
-                        <a:srgbClr val="000000"/>
-                      </a:solidFill>
-                      <a:prstDash val="solid"/>
-                      <a:round/>
-                      <a:headEnd type="none" w="med" len="med"/>
-                      <a:tailEnd type="none" w="med" len="med"/>
-                    </a:lnT>
-                    <a:lnB w="6350" cap="flat" cmpd="sng" algn="ctr">
-                      <a:solidFill>
-                        <a:srgbClr val="000000"/>
-                      </a:solidFill>
-                      <a:prstDash val="solid"/>
-                      <a:round/>
-                      <a:headEnd type="none" w="med" len="med"/>
-                      <a:tailEnd type="none" w="med" len="med"/>
-                    </a:lnB>
-                    <a:solidFill>
-                      <a:srgbClr val="FFFFFF"/>
-                    </a:solidFill>
-                  </a:tcPr>
-                </a:tc>
-                <a:tc>
-                  <a:txBody>
-                    <a:bodyPr/>
-                    <a:lstStyle/>
-                    <a:p>
-                      <a:pPr algn="ctr" fontAlgn="b"/>
-                      <a:r>
-                        <a:rPr lang="en-US" sz="1100" b="0" i="0" u="none" strike="noStrike">
-                          <a:solidFill>
-                            <a:srgbClr val="000000"/>
-                          </a:solidFill>
-                          <a:effectLst/>
-                          <a:latin typeface="Calibri" panose="020F0502020204030204" pitchFamily="34" charset="0"/>
-                        </a:rPr>
-                        <a:t> </a:t>
-                      </a:r>
-                    </a:p>
-                  </a:txBody>
-                  <a:tcPr marL="9525" marR="9525" marT="9525" marB="0" anchor="b">
-                    <a:lnL w="6350" cap="flat" cmpd="sng" algn="ctr">
-                      <a:solidFill>
-                        <a:srgbClr val="000000"/>
-                      </a:solidFill>
-                      <a:prstDash val="solid"/>
-                      <a:round/>
-                      <a:headEnd type="none" w="med" len="med"/>
-                      <a:tailEnd type="none" w="med" len="med"/>
-                    </a:lnL>
-                    <a:lnR w="6350" cap="flat" cmpd="sng" algn="ctr">
-                      <a:solidFill>
-                        <a:srgbClr val="000000"/>
-                      </a:solidFill>
-                      <a:prstDash val="solid"/>
-                      <a:round/>
-                      <a:headEnd type="none" w="med" len="med"/>
-                      <a:tailEnd type="none" w="med" len="med"/>
-                    </a:lnR>
-                    <a:lnT w="6350" cap="flat" cmpd="sng" algn="ctr">
-                      <a:solidFill>
-                        <a:srgbClr val="000000"/>
-                      </a:solidFill>
-                      <a:prstDash val="solid"/>
-                      <a:round/>
-                      <a:headEnd type="none" w="med" len="med"/>
-                      <a:tailEnd type="none" w="med" len="med"/>
-                    </a:lnT>
-                    <a:lnB w="6350" cap="flat" cmpd="sng" algn="ctr">
-                      <a:solidFill>
-                        <a:srgbClr val="000000"/>
-                      </a:solidFill>
-                      <a:prstDash val="solid"/>
-                      <a:round/>
-                      <a:headEnd type="none" w="med" len="med"/>
-                      <a:tailEnd type="none" w="med" len="med"/>
-                    </a:lnB>
-                    <a:solidFill>
-                      <a:srgbClr val="FFFFFF"/>
-                    </a:solidFill>
-                  </a:tcPr>
-                </a:tc>
-                <a:tc>
-                  <a:txBody>
-                    <a:bodyPr/>
-                    <a:lstStyle/>
-                    <a:p>
-                      <a:pPr algn="ctr" fontAlgn="b"/>
-                      <a:r>
-                        <a:rPr lang="en-US" sz="1100" b="0" i="0" u="none" strike="noStrike">
-                          <a:solidFill>
-                            <a:srgbClr val="000000"/>
-                          </a:solidFill>
-                          <a:effectLst/>
-                          <a:latin typeface="Calibri" panose="020F0502020204030204" pitchFamily="34" charset="0"/>
-                        </a:rPr>
-                        <a:t> </a:t>
-                      </a:r>
-                    </a:p>
-                  </a:txBody>
-                  <a:tcPr marL="9525" marR="9525" marT="9525" marB="0" anchor="b">
-                    <a:lnL w="6350" cap="flat" cmpd="sng" algn="ctr">
-                      <a:solidFill>
-                        <a:srgbClr val="000000"/>
-                      </a:solidFill>
-                      <a:prstDash val="solid"/>
-                      <a:round/>
-                      <a:headEnd type="none" w="med" len="med"/>
-                      <a:tailEnd type="none" w="med" len="med"/>
-                    </a:lnL>
-                    <a:lnR w="6350" cap="flat" cmpd="sng" algn="ctr">
-                      <a:solidFill>
-                        <a:srgbClr val="000000"/>
-                      </a:solidFill>
-                      <a:prstDash val="solid"/>
-                      <a:round/>
-                      <a:headEnd type="none" w="med" len="med"/>
-                      <a:tailEnd type="none" w="med" len="med"/>
-                    </a:lnR>
-                    <a:lnT w="6350" cap="flat" cmpd="sng" algn="ctr">
-                      <a:solidFill>
-                        <a:srgbClr val="000000"/>
-                      </a:solidFill>
-                      <a:prstDash val="solid"/>
-                      <a:round/>
-                      <a:headEnd type="none" w="med" len="med"/>
-                      <a:tailEnd type="none" w="med" len="med"/>
-                    </a:lnT>
-                    <a:lnB w="6350" cap="flat" cmpd="sng" algn="ctr">
-                      <a:solidFill>
-                        <a:srgbClr val="000000"/>
-                      </a:solidFill>
-                      <a:prstDash val="solid"/>
-                      <a:round/>
-                      <a:headEnd type="none" w="med" len="med"/>
-                      <a:tailEnd type="none" w="med" len="med"/>
-                    </a:lnB>
-                    <a:solidFill>
-                      <a:srgbClr val="FFFFFF"/>
-                    </a:solidFill>
-                  </a:tcPr>
-                </a:tc>
-                <a:tc>
-                  <a:txBody>
-                    <a:bodyPr/>
-                    <a:lstStyle/>
-                    <a:p>
-                      <a:pPr algn="ctr" fontAlgn="b"/>
-                      <a:r>
-                        <a:rPr lang="en-US" sz="1100" b="0" i="0" u="none" strike="noStrike">
-                          <a:solidFill>
-                            <a:srgbClr val="000000"/>
-                          </a:solidFill>
-                          <a:effectLst/>
-                          <a:latin typeface="Calibri" panose="020F0502020204030204" pitchFamily="34" charset="0"/>
-                        </a:rPr>
-                        <a:t> </a:t>
-                      </a:r>
+                      <a:endParaRPr lang="en-US" sz="1100" b="0" i="0" u="none" strike="noStrike" dirty="0">
+                        <a:solidFill>
+                          <a:srgbClr val="000000"/>
+                        </a:solidFill>
+                        <a:effectLst/>
+                        <a:latin typeface="Calibri" panose="020F0502020204030204" pitchFamily="34" charset="0"/>
+                      </a:endParaRPr>
                     </a:p>
                   </a:txBody>
                   <a:tcPr marL="9525" marR="9525" marT="9525" marB="0" anchor="b">
@@ -11294,13 +8498,16 @@
                     <a:lstStyle/>
                     <a:p>
                       <a:pPr algn="l" fontAlgn="b"/>
-                      <a:endParaRPr lang="en-US" sz="1100" b="0" i="0" u="none" strike="noStrike">
-                        <a:solidFill>
-                          <a:srgbClr val="000000"/>
-                        </a:solidFill>
-                        <a:effectLst/>
-                        <a:latin typeface="Calibri" panose="020F0502020204030204" pitchFamily="34" charset="0"/>
-                      </a:endParaRPr>
+                      <a:r>
+                        <a:rPr lang="en-US" sz="1100" b="0" i="0" u="none" strike="noStrike" dirty="0">
+                          <a:solidFill>
+                            <a:srgbClr val="000000"/>
+                          </a:solidFill>
+                          <a:effectLst/>
+                          <a:latin typeface="Calibri" panose="020F0502020204030204" pitchFamily="34" charset="0"/>
+                        </a:rPr>
+                        <a:t>done</a:t>
+                      </a:r>
                     </a:p>
                   </a:txBody>
                   <a:tcPr marL="9525" marR="9525" marT="9525" marB="0" anchor="b">
@@ -11330,16 +8537,13 @@
                     <a:lstStyle/>
                     <a:p>
                       <a:pPr algn="ctr" fontAlgn="b"/>
-                      <a:r>
-                        <a:rPr lang="en-US" sz="1100" b="0" i="0" u="none" strike="noStrike">
-                          <a:solidFill>
-                            <a:srgbClr val="000000"/>
-                          </a:solidFill>
-                          <a:effectLst/>
-                          <a:latin typeface="Calibri" panose="020F0502020204030204" pitchFamily="34" charset="0"/>
-                        </a:rPr>
-                        <a:t> </a:t>
-                      </a:r>
+                      <a:endParaRPr lang="en-US" sz="1100" b="0" i="0" u="none" strike="noStrike" dirty="0">
+                        <a:solidFill>
+                          <a:srgbClr val="000000"/>
+                        </a:solidFill>
+                        <a:effectLst/>
+                        <a:latin typeface="Calibri" panose="020F0502020204030204" pitchFamily="34" charset="0"/>
+                      </a:endParaRPr>
                     </a:p>
                   </a:txBody>
                   <a:tcPr marL="9525" marR="9525" marT="9525" marB="0" anchor="b">
@@ -11390,16 +8594,13 @@
                     <a:lstStyle/>
                     <a:p>
                       <a:pPr algn="ctr" fontAlgn="b"/>
-                      <a:r>
-                        <a:rPr lang="en-US" sz="1100" b="0" i="0" u="none" strike="noStrike">
-                          <a:solidFill>
-                            <a:srgbClr val="000000"/>
-                          </a:solidFill>
-                          <a:effectLst/>
-                          <a:latin typeface="Calibri" panose="020F0502020204030204" pitchFamily="34" charset="0"/>
-                        </a:rPr>
-                        <a:t> </a:t>
-                      </a:r>
+                      <a:endParaRPr lang="en-US" sz="1100" b="0" i="0" u="none" strike="noStrike" dirty="0">
+                        <a:solidFill>
+                          <a:srgbClr val="000000"/>
+                        </a:solidFill>
+                        <a:effectLst/>
+                        <a:latin typeface="Calibri" panose="020F0502020204030204" pitchFamily="34" charset="0"/>
+                      </a:endParaRPr>
                     </a:p>
                   </a:txBody>
                   <a:tcPr marL="9525" marR="9525" marT="9525" marB="0" anchor="b">
@@ -11450,16 +8651,13 @@
                     <a:lstStyle/>
                     <a:p>
                       <a:pPr algn="ctr" fontAlgn="b"/>
-                      <a:r>
-                        <a:rPr lang="en-US" sz="1100" b="0" i="0" u="none" strike="noStrike">
-                          <a:solidFill>
-                            <a:srgbClr val="000000"/>
-                          </a:solidFill>
-                          <a:effectLst/>
-                          <a:latin typeface="Calibri" panose="020F0502020204030204" pitchFamily="34" charset="0"/>
-                        </a:rPr>
-                        <a:t> </a:t>
-                      </a:r>
+                      <a:endParaRPr lang="en-US" sz="1100" b="0" i="0" u="none" strike="noStrike" dirty="0">
+                        <a:solidFill>
+                          <a:srgbClr val="000000"/>
+                        </a:solidFill>
+                        <a:effectLst/>
+                        <a:latin typeface="Calibri" panose="020F0502020204030204" pitchFamily="34" charset="0"/>
+                      </a:endParaRPr>
                     </a:p>
                   </a:txBody>
                   <a:tcPr marL="9525" marR="9525" marT="9525" marB="0" anchor="b">
@@ -11510,196 +8708,13 @@
                     <a:lstStyle/>
                     <a:p>
                       <a:pPr algn="ctr" fontAlgn="b"/>
-                      <a:r>
-                        <a:rPr lang="en-US" sz="1100" b="0" i="0" u="none" strike="noStrike">
-                          <a:solidFill>
-                            <a:srgbClr val="000000"/>
-                          </a:solidFill>
-                          <a:effectLst/>
-                          <a:latin typeface="Calibri" panose="020F0502020204030204" pitchFamily="34" charset="0"/>
-                        </a:rPr>
-                        <a:t> </a:t>
-                      </a:r>
-                    </a:p>
-                  </a:txBody>
-                  <a:tcPr marL="9525" marR="9525" marT="9525" marB="0" anchor="b">
-                    <a:lnL w="6350" cap="flat" cmpd="sng" algn="ctr">
-                      <a:solidFill>
-                        <a:srgbClr val="000000"/>
-                      </a:solidFill>
-                      <a:prstDash val="solid"/>
-                      <a:round/>
-                      <a:headEnd type="none" w="med" len="med"/>
-                      <a:tailEnd type="none" w="med" len="med"/>
-                    </a:lnL>
-                    <a:lnR w="6350" cap="flat" cmpd="sng" algn="ctr">
-                      <a:solidFill>
-                        <a:srgbClr val="000000"/>
-                      </a:solidFill>
-                      <a:prstDash val="solid"/>
-                      <a:round/>
-                      <a:headEnd type="none" w="med" len="med"/>
-                      <a:tailEnd type="none" w="med" len="med"/>
-                    </a:lnR>
-                    <a:lnT w="6350" cap="flat" cmpd="sng" algn="ctr">
-                      <a:solidFill>
-                        <a:srgbClr val="000000"/>
-                      </a:solidFill>
-                      <a:prstDash val="solid"/>
-                      <a:round/>
-                      <a:headEnd type="none" w="med" len="med"/>
-                      <a:tailEnd type="none" w="med" len="med"/>
-                    </a:lnT>
-                    <a:lnB w="6350" cap="flat" cmpd="sng" algn="ctr">
-                      <a:solidFill>
-                        <a:srgbClr val="000000"/>
-                      </a:solidFill>
-                      <a:prstDash val="solid"/>
-                      <a:round/>
-                      <a:headEnd type="none" w="med" len="med"/>
-                      <a:tailEnd type="none" w="med" len="med"/>
-                    </a:lnB>
-                    <a:solidFill>
-                      <a:srgbClr val="FFFFFF"/>
-                    </a:solidFill>
-                  </a:tcPr>
-                </a:tc>
-                <a:tc>
-                  <a:txBody>
-                    <a:bodyPr/>
-                    <a:lstStyle/>
-                    <a:p>
-                      <a:pPr algn="ctr" fontAlgn="b"/>
-                      <a:r>
-                        <a:rPr lang="en-US" sz="1100" b="0" i="0" u="none" strike="noStrike">
-                          <a:solidFill>
-                            <a:srgbClr val="000000"/>
-                          </a:solidFill>
-                          <a:effectLst/>
-                          <a:latin typeface="Calibri" panose="020F0502020204030204" pitchFamily="34" charset="0"/>
-                        </a:rPr>
-                        <a:t> </a:t>
-                      </a:r>
-                    </a:p>
-                  </a:txBody>
-                  <a:tcPr marL="9525" marR="9525" marT="9525" marB="0" anchor="b">
-                    <a:lnL w="6350" cap="flat" cmpd="sng" algn="ctr">
-                      <a:solidFill>
-                        <a:srgbClr val="000000"/>
-                      </a:solidFill>
-                      <a:prstDash val="solid"/>
-                      <a:round/>
-                      <a:headEnd type="none" w="med" len="med"/>
-                      <a:tailEnd type="none" w="med" len="med"/>
-                    </a:lnL>
-                    <a:lnR w="6350" cap="flat" cmpd="sng" algn="ctr">
-                      <a:solidFill>
-                        <a:srgbClr val="000000"/>
-                      </a:solidFill>
-                      <a:prstDash val="solid"/>
-                      <a:round/>
-                      <a:headEnd type="none" w="med" len="med"/>
-                      <a:tailEnd type="none" w="med" len="med"/>
-                    </a:lnR>
-                    <a:lnT w="6350" cap="flat" cmpd="sng" algn="ctr">
-                      <a:solidFill>
-                        <a:srgbClr val="000000"/>
-                      </a:solidFill>
-                      <a:prstDash val="solid"/>
-                      <a:round/>
-                      <a:headEnd type="none" w="med" len="med"/>
-                      <a:tailEnd type="none" w="med" len="med"/>
-                    </a:lnT>
-                    <a:lnB w="6350" cap="flat" cmpd="sng" algn="ctr">
-                      <a:solidFill>
-                        <a:srgbClr val="000000"/>
-                      </a:solidFill>
-                      <a:prstDash val="solid"/>
-                      <a:round/>
-                      <a:headEnd type="none" w="med" len="med"/>
-                      <a:tailEnd type="none" w="med" len="med"/>
-                    </a:lnB>
-                    <a:solidFill>
-                      <a:srgbClr val="FFFFFF"/>
-                    </a:solidFill>
-                  </a:tcPr>
-                </a:tc>
-                <a:tc>
-                  <a:txBody>
-                    <a:bodyPr/>
-                    <a:lstStyle/>
-                    <a:p>
-                      <a:pPr algn="ctr" fontAlgn="b"/>
-                      <a:r>
-                        <a:rPr lang="en-US" sz="1100" b="0" i="0" u="none" strike="noStrike">
-                          <a:solidFill>
-                            <a:srgbClr val="000000"/>
-                          </a:solidFill>
-                          <a:effectLst/>
-                          <a:latin typeface="Calibri" panose="020F0502020204030204" pitchFamily="34" charset="0"/>
-                        </a:rPr>
-                        <a:t> </a:t>
-                      </a:r>
-                    </a:p>
-                  </a:txBody>
-                  <a:tcPr marL="9525" marR="9525" marT="9525" marB="0" anchor="b">
-                    <a:lnL w="6350" cap="flat" cmpd="sng" algn="ctr">
-                      <a:solidFill>
-                        <a:srgbClr val="000000"/>
-                      </a:solidFill>
-                      <a:prstDash val="solid"/>
-                      <a:round/>
-                      <a:headEnd type="none" w="med" len="med"/>
-                      <a:tailEnd type="none" w="med" len="med"/>
-                    </a:lnL>
-                    <a:lnR w="6350" cap="flat" cmpd="sng" algn="ctr">
-                      <a:solidFill>
-                        <a:srgbClr val="000000"/>
-                      </a:solidFill>
-                      <a:prstDash val="solid"/>
-                      <a:round/>
-                      <a:headEnd type="none" w="med" len="med"/>
-                      <a:tailEnd type="none" w="med" len="med"/>
-                    </a:lnR>
-                    <a:lnT w="6350" cap="flat" cmpd="sng" algn="ctr">
-                      <a:solidFill>
-                        <a:srgbClr val="000000"/>
-                      </a:solidFill>
-                      <a:prstDash val="solid"/>
-                      <a:round/>
-                      <a:headEnd type="none" w="med" len="med"/>
-                      <a:tailEnd type="none" w="med" len="med"/>
-                    </a:lnT>
-                    <a:lnB w="6350" cap="flat" cmpd="sng" algn="ctr">
-                      <a:solidFill>
-                        <a:srgbClr val="000000"/>
-                      </a:solidFill>
-                      <a:prstDash val="solid"/>
-                      <a:round/>
-                      <a:headEnd type="none" w="med" len="med"/>
-                      <a:tailEnd type="none" w="med" len="med"/>
-                    </a:lnB>
-                    <a:solidFill>
-                      <a:srgbClr val="FFFFFF"/>
-                    </a:solidFill>
-                  </a:tcPr>
-                </a:tc>
-                <a:tc>
-                  <a:txBody>
-                    <a:bodyPr/>
-                    <a:lstStyle/>
-                    <a:p>
-                      <a:pPr algn="ctr" fontAlgn="b"/>
-                      <a:r>
-                        <a:rPr lang="en-US" sz="1100" b="0" i="0" u="none" strike="noStrike">
-                          <a:solidFill>
-                            <a:srgbClr val="000000"/>
-                          </a:solidFill>
-                          <a:effectLst/>
-                          <a:latin typeface="Calibri" panose="020F0502020204030204" pitchFamily="34" charset="0"/>
-                        </a:rPr>
-                        <a:t> </a:t>
-                      </a:r>
+                      <a:endParaRPr lang="en-US" sz="1100" b="0" i="0" u="none" strike="noStrike" dirty="0">
+                        <a:solidFill>
+                          <a:srgbClr val="000000"/>
+                        </a:solidFill>
+                        <a:effectLst/>
+                        <a:latin typeface="Calibri" panose="020F0502020204030204" pitchFamily="34" charset="0"/>
+                      </a:endParaRPr>
                     </a:p>
                   </a:txBody>
                   <a:tcPr marL="9525" marR="9525" marT="9525" marB="0" anchor="b">
@@ -11750,1399 +8765,2042 @@
                   </a:ext>
                 </a:extLst>
               </a:tr>
-              <a:tr h="190500">
-                <a:tc>
-                  <a:txBody>
-                    <a:bodyPr/>
-                    <a:lstStyle/>
-                    <a:p>
-                      <a:pPr algn="l" fontAlgn="b"/>
-                      <a:endParaRPr lang="en-US" sz="1100" b="0" i="0" u="none" strike="noStrike">
-                        <a:solidFill>
-                          <a:srgbClr val="000000"/>
-                        </a:solidFill>
-                        <a:effectLst/>
-                        <a:latin typeface="Calibri" panose="020F0502020204030204" pitchFamily="34" charset="0"/>
-                      </a:endParaRPr>
-                    </a:p>
-                  </a:txBody>
-                  <a:tcPr marL="9525" marR="9525" marT="9525" marB="0" anchor="b">
-                    <a:lnL>
-                      <a:noFill/>
-                    </a:lnL>
-                    <a:lnR w="6350" cap="flat" cmpd="sng" algn="ctr">
-                      <a:solidFill>
-                        <a:srgbClr val="000000"/>
-                      </a:solidFill>
-                      <a:prstDash val="solid"/>
-                      <a:round/>
-                      <a:headEnd type="none" w="med" len="med"/>
-                      <a:tailEnd type="none" w="med" len="med"/>
-                    </a:lnR>
-                    <a:lnT>
-                      <a:noFill/>
-                    </a:lnT>
-                    <a:lnB>
-                      <a:noFill/>
-                    </a:lnB>
-                  </a:tcPr>
-                </a:tc>
-                <a:tc>
-                  <a:txBody>
-                    <a:bodyPr/>
-                    <a:lstStyle/>
-                    <a:p>
-                      <a:pPr algn="ctr" fontAlgn="b"/>
-                      <a:r>
-                        <a:rPr lang="en-US" sz="1100" b="0" i="0" u="none" strike="noStrike">
-                          <a:solidFill>
-                            <a:srgbClr val="000000"/>
-                          </a:solidFill>
-                          <a:effectLst/>
-                          <a:latin typeface="Calibri" panose="020F0502020204030204" pitchFamily="34" charset="0"/>
-                        </a:rPr>
-                        <a:t> </a:t>
-                      </a:r>
-                    </a:p>
-                  </a:txBody>
-                  <a:tcPr marL="9525" marR="9525" marT="9525" marB="0" anchor="b">
-                    <a:lnL w="6350" cap="flat" cmpd="sng" algn="ctr">
-                      <a:solidFill>
-                        <a:srgbClr val="000000"/>
-                      </a:solidFill>
-                      <a:prstDash val="solid"/>
-                      <a:round/>
-                      <a:headEnd type="none" w="med" len="med"/>
-                      <a:tailEnd type="none" w="med" len="med"/>
-                    </a:lnL>
-                    <a:lnR w="6350" cap="flat" cmpd="sng" algn="ctr">
-                      <a:solidFill>
-                        <a:srgbClr val="000000"/>
-                      </a:solidFill>
-                      <a:prstDash val="solid"/>
-                      <a:round/>
-                      <a:headEnd type="none" w="med" len="med"/>
-                      <a:tailEnd type="none" w="med" len="med"/>
-                    </a:lnR>
-                    <a:lnT w="6350" cap="flat" cmpd="sng" algn="ctr">
-                      <a:solidFill>
-                        <a:srgbClr val="000000"/>
-                      </a:solidFill>
-                      <a:prstDash val="solid"/>
-                      <a:round/>
-                      <a:headEnd type="none" w="med" len="med"/>
-                      <a:tailEnd type="none" w="med" len="med"/>
-                    </a:lnT>
-                    <a:lnB w="6350" cap="flat" cmpd="sng" algn="ctr">
-                      <a:solidFill>
-                        <a:srgbClr val="000000"/>
-                      </a:solidFill>
-                      <a:prstDash val="solid"/>
-                      <a:round/>
-                      <a:headEnd type="none" w="med" len="med"/>
-                      <a:tailEnd type="none" w="med" len="med"/>
-                    </a:lnB>
-                    <a:solidFill>
-                      <a:srgbClr val="FFFFFF"/>
-                    </a:solidFill>
-                  </a:tcPr>
-                </a:tc>
-                <a:tc>
-                  <a:txBody>
-                    <a:bodyPr/>
-                    <a:lstStyle/>
-                    <a:p>
-                      <a:pPr algn="ctr" fontAlgn="b"/>
-                      <a:r>
-                        <a:rPr lang="en-US" sz="1100" b="0" i="0" u="none" strike="noStrike">
-                          <a:solidFill>
-                            <a:srgbClr val="000000"/>
-                          </a:solidFill>
-                          <a:effectLst/>
-                          <a:latin typeface="Calibri" panose="020F0502020204030204" pitchFamily="34" charset="0"/>
-                        </a:rPr>
-                        <a:t> </a:t>
-                      </a:r>
-                    </a:p>
-                  </a:txBody>
-                  <a:tcPr marL="9525" marR="9525" marT="9525" marB="0" anchor="b">
-                    <a:lnL w="6350" cap="flat" cmpd="sng" algn="ctr">
-                      <a:solidFill>
-                        <a:srgbClr val="000000"/>
-                      </a:solidFill>
-                      <a:prstDash val="solid"/>
-                      <a:round/>
-                      <a:headEnd type="none" w="med" len="med"/>
-                      <a:tailEnd type="none" w="med" len="med"/>
-                    </a:lnL>
-                    <a:lnR w="6350" cap="flat" cmpd="sng" algn="ctr">
-                      <a:solidFill>
-                        <a:srgbClr val="000000"/>
-                      </a:solidFill>
-                      <a:prstDash val="solid"/>
-                      <a:round/>
-                      <a:headEnd type="none" w="med" len="med"/>
-                      <a:tailEnd type="none" w="med" len="med"/>
-                    </a:lnR>
-                    <a:lnT w="6350" cap="flat" cmpd="sng" algn="ctr">
-                      <a:solidFill>
-                        <a:srgbClr val="000000"/>
-                      </a:solidFill>
-                      <a:prstDash val="solid"/>
-                      <a:round/>
-                      <a:headEnd type="none" w="med" len="med"/>
-                      <a:tailEnd type="none" w="med" len="med"/>
-                    </a:lnT>
-                    <a:lnB w="6350" cap="flat" cmpd="sng" algn="ctr">
-                      <a:solidFill>
-                        <a:srgbClr val="000000"/>
-                      </a:solidFill>
-                      <a:prstDash val="solid"/>
-                      <a:round/>
-                      <a:headEnd type="none" w="med" len="med"/>
-                      <a:tailEnd type="none" w="med" len="med"/>
-                    </a:lnB>
-                    <a:solidFill>
-                      <a:srgbClr val="FFFFFF"/>
-                    </a:solidFill>
-                  </a:tcPr>
-                </a:tc>
-                <a:tc>
-                  <a:txBody>
-                    <a:bodyPr/>
-                    <a:lstStyle/>
-                    <a:p>
-                      <a:pPr algn="ctr" fontAlgn="b"/>
-                      <a:r>
-                        <a:rPr lang="en-US" sz="1100" b="0" i="0" u="none" strike="noStrike">
-                          <a:solidFill>
-                            <a:srgbClr val="000000"/>
-                          </a:solidFill>
-                          <a:effectLst/>
-                          <a:latin typeface="Calibri" panose="020F0502020204030204" pitchFamily="34" charset="0"/>
-                        </a:rPr>
-                        <a:t> </a:t>
-                      </a:r>
-                    </a:p>
-                  </a:txBody>
-                  <a:tcPr marL="9525" marR="9525" marT="9525" marB="0" anchor="b">
-                    <a:lnL w="6350" cap="flat" cmpd="sng" algn="ctr">
-                      <a:solidFill>
-                        <a:srgbClr val="000000"/>
-                      </a:solidFill>
-                      <a:prstDash val="solid"/>
-                      <a:round/>
-                      <a:headEnd type="none" w="med" len="med"/>
-                      <a:tailEnd type="none" w="med" len="med"/>
-                    </a:lnL>
-                    <a:lnR w="6350" cap="flat" cmpd="sng" algn="ctr">
-                      <a:solidFill>
-                        <a:srgbClr val="000000"/>
-                      </a:solidFill>
-                      <a:prstDash val="solid"/>
-                      <a:round/>
-                      <a:headEnd type="none" w="med" len="med"/>
-                      <a:tailEnd type="none" w="med" len="med"/>
-                    </a:lnR>
-                    <a:lnT w="6350" cap="flat" cmpd="sng" algn="ctr">
-                      <a:solidFill>
-                        <a:srgbClr val="000000"/>
-                      </a:solidFill>
-                      <a:prstDash val="solid"/>
-                      <a:round/>
-                      <a:headEnd type="none" w="med" len="med"/>
-                      <a:tailEnd type="none" w="med" len="med"/>
-                    </a:lnT>
-                    <a:lnB w="6350" cap="flat" cmpd="sng" algn="ctr">
-                      <a:solidFill>
-                        <a:srgbClr val="000000"/>
-                      </a:solidFill>
-                      <a:prstDash val="solid"/>
-                      <a:round/>
-                      <a:headEnd type="none" w="med" len="med"/>
-                      <a:tailEnd type="none" w="med" len="med"/>
-                    </a:lnB>
-                    <a:solidFill>
-                      <a:srgbClr val="FFFFFF"/>
-                    </a:solidFill>
-                  </a:tcPr>
-                </a:tc>
-                <a:tc>
-                  <a:txBody>
-                    <a:bodyPr/>
-                    <a:lstStyle/>
-                    <a:p>
-                      <a:pPr algn="ctr" fontAlgn="b"/>
-                      <a:r>
-                        <a:rPr lang="en-US" sz="1100" b="0" i="0" u="none" strike="noStrike">
-                          <a:solidFill>
-                            <a:srgbClr val="000000"/>
-                          </a:solidFill>
-                          <a:effectLst/>
-                          <a:latin typeface="Calibri" panose="020F0502020204030204" pitchFamily="34" charset="0"/>
-                        </a:rPr>
-                        <a:t> </a:t>
-                      </a:r>
-                    </a:p>
-                  </a:txBody>
-                  <a:tcPr marL="9525" marR="9525" marT="9525" marB="0" anchor="b">
-                    <a:lnL w="6350" cap="flat" cmpd="sng" algn="ctr">
-                      <a:solidFill>
-                        <a:srgbClr val="000000"/>
-                      </a:solidFill>
-                      <a:prstDash val="solid"/>
-                      <a:round/>
-                      <a:headEnd type="none" w="med" len="med"/>
-                      <a:tailEnd type="none" w="med" len="med"/>
-                    </a:lnL>
-                    <a:lnR w="6350" cap="flat" cmpd="sng" algn="ctr">
-                      <a:solidFill>
-                        <a:srgbClr val="000000"/>
-                      </a:solidFill>
-                      <a:prstDash val="solid"/>
-                      <a:round/>
-                      <a:headEnd type="none" w="med" len="med"/>
-                      <a:tailEnd type="none" w="med" len="med"/>
-                    </a:lnR>
-                    <a:lnT w="6350" cap="flat" cmpd="sng" algn="ctr">
-                      <a:solidFill>
-                        <a:srgbClr val="000000"/>
-                      </a:solidFill>
-                      <a:prstDash val="solid"/>
-                      <a:round/>
-                      <a:headEnd type="none" w="med" len="med"/>
-                      <a:tailEnd type="none" w="med" len="med"/>
-                    </a:lnT>
-                    <a:lnB w="6350" cap="flat" cmpd="sng" algn="ctr">
-                      <a:solidFill>
-                        <a:srgbClr val="000000"/>
-                      </a:solidFill>
-                      <a:prstDash val="solid"/>
-                      <a:round/>
-                      <a:headEnd type="none" w="med" len="med"/>
-                      <a:tailEnd type="none" w="med" len="med"/>
-                    </a:lnB>
-                    <a:solidFill>
-                      <a:srgbClr val="FFFFFF"/>
-                    </a:solidFill>
-                  </a:tcPr>
-                </a:tc>
-                <a:tc>
-                  <a:txBody>
-                    <a:bodyPr/>
-                    <a:lstStyle/>
-                    <a:p>
-                      <a:pPr algn="ctr" fontAlgn="b"/>
-                      <a:r>
-                        <a:rPr lang="en-US" sz="1100" b="0" i="0" u="none" strike="noStrike">
-                          <a:solidFill>
-                            <a:srgbClr val="000000"/>
-                          </a:solidFill>
-                          <a:effectLst/>
-                          <a:latin typeface="Calibri" panose="020F0502020204030204" pitchFamily="34" charset="0"/>
-                        </a:rPr>
-                        <a:t> </a:t>
-                      </a:r>
-                    </a:p>
-                  </a:txBody>
-                  <a:tcPr marL="9525" marR="9525" marT="9525" marB="0" anchor="b">
-                    <a:lnL w="6350" cap="flat" cmpd="sng" algn="ctr">
-                      <a:solidFill>
-                        <a:srgbClr val="000000"/>
-                      </a:solidFill>
-                      <a:prstDash val="solid"/>
-                      <a:round/>
-                      <a:headEnd type="none" w="med" len="med"/>
-                      <a:tailEnd type="none" w="med" len="med"/>
-                    </a:lnL>
-                    <a:lnR w="6350" cap="flat" cmpd="sng" algn="ctr">
-                      <a:solidFill>
-                        <a:srgbClr val="000000"/>
-                      </a:solidFill>
-                      <a:prstDash val="solid"/>
-                      <a:round/>
-                      <a:headEnd type="none" w="med" len="med"/>
-                      <a:tailEnd type="none" w="med" len="med"/>
-                    </a:lnR>
-                    <a:lnT w="6350" cap="flat" cmpd="sng" algn="ctr">
-                      <a:solidFill>
-                        <a:srgbClr val="000000"/>
-                      </a:solidFill>
-                      <a:prstDash val="solid"/>
-                      <a:round/>
-                      <a:headEnd type="none" w="med" len="med"/>
-                      <a:tailEnd type="none" w="med" len="med"/>
-                    </a:lnT>
-                    <a:lnB w="6350" cap="flat" cmpd="sng" algn="ctr">
-                      <a:solidFill>
-                        <a:srgbClr val="000000"/>
-                      </a:solidFill>
-                      <a:prstDash val="solid"/>
-                      <a:round/>
-                      <a:headEnd type="none" w="med" len="med"/>
-                      <a:tailEnd type="none" w="med" len="med"/>
-                    </a:lnB>
-                    <a:solidFill>
-                      <a:srgbClr val="FFFFFF"/>
-                    </a:solidFill>
-                  </a:tcPr>
-                </a:tc>
-                <a:tc>
-                  <a:txBody>
-                    <a:bodyPr/>
-                    <a:lstStyle/>
-                    <a:p>
-                      <a:pPr algn="ctr" fontAlgn="b"/>
-                      <a:r>
-                        <a:rPr lang="en-US" sz="1100" b="0" i="0" u="none" strike="noStrike">
-                          <a:solidFill>
-                            <a:srgbClr val="000000"/>
-                          </a:solidFill>
-                          <a:effectLst/>
-                          <a:latin typeface="Calibri" panose="020F0502020204030204" pitchFamily="34" charset="0"/>
-                        </a:rPr>
-                        <a:t> </a:t>
-                      </a:r>
-                    </a:p>
-                  </a:txBody>
-                  <a:tcPr marL="9525" marR="9525" marT="9525" marB="0" anchor="b">
-                    <a:lnL w="6350" cap="flat" cmpd="sng" algn="ctr">
-                      <a:solidFill>
-                        <a:srgbClr val="000000"/>
-                      </a:solidFill>
-                      <a:prstDash val="solid"/>
-                      <a:round/>
-                      <a:headEnd type="none" w="med" len="med"/>
-                      <a:tailEnd type="none" w="med" len="med"/>
-                    </a:lnL>
-                    <a:lnR w="6350" cap="flat" cmpd="sng" algn="ctr">
-                      <a:solidFill>
-                        <a:srgbClr val="000000"/>
-                      </a:solidFill>
-                      <a:prstDash val="solid"/>
-                      <a:round/>
-                      <a:headEnd type="none" w="med" len="med"/>
-                      <a:tailEnd type="none" w="med" len="med"/>
-                    </a:lnR>
-                    <a:lnT w="6350" cap="flat" cmpd="sng" algn="ctr">
-                      <a:solidFill>
-                        <a:srgbClr val="000000"/>
-                      </a:solidFill>
-                      <a:prstDash val="solid"/>
-                      <a:round/>
-                      <a:headEnd type="none" w="med" len="med"/>
-                      <a:tailEnd type="none" w="med" len="med"/>
-                    </a:lnT>
-                    <a:lnB w="6350" cap="flat" cmpd="sng" algn="ctr">
-                      <a:solidFill>
-                        <a:srgbClr val="000000"/>
-                      </a:solidFill>
-                      <a:prstDash val="solid"/>
-                      <a:round/>
-                      <a:headEnd type="none" w="med" len="med"/>
-                      <a:tailEnd type="none" w="med" len="med"/>
-                    </a:lnB>
-                    <a:solidFill>
-                      <a:srgbClr val="FFFFFF"/>
-                    </a:solidFill>
-                  </a:tcPr>
-                </a:tc>
-                <a:tc>
-                  <a:txBody>
-                    <a:bodyPr/>
-                    <a:lstStyle/>
-                    <a:p>
-                      <a:pPr algn="ctr" fontAlgn="b"/>
-                      <a:r>
-                        <a:rPr lang="en-US" sz="1100" b="0" i="0" u="none" strike="noStrike">
-                          <a:solidFill>
-                            <a:srgbClr val="000000"/>
-                          </a:solidFill>
-                          <a:effectLst/>
-                          <a:latin typeface="Calibri" panose="020F0502020204030204" pitchFamily="34" charset="0"/>
-                        </a:rPr>
-                        <a:t> </a:t>
-                      </a:r>
-                    </a:p>
-                  </a:txBody>
-                  <a:tcPr marL="9525" marR="9525" marT="9525" marB="0" anchor="b">
-                    <a:lnL w="6350" cap="flat" cmpd="sng" algn="ctr">
-                      <a:solidFill>
-                        <a:srgbClr val="000000"/>
-                      </a:solidFill>
-                      <a:prstDash val="solid"/>
-                      <a:round/>
-                      <a:headEnd type="none" w="med" len="med"/>
-                      <a:tailEnd type="none" w="med" len="med"/>
-                    </a:lnL>
-                    <a:lnR w="6350" cap="flat" cmpd="sng" algn="ctr">
-                      <a:solidFill>
-                        <a:srgbClr val="000000"/>
-                      </a:solidFill>
-                      <a:prstDash val="solid"/>
-                      <a:round/>
-                      <a:headEnd type="none" w="med" len="med"/>
-                      <a:tailEnd type="none" w="med" len="med"/>
-                    </a:lnR>
-                    <a:lnT w="6350" cap="flat" cmpd="sng" algn="ctr">
-                      <a:solidFill>
-                        <a:srgbClr val="000000"/>
-                      </a:solidFill>
-                      <a:prstDash val="solid"/>
-                      <a:round/>
-                      <a:headEnd type="none" w="med" len="med"/>
-                      <a:tailEnd type="none" w="med" len="med"/>
-                    </a:lnT>
-                    <a:lnB w="6350" cap="flat" cmpd="sng" algn="ctr">
-                      <a:solidFill>
-                        <a:srgbClr val="000000"/>
-                      </a:solidFill>
-                      <a:prstDash val="solid"/>
-                      <a:round/>
-                      <a:headEnd type="none" w="med" len="med"/>
-                      <a:tailEnd type="none" w="med" len="med"/>
-                    </a:lnB>
-                    <a:solidFill>
-                      <a:srgbClr val="FFFFFF"/>
-                    </a:solidFill>
-                  </a:tcPr>
-                </a:tc>
-                <a:extLst>
-                  <a:ext uri="{0D108BD9-81ED-4DB2-BD59-A6C34878D82A}">
-                    <a16:rowId xmlns:a16="http://schemas.microsoft.com/office/drawing/2014/main" val="2173608550"/>
-                  </a:ext>
-                </a:extLst>
-              </a:tr>
-              <a:tr h="190500">
-                <a:tc>
-                  <a:txBody>
-                    <a:bodyPr/>
-                    <a:lstStyle/>
-                    <a:p>
-                      <a:pPr algn="l" fontAlgn="b"/>
-                      <a:endParaRPr lang="en-US" sz="1100" b="0" i="0" u="none" strike="noStrike">
-                        <a:solidFill>
-                          <a:srgbClr val="000000"/>
-                        </a:solidFill>
-                        <a:effectLst/>
-                        <a:latin typeface="Calibri" panose="020F0502020204030204" pitchFamily="34" charset="0"/>
-                      </a:endParaRPr>
-                    </a:p>
-                  </a:txBody>
-                  <a:tcPr marL="9525" marR="9525" marT="9525" marB="0" anchor="b">
-                    <a:lnL>
-                      <a:noFill/>
-                    </a:lnL>
-                    <a:lnR w="6350" cap="flat" cmpd="sng" algn="ctr">
-                      <a:solidFill>
-                        <a:srgbClr val="000000"/>
-                      </a:solidFill>
-                      <a:prstDash val="solid"/>
-                      <a:round/>
-                      <a:headEnd type="none" w="med" len="med"/>
-                      <a:tailEnd type="none" w="med" len="med"/>
-                    </a:lnR>
-                    <a:lnT>
-                      <a:noFill/>
-                    </a:lnT>
-                    <a:lnB>
-                      <a:noFill/>
-                    </a:lnB>
-                  </a:tcPr>
-                </a:tc>
-                <a:tc>
-                  <a:txBody>
-                    <a:bodyPr/>
-                    <a:lstStyle/>
-                    <a:p>
-                      <a:pPr algn="ctr" fontAlgn="b"/>
-                      <a:r>
-                        <a:rPr lang="en-US" sz="1100" b="0" i="0" u="none" strike="noStrike">
-                          <a:solidFill>
-                            <a:srgbClr val="000000"/>
-                          </a:solidFill>
-                          <a:effectLst/>
-                          <a:latin typeface="Calibri" panose="020F0502020204030204" pitchFamily="34" charset="0"/>
-                        </a:rPr>
-                        <a:t> </a:t>
-                      </a:r>
-                    </a:p>
-                  </a:txBody>
-                  <a:tcPr marL="9525" marR="9525" marT="9525" marB="0" anchor="b">
-                    <a:lnL w="6350" cap="flat" cmpd="sng" algn="ctr">
-                      <a:solidFill>
-                        <a:srgbClr val="000000"/>
-                      </a:solidFill>
-                      <a:prstDash val="solid"/>
-                      <a:round/>
-                      <a:headEnd type="none" w="med" len="med"/>
-                      <a:tailEnd type="none" w="med" len="med"/>
-                    </a:lnL>
-                    <a:lnR w="6350" cap="flat" cmpd="sng" algn="ctr">
-                      <a:solidFill>
-                        <a:srgbClr val="000000"/>
-                      </a:solidFill>
-                      <a:prstDash val="solid"/>
-                      <a:round/>
-                      <a:headEnd type="none" w="med" len="med"/>
-                      <a:tailEnd type="none" w="med" len="med"/>
-                    </a:lnR>
-                    <a:lnT w="6350" cap="flat" cmpd="sng" algn="ctr">
-                      <a:solidFill>
-                        <a:srgbClr val="000000"/>
-                      </a:solidFill>
-                      <a:prstDash val="solid"/>
-                      <a:round/>
-                      <a:headEnd type="none" w="med" len="med"/>
-                      <a:tailEnd type="none" w="med" len="med"/>
-                    </a:lnT>
-                    <a:lnB w="6350" cap="flat" cmpd="sng" algn="ctr">
-                      <a:solidFill>
-                        <a:srgbClr val="000000"/>
-                      </a:solidFill>
-                      <a:prstDash val="solid"/>
-                      <a:round/>
-                      <a:headEnd type="none" w="med" len="med"/>
-                      <a:tailEnd type="none" w="med" len="med"/>
-                    </a:lnB>
-                    <a:solidFill>
-                      <a:srgbClr val="FFFFFF"/>
-                    </a:solidFill>
-                  </a:tcPr>
-                </a:tc>
-                <a:tc>
-                  <a:txBody>
-                    <a:bodyPr/>
-                    <a:lstStyle/>
-                    <a:p>
-                      <a:pPr algn="ctr" fontAlgn="b"/>
-                      <a:r>
-                        <a:rPr lang="en-US" sz="1100" b="0" i="0" u="none" strike="noStrike">
-                          <a:solidFill>
-                            <a:srgbClr val="000000"/>
-                          </a:solidFill>
-                          <a:effectLst/>
-                          <a:latin typeface="Calibri" panose="020F0502020204030204" pitchFamily="34" charset="0"/>
-                        </a:rPr>
-                        <a:t> </a:t>
-                      </a:r>
-                    </a:p>
-                  </a:txBody>
-                  <a:tcPr marL="9525" marR="9525" marT="9525" marB="0" anchor="b">
-                    <a:lnL w="6350" cap="flat" cmpd="sng" algn="ctr">
-                      <a:solidFill>
-                        <a:srgbClr val="000000"/>
-                      </a:solidFill>
-                      <a:prstDash val="solid"/>
-                      <a:round/>
-                      <a:headEnd type="none" w="med" len="med"/>
-                      <a:tailEnd type="none" w="med" len="med"/>
-                    </a:lnL>
-                    <a:lnR w="6350" cap="flat" cmpd="sng" algn="ctr">
-                      <a:solidFill>
-                        <a:srgbClr val="000000"/>
-                      </a:solidFill>
-                      <a:prstDash val="solid"/>
-                      <a:round/>
-                      <a:headEnd type="none" w="med" len="med"/>
-                      <a:tailEnd type="none" w="med" len="med"/>
-                    </a:lnR>
-                    <a:lnT w="6350" cap="flat" cmpd="sng" algn="ctr">
-                      <a:solidFill>
-                        <a:srgbClr val="000000"/>
-                      </a:solidFill>
-                      <a:prstDash val="solid"/>
-                      <a:round/>
-                      <a:headEnd type="none" w="med" len="med"/>
-                      <a:tailEnd type="none" w="med" len="med"/>
-                    </a:lnT>
-                    <a:lnB w="6350" cap="flat" cmpd="sng" algn="ctr">
-                      <a:solidFill>
-                        <a:srgbClr val="000000"/>
-                      </a:solidFill>
-                      <a:prstDash val="solid"/>
-                      <a:round/>
-                      <a:headEnd type="none" w="med" len="med"/>
-                      <a:tailEnd type="none" w="med" len="med"/>
-                    </a:lnB>
-                    <a:solidFill>
-                      <a:srgbClr val="FFFFFF"/>
-                    </a:solidFill>
-                  </a:tcPr>
-                </a:tc>
-                <a:tc>
-                  <a:txBody>
-                    <a:bodyPr/>
-                    <a:lstStyle/>
-                    <a:p>
-                      <a:pPr algn="ctr" fontAlgn="b"/>
-                      <a:r>
-                        <a:rPr lang="en-US" sz="1100" b="0" i="0" u="none" strike="noStrike">
-                          <a:solidFill>
-                            <a:srgbClr val="000000"/>
-                          </a:solidFill>
-                          <a:effectLst/>
-                          <a:latin typeface="Calibri" panose="020F0502020204030204" pitchFamily="34" charset="0"/>
-                        </a:rPr>
-                        <a:t> </a:t>
-                      </a:r>
-                    </a:p>
-                  </a:txBody>
-                  <a:tcPr marL="9525" marR="9525" marT="9525" marB="0" anchor="b">
-                    <a:lnL w="6350" cap="flat" cmpd="sng" algn="ctr">
-                      <a:solidFill>
-                        <a:srgbClr val="000000"/>
-                      </a:solidFill>
-                      <a:prstDash val="solid"/>
-                      <a:round/>
-                      <a:headEnd type="none" w="med" len="med"/>
-                      <a:tailEnd type="none" w="med" len="med"/>
-                    </a:lnL>
-                    <a:lnR w="6350" cap="flat" cmpd="sng" algn="ctr">
-                      <a:solidFill>
-                        <a:srgbClr val="000000"/>
-                      </a:solidFill>
-                      <a:prstDash val="solid"/>
-                      <a:round/>
-                      <a:headEnd type="none" w="med" len="med"/>
-                      <a:tailEnd type="none" w="med" len="med"/>
-                    </a:lnR>
-                    <a:lnT w="6350" cap="flat" cmpd="sng" algn="ctr">
-                      <a:solidFill>
-                        <a:srgbClr val="000000"/>
-                      </a:solidFill>
-                      <a:prstDash val="solid"/>
-                      <a:round/>
-                      <a:headEnd type="none" w="med" len="med"/>
-                      <a:tailEnd type="none" w="med" len="med"/>
-                    </a:lnT>
-                    <a:lnB w="6350" cap="flat" cmpd="sng" algn="ctr">
-                      <a:solidFill>
-                        <a:srgbClr val="000000"/>
-                      </a:solidFill>
-                      <a:prstDash val="solid"/>
-                      <a:round/>
-                      <a:headEnd type="none" w="med" len="med"/>
-                      <a:tailEnd type="none" w="med" len="med"/>
-                    </a:lnB>
-                    <a:solidFill>
-                      <a:srgbClr val="FFFFFF"/>
-                    </a:solidFill>
-                  </a:tcPr>
-                </a:tc>
-                <a:tc>
-                  <a:txBody>
-                    <a:bodyPr/>
-                    <a:lstStyle/>
-                    <a:p>
-                      <a:pPr algn="ctr" fontAlgn="b"/>
-                      <a:r>
-                        <a:rPr lang="en-US" sz="1100" b="0" i="0" u="none" strike="noStrike">
-                          <a:solidFill>
-                            <a:srgbClr val="000000"/>
-                          </a:solidFill>
-                          <a:effectLst/>
-                          <a:latin typeface="Calibri" panose="020F0502020204030204" pitchFamily="34" charset="0"/>
-                        </a:rPr>
-                        <a:t> </a:t>
-                      </a:r>
-                    </a:p>
-                  </a:txBody>
-                  <a:tcPr marL="9525" marR="9525" marT="9525" marB="0" anchor="b">
-                    <a:lnL w="6350" cap="flat" cmpd="sng" algn="ctr">
-                      <a:solidFill>
-                        <a:srgbClr val="000000"/>
-                      </a:solidFill>
-                      <a:prstDash val="solid"/>
-                      <a:round/>
-                      <a:headEnd type="none" w="med" len="med"/>
-                      <a:tailEnd type="none" w="med" len="med"/>
-                    </a:lnL>
-                    <a:lnR w="6350" cap="flat" cmpd="sng" algn="ctr">
-                      <a:solidFill>
-                        <a:srgbClr val="000000"/>
-                      </a:solidFill>
-                      <a:prstDash val="solid"/>
-                      <a:round/>
-                      <a:headEnd type="none" w="med" len="med"/>
-                      <a:tailEnd type="none" w="med" len="med"/>
-                    </a:lnR>
-                    <a:lnT w="6350" cap="flat" cmpd="sng" algn="ctr">
-                      <a:solidFill>
-                        <a:srgbClr val="000000"/>
-                      </a:solidFill>
-                      <a:prstDash val="solid"/>
-                      <a:round/>
-                      <a:headEnd type="none" w="med" len="med"/>
-                      <a:tailEnd type="none" w="med" len="med"/>
-                    </a:lnT>
-                    <a:lnB w="6350" cap="flat" cmpd="sng" algn="ctr">
-                      <a:solidFill>
-                        <a:srgbClr val="000000"/>
-                      </a:solidFill>
-                      <a:prstDash val="solid"/>
-                      <a:round/>
-                      <a:headEnd type="none" w="med" len="med"/>
-                      <a:tailEnd type="none" w="med" len="med"/>
-                    </a:lnB>
-                    <a:solidFill>
-                      <a:srgbClr val="FFFFFF"/>
-                    </a:solidFill>
-                  </a:tcPr>
-                </a:tc>
-                <a:tc>
-                  <a:txBody>
-                    <a:bodyPr/>
-                    <a:lstStyle/>
-                    <a:p>
-                      <a:pPr algn="ctr" fontAlgn="b"/>
-                      <a:r>
-                        <a:rPr lang="en-US" sz="1100" b="0" i="0" u="none" strike="noStrike">
-                          <a:solidFill>
-                            <a:srgbClr val="000000"/>
-                          </a:solidFill>
-                          <a:effectLst/>
-                          <a:latin typeface="Calibri" panose="020F0502020204030204" pitchFamily="34" charset="0"/>
-                        </a:rPr>
-                        <a:t> </a:t>
-                      </a:r>
-                    </a:p>
-                  </a:txBody>
-                  <a:tcPr marL="9525" marR="9525" marT="9525" marB="0" anchor="b">
-                    <a:lnL w="6350" cap="flat" cmpd="sng" algn="ctr">
-                      <a:solidFill>
-                        <a:srgbClr val="000000"/>
-                      </a:solidFill>
-                      <a:prstDash val="solid"/>
-                      <a:round/>
-                      <a:headEnd type="none" w="med" len="med"/>
-                      <a:tailEnd type="none" w="med" len="med"/>
-                    </a:lnL>
-                    <a:lnR w="6350" cap="flat" cmpd="sng" algn="ctr">
-                      <a:solidFill>
-                        <a:srgbClr val="000000"/>
-                      </a:solidFill>
-                      <a:prstDash val="solid"/>
-                      <a:round/>
-                      <a:headEnd type="none" w="med" len="med"/>
-                      <a:tailEnd type="none" w="med" len="med"/>
-                    </a:lnR>
-                    <a:lnT w="6350" cap="flat" cmpd="sng" algn="ctr">
-                      <a:solidFill>
-                        <a:srgbClr val="000000"/>
-                      </a:solidFill>
-                      <a:prstDash val="solid"/>
-                      <a:round/>
-                      <a:headEnd type="none" w="med" len="med"/>
-                      <a:tailEnd type="none" w="med" len="med"/>
-                    </a:lnT>
-                    <a:lnB w="6350" cap="flat" cmpd="sng" algn="ctr">
-                      <a:solidFill>
-                        <a:srgbClr val="000000"/>
-                      </a:solidFill>
-                      <a:prstDash val="solid"/>
-                      <a:round/>
-                      <a:headEnd type="none" w="med" len="med"/>
-                      <a:tailEnd type="none" w="med" len="med"/>
-                    </a:lnB>
-                    <a:solidFill>
-                      <a:srgbClr val="FFFFFF"/>
-                    </a:solidFill>
-                  </a:tcPr>
-                </a:tc>
-                <a:tc>
-                  <a:txBody>
-                    <a:bodyPr/>
-                    <a:lstStyle/>
-                    <a:p>
-                      <a:pPr algn="ctr" fontAlgn="b"/>
-                      <a:r>
-                        <a:rPr lang="en-US" sz="1100" b="0" i="0" u="none" strike="noStrike">
-                          <a:solidFill>
-                            <a:srgbClr val="000000"/>
-                          </a:solidFill>
-                          <a:effectLst/>
-                          <a:latin typeface="Calibri" panose="020F0502020204030204" pitchFamily="34" charset="0"/>
-                        </a:rPr>
-                        <a:t> </a:t>
-                      </a:r>
-                    </a:p>
-                  </a:txBody>
-                  <a:tcPr marL="9525" marR="9525" marT="9525" marB="0" anchor="b">
-                    <a:lnL w="6350" cap="flat" cmpd="sng" algn="ctr">
-                      <a:solidFill>
-                        <a:srgbClr val="000000"/>
-                      </a:solidFill>
-                      <a:prstDash val="solid"/>
-                      <a:round/>
-                      <a:headEnd type="none" w="med" len="med"/>
-                      <a:tailEnd type="none" w="med" len="med"/>
-                    </a:lnL>
-                    <a:lnR w="6350" cap="flat" cmpd="sng" algn="ctr">
-                      <a:solidFill>
-                        <a:srgbClr val="000000"/>
-                      </a:solidFill>
-                      <a:prstDash val="solid"/>
-                      <a:round/>
-                      <a:headEnd type="none" w="med" len="med"/>
-                      <a:tailEnd type="none" w="med" len="med"/>
-                    </a:lnR>
-                    <a:lnT w="6350" cap="flat" cmpd="sng" algn="ctr">
-                      <a:solidFill>
-                        <a:srgbClr val="000000"/>
-                      </a:solidFill>
-                      <a:prstDash val="solid"/>
-                      <a:round/>
-                      <a:headEnd type="none" w="med" len="med"/>
-                      <a:tailEnd type="none" w="med" len="med"/>
-                    </a:lnT>
-                    <a:lnB w="6350" cap="flat" cmpd="sng" algn="ctr">
-                      <a:solidFill>
-                        <a:srgbClr val="000000"/>
-                      </a:solidFill>
-                      <a:prstDash val="solid"/>
-                      <a:round/>
-                      <a:headEnd type="none" w="med" len="med"/>
-                      <a:tailEnd type="none" w="med" len="med"/>
-                    </a:lnB>
-                    <a:solidFill>
-                      <a:srgbClr val="FFFFFF"/>
-                    </a:solidFill>
-                  </a:tcPr>
-                </a:tc>
-                <a:tc>
-                  <a:txBody>
-                    <a:bodyPr/>
-                    <a:lstStyle/>
-                    <a:p>
-                      <a:pPr algn="ctr" fontAlgn="b"/>
-                      <a:r>
-                        <a:rPr lang="en-US" sz="1100" b="0" i="0" u="none" strike="noStrike">
-                          <a:solidFill>
-                            <a:srgbClr val="000000"/>
-                          </a:solidFill>
-                          <a:effectLst/>
-                          <a:latin typeface="Calibri" panose="020F0502020204030204" pitchFamily="34" charset="0"/>
-                        </a:rPr>
-                        <a:t> </a:t>
-                      </a:r>
-                    </a:p>
-                  </a:txBody>
-                  <a:tcPr marL="9525" marR="9525" marT="9525" marB="0" anchor="b">
-                    <a:lnL w="6350" cap="flat" cmpd="sng" algn="ctr">
-                      <a:solidFill>
-                        <a:srgbClr val="000000"/>
-                      </a:solidFill>
-                      <a:prstDash val="solid"/>
-                      <a:round/>
-                      <a:headEnd type="none" w="med" len="med"/>
-                      <a:tailEnd type="none" w="med" len="med"/>
-                    </a:lnL>
-                    <a:lnR w="6350" cap="flat" cmpd="sng" algn="ctr">
-                      <a:solidFill>
-                        <a:srgbClr val="000000"/>
-                      </a:solidFill>
-                      <a:prstDash val="solid"/>
-                      <a:round/>
-                      <a:headEnd type="none" w="med" len="med"/>
-                      <a:tailEnd type="none" w="med" len="med"/>
-                    </a:lnR>
-                    <a:lnT w="6350" cap="flat" cmpd="sng" algn="ctr">
-                      <a:solidFill>
-                        <a:srgbClr val="000000"/>
-                      </a:solidFill>
-                      <a:prstDash val="solid"/>
-                      <a:round/>
-                      <a:headEnd type="none" w="med" len="med"/>
-                      <a:tailEnd type="none" w="med" len="med"/>
-                    </a:lnT>
-                    <a:lnB w="6350" cap="flat" cmpd="sng" algn="ctr">
-                      <a:solidFill>
-                        <a:srgbClr val="000000"/>
-                      </a:solidFill>
-                      <a:prstDash val="solid"/>
-                      <a:round/>
-                      <a:headEnd type="none" w="med" len="med"/>
-                      <a:tailEnd type="none" w="med" len="med"/>
-                    </a:lnB>
-                    <a:solidFill>
-                      <a:srgbClr val="FFFFFF"/>
-                    </a:solidFill>
-                  </a:tcPr>
-                </a:tc>
-                <a:extLst>
-                  <a:ext uri="{0D108BD9-81ED-4DB2-BD59-A6C34878D82A}">
-                    <a16:rowId xmlns:a16="http://schemas.microsoft.com/office/drawing/2014/main" val="4236824508"/>
-                  </a:ext>
-                </a:extLst>
-              </a:tr>
-              <a:tr h="190500">
-                <a:tc>
-                  <a:txBody>
-                    <a:bodyPr/>
-                    <a:lstStyle/>
-                    <a:p>
-                      <a:pPr algn="l" fontAlgn="b"/>
-                      <a:endParaRPr lang="en-US" sz="1100" b="0" i="0" u="none" strike="noStrike">
-                        <a:solidFill>
-                          <a:srgbClr val="000000"/>
-                        </a:solidFill>
-                        <a:effectLst/>
-                        <a:latin typeface="Calibri" panose="020F0502020204030204" pitchFamily="34" charset="0"/>
-                      </a:endParaRPr>
-                    </a:p>
-                  </a:txBody>
-                  <a:tcPr marL="9525" marR="9525" marT="9525" marB="0" anchor="b">
-                    <a:lnL>
-                      <a:noFill/>
-                    </a:lnL>
-                    <a:lnR w="6350" cap="flat" cmpd="sng" algn="ctr">
-                      <a:solidFill>
-                        <a:srgbClr val="000000"/>
-                      </a:solidFill>
-                      <a:prstDash val="solid"/>
-                      <a:round/>
-                      <a:headEnd type="none" w="med" len="med"/>
-                      <a:tailEnd type="none" w="med" len="med"/>
-                    </a:lnR>
-                    <a:lnT>
-                      <a:noFill/>
-                    </a:lnT>
-                    <a:lnB>
-                      <a:noFill/>
-                    </a:lnB>
-                  </a:tcPr>
-                </a:tc>
-                <a:tc>
-                  <a:txBody>
-                    <a:bodyPr/>
-                    <a:lstStyle/>
-                    <a:p>
-                      <a:pPr algn="ctr" fontAlgn="b"/>
-                      <a:r>
-                        <a:rPr lang="en-US" sz="1100" b="0" i="0" u="none" strike="noStrike">
-                          <a:solidFill>
-                            <a:srgbClr val="000000"/>
-                          </a:solidFill>
-                          <a:effectLst/>
-                          <a:latin typeface="Calibri" panose="020F0502020204030204" pitchFamily="34" charset="0"/>
-                        </a:rPr>
-                        <a:t> </a:t>
-                      </a:r>
-                    </a:p>
-                  </a:txBody>
-                  <a:tcPr marL="9525" marR="9525" marT="9525" marB="0" anchor="b">
-                    <a:lnL w="6350" cap="flat" cmpd="sng" algn="ctr">
-                      <a:solidFill>
-                        <a:srgbClr val="000000"/>
-                      </a:solidFill>
-                      <a:prstDash val="solid"/>
-                      <a:round/>
-                      <a:headEnd type="none" w="med" len="med"/>
-                      <a:tailEnd type="none" w="med" len="med"/>
-                    </a:lnL>
-                    <a:lnR w="6350" cap="flat" cmpd="sng" algn="ctr">
-                      <a:solidFill>
-                        <a:srgbClr val="000000"/>
-                      </a:solidFill>
-                      <a:prstDash val="solid"/>
-                      <a:round/>
-                      <a:headEnd type="none" w="med" len="med"/>
-                      <a:tailEnd type="none" w="med" len="med"/>
-                    </a:lnR>
-                    <a:lnT w="6350" cap="flat" cmpd="sng" algn="ctr">
-                      <a:solidFill>
-                        <a:srgbClr val="000000"/>
-                      </a:solidFill>
-                      <a:prstDash val="solid"/>
-                      <a:round/>
-                      <a:headEnd type="none" w="med" len="med"/>
-                      <a:tailEnd type="none" w="med" len="med"/>
-                    </a:lnT>
-                    <a:lnB w="6350" cap="flat" cmpd="sng" algn="ctr">
-                      <a:solidFill>
-                        <a:srgbClr val="000000"/>
-                      </a:solidFill>
-                      <a:prstDash val="solid"/>
-                      <a:round/>
-                      <a:headEnd type="none" w="med" len="med"/>
-                      <a:tailEnd type="none" w="med" len="med"/>
-                    </a:lnB>
-                    <a:solidFill>
-                      <a:srgbClr val="FFFFFF"/>
-                    </a:solidFill>
-                  </a:tcPr>
-                </a:tc>
-                <a:tc>
-                  <a:txBody>
-                    <a:bodyPr/>
-                    <a:lstStyle/>
-                    <a:p>
-                      <a:pPr algn="ctr" fontAlgn="b"/>
-                      <a:r>
-                        <a:rPr lang="en-US" sz="1100" b="0" i="0" u="none" strike="noStrike">
-                          <a:solidFill>
-                            <a:srgbClr val="000000"/>
-                          </a:solidFill>
-                          <a:effectLst/>
-                          <a:latin typeface="Calibri" panose="020F0502020204030204" pitchFamily="34" charset="0"/>
-                        </a:rPr>
-                        <a:t> </a:t>
-                      </a:r>
-                    </a:p>
-                  </a:txBody>
-                  <a:tcPr marL="9525" marR="9525" marT="9525" marB="0" anchor="b">
-                    <a:lnL w="6350" cap="flat" cmpd="sng" algn="ctr">
-                      <a:solidFill>
-                        <a:srgbClr val="000000"/>
-                      </a:solidFill>
-                      <a:prstDash val="solid"/>
-                      <a:round/>
-                      <a:headEnd type="none" w="med" len="med"/>
-                      <a:tailEnd type="none" w="med" len="med"/>
-                    </a:lnL>
-                    <a:lnR w="6350" cap="flat" cmpd="sng" algn="ctr">
-                      <a:solidFill>
-                        <a:srgbClr val="000000"/>
-                      </a:solidFill>
-                      <a:prstDash val="solid"/>
-                      <a:round/>
-                      <a:headEnd type="none" w="med" len="med"/>
-                      <a:tailEnd type="none" w="med" len="med"/>
-                    </a:lnR>
-                    <a:lnT w="6350" cap="flat" cmpd="sng" algn="ctr">
-                      <a:solidFill>
-                        <a:srgbClr val="000000"/>
-                      </a:solidFill>
-                      <a:prstDash val="solid"/>
-                      <a:round/>
-                      <a:headEnd type="none" w="med" len="med"/>
-                      <a:tailEnd type="none" w="med" len="med"/>
-                    </a:lnT>
-                    <a:lnB w="6350" cap="flat" cmpd="sng" algn="ctr">
-                      <a:solidFill>
-                        <a:srgbClr val="000000"/>
-                      </a:solidFill>
-                      <a:prstDash val="solid"/>
-                      <a:round/>
-                      <a:headEnd type="none" w="med" len="med"/>
-                      <a:tailEnd type="none" w="med" len="med"/>
-                    </a:lnB>
-                    <a:solidFill>
-                      <a:srgbClr val="FFFFFF"/>
-                    </a:solidFill>
-                  </a:tcPr>
-                </a:tc>
-                <a:tc>
-                  <a:txBody>
-                    <a:bodyPr/>
-                    <a:lstStyle/>
-                    <a:p>
-                      <a:pPr algn="ctr" fontAlgn="b"/>
-                      <a:r>
-                        <a:rPr lang="en-US" sz="1100" b="0" i="0" u="none" strike="noStrike">
-                          <a:solidFill>
-                            <a:srgbClr val="000000"/>
-                          </a:solidFill>
-                          <a:effectLst/>
-                          <a:latin typeface="Calibri" panose="020F0502020204030204" pitchFamily="34" charset="0"/>
-                        </a:rPr>
-                        <a:t> </a:t>
-                      </a:r>
-                    </a:p>
-                  </a:txBody>
-                  <a:tcPr marL="9525" marR="9525" marT="9525" marB="0" anchor="b">
-                    <a:lnL w="6350" cap="flat" cmpd="sng" algn="ctr">
-                      <a:solidFill>
-                        <a:srgbClr val="000000"/>
-                      </a:solidFill>
-                      <a:prstDash val="solid"/>
-                      <a:round/>
-                      <a:headEnd type="none" w="med" len="med"/>
-                      <a:tailEnd type="none" w="med" len="med"/>
-                    </a:lnL>
-                    <a:lnR w="6350" cap="flat" cmpd="sng" algn="ctr">
-                      <a:solidFill>
-                        <a:srgbClr val="000000"/>
-                      </a:solidFill>
-                      <a:prstDash val="solid"/>
-                      <a:round/>
-                      <a:headEnd type="none" w="med" len="med"/>
-                      <a:tailEnd type="none" w="med" len="med"/>
-                    </a:lnR>
-                    <a:lnT w="6350" cap="flat" cmpd="sng" algn="ctr">
-                      <a:solidFill>
-                        <a:srgbClr val="000000"/>
-                      </a:solidFill>
-                      <a:prstDash val="solid"/>
-                      <a:round/>
-                      <a:headEnd type="none" w="med" len="med"/>
-                      <a:tailEnd type="none" w="med" len="med"/>
-                    </a:lnT>
-                    <a:lnB w="6350" cap="flat" cmpd="sng" algn="ctr">
-                      <a:solidFill>
-                        <a:srgbClr val="000000"/>
-                      </a:solidFill>
-                      <a:prstDash val="solid"/>
-                      <a:round/>
-                      <a:headEnd type="none" w="med" len="med"/>
-                      <a:tailEnd type="none" w="med" len="med"/>
-                    </a:lnB>
-                    <a:solidFill>
-                      <a:srgbClr val="FFFFFF"/>
-                    </a:solidFill>
-                  </a:tcPr>
-                </a:tc>
-                <a:tc>
-                  <a:txBody>
-                    <a:bodyPr/>
-                    <a:lstStyle/>
-                    <a:p>
-                      <a:pPr algn="ctr" fontAlgn="b"/>
-                      <a:r>
-                        <a:rPr lang="en-US" sz="1100" b="0" i="0" u="none" strike="noStrike">
-                          <a:solidFill>
-                            <a:srgbClr val="000000"/>
-                          </a:solidFill>
-                          <a:effectLst/>
-                          <a:latin typeface="Calibri" panose="020F0502020204030204" pitchFamily="34" charset="0"/>
-                        </a:rPr>
-                        <a:t> </a:t>
-                      </a:r>
-                    </a:p>
-                  </a:txBody>
-                  <a:tcPr marL="9525" marR="9525" marT="9525" marB="0" anchor="b">
-                    <a:lnL w="6350" cap="flat" cmpd="sng" algn="ctr">
-                      <a:solidFill>
-                        <a:srgbClr val="000000"/>
-                      </a:solidFill>
-                      <a:prstDash val="solid"/>
-                      <a:round/>
-                      <a:headEnd type="none" w="med" len="med"/>
-                      <a:tailEnd type="none" w="med" len="med"/>
-                    </a:lnL>
-                    <a:lnR w="6350" cap="flat" cmpd="sng" algn="ctr">
-                      <a:solidFill>
-                        <a:srgbClr val="000000"/>
-                      </a:solidFill>
-                      <a:prstDash val="solid"/>
-                      <a:round/>
-                      <a:headEnd type="none" w="med" len="med"/>
-                      <a:tailEnd type="none" w="med" len="med"/>
-                    </a:lnR>
-                    <a:lnT w="6350" cap="flat" cmpd="sng" algn="ctr">
-                      <a:solidFill>
-                        <a:srgbClr val="000000"/>
-                      </a:solidFill>
-                      <a:prstDash val="solid"/>
-                      <a:round/>
-                      <a:headEnd type="none" w="med" len="med"/>
-                      <a:tailEnd type="none" w="med" len="med"/>
-                    </a:lnT>
-                    <a:lnB w="6350" cap="flat" cmpd="sng" algn="ctr">
-                      <a:solidFill>
-                        <a:srgbClr val="000000"/>
-                      </a:solidFill>
-                      <a:prstDash val="solid"/>
-                      <a:round/>
-                      <a:headEnd type="none" w="med" len="med"/>
-                      <a:tailEnd type="none" w="med" len="med"/>
-                    </a:lnB>
-                    <a:solidFill>
-                      <a:srgbClr val="FFFFFF"/>
-                    </a:solidFill>
-                  </a:tcPr>
-                </a:tc>
-                <a:tc>
-                  <a:txBody>
-                    <a:bodyPr/>
-                    <a:lstStyle/>
-                    <a:p>
-                      <a:pPr algn="ctr" fontAlgn="b"/>
-                      <a:r>
-                        <a:rPr lang="en-US" sz="1100" b="0" i="0" u="none" strike="noStrike">
-                          <a:solidFill>
-                            <a:srgbClr val="000000"/>
-                          </a:solidFill>
-                          <a:effectLst/>
-                          <a:latin typeface="Calibri" panose="020F0502020204030204" pitchFamily="34" charset="0"/>
-                        </a:rPr>
-                        <a:t> </a:t>
-                      </a:r>
-                    </a:p>
-                  </a:txBody>
-                  <a:tcPr marL="9525" marR="9525" marT="9525" marB="0" anchor="b">
-                    <a:lnL w="6350" cap="flat" cmpd="sng" algn="ctr">
-                      <a:solidFill>
-                        <a:srgbClr val="000000"/>
-                      </a:solidFill>
-                      <a:prstDash val="solid"/>
-                      <a:round/>
-                      <a:headEnd type="none" w="med" len="med"/>
-                      <a:tailEnd type="none" w="med" len="med"/>
-                    </a:lnL>
-                    <a:lnR w="6350" cap="flat" cmpd="sng" algn="ctr">
-                      <a:solidFill>
-                        <a:srgbClr val="000000"/>
-                      </a:solidFill>
-                      <a:prstDash val="solid"/>
-                      <a:round/>
-                      <a:headEnd type="none" w="med" len="med"/>
-                      <a:tailEnd type="none" w="med" len="med"/>
-                    </a:lnR>
-                    <a:lnT w="6350" cap="flat" cmpd="sng" algn="ctr">
-                      <a:solidFill>
-                        <a:srgbClr val="000000"/>
-                      </a:solidFill>
-                      <a:prstDash val="solid"/>
-                      <a:round/>
-                      <a:headEnd type="none" w="med" len="med"/>
-                      <a:tailEnd type="none" w="med" len="med"/>
-                    </a:lnT>
-                    <a:lnB w="6350" cap="flat" cmpd="sng" algn="ctr">
-                      <a:solidFill>
-                        <a:srgbClr val="000000"/>
-                      </a:solidFill>
-                      <a:prstDash val="solid"/>
-                      <a:round/>
-                      <a:headEnd type="none" w="med" len="med"/>
-                      <a:tailEnd type="none" w="med" len="med"/>
-                    </a:lnB>
-                    <a:solidFill>
-                      <a:srgbClr val="FFFFFF"/>
-                    </a:solidFill>
-                  </a:tcPr>
-                </a:tc>
-                <a:tc>
-                  <a:txBody>
-                    <a:bodyPr/>
-                    <a:lstStyle/>
-                    <a:p>
-                      <a:pPr algn="ctr" fontAlgn="b"/>
-                      <a:r>
-                        <a:rPr lang="en-US" sz="1100" b="0" i="0" u="none" strike="noStrike">
-                          <a:solidFill>
-                            <a:srgbClr val="000000"/>
-                          </a:solidFill>
-                          <a:effectLst/>
-                          <a:latin typeface="Calibri" panose="020F0502020204030204" pitchFamily="34" charset="0"/>
-                        </a:rPr>
-                        <a:t> </a:t>
-                      </a:r>
-                    </a:p>
-                  </a:txBody>
-                  <a:tcPr marL="9525" marR="9525" marT="9525" marB="0" anchor="b">
-                    <a:lnL w="6350" cap="flat" cmpd="sng" algn="ctr">
-                      <a:solidFill>
-                        <a:srgbClr val="000000"/>
-                      </a:solidFill>
-                      <a:prstDash val="solid"/>
-                      <a:round/>
-                      <a:headEnd type="none" w="med" len="med"/>
-                      <a:tailEnd type="none" w="med" len="med"/>
-                    </a:lnL>
-                    <a:lnR w="6350" cap="flat" cmpd="sng" algn="ctr">
-                      <a:solidFill>
-                        <a:srgbClr val="000000"/>
-                      </a:solidFill>
-                      <a:prstDash val="solid"/>
-                      <a:round/>
-                      <a:headEnd type="none" w="med" len="med"/>
-                      <a:tailEnd type="none" w="med" len="med"/>
-                    </a:lnR>
-                    <a:lnT w="6350" cap="flat" cmpd="sng" algn="ctr">
-                      <a:solidFill>
-                        <a:srgbClr val="000000"/>
-                      </a:solidFill>
-                      <a:prstDash val="solid"/>
-                      <a:round/>
-                      <a:headEnd type="none" w="med" len="med"/>
-                      <a:tailEnd type="none" w="med" len="med"/>
-                    </a:lnT>
-                    <a:lnB w="6350" cap="flat" cmpd="sng" algn="ctr">
-                      <a:solidFill>
-                        <a:srgbClr val="000000"/>
-                      </a:solidFill>
-                      <a:prstDash val="solid"/>
-                      <a:round/>
-                      <a:headEnd type="none" w="med" len="med"/>
-                      <a:tailEnd type="none" w="med" len="med"/>
-                    </a:lnB>
-                    <a:solidFill>
-                      <a:srgbClr val="FFFFFF"/>
-                    </a:solidFill>
-                  </a:tcPr>
-                </a:tc>
-                <a:tc>
-                  <a:txBody>
-                    <a:bodyPr/>
-                    <a:lstStyle/>
-                    <a:p>
-                      <a:pPr algn="ctr" fontAlgn="b"/>
-                      <a:r>
-                        <a:rPr lang="en-US" sz="1100" b="0" i="0" u="none" strike="noStrike" dirty="0">
-                          <a:solidFill>
-                            <a:srgbClr val="000000"/>
-                          </a:solidFill>
-                          <a:effectLst/>
-                          <a:latin typeface="Calibri" panose="020F0502020204030204" pitchFamily="34" charset="0"/>
-                        </a:rPr>
-                        <a:t> </a:t>
-                      </a:r>
-                    </a:p>
-                  </a:txBody>
-                  <a:tcPr marL="9525" marR="9525" marT="9525" marB="0" anchor="b">
-                    <a:lnL w="6350" cap="flat" cmpd="sng" algn="ctr">
-                      <a:solidFill>
-                        <a:srgbClr val="000000"/>
-                      </a:solidFill>
-                      <a:prstDash val="solid"/>
-                      <a:round/>
-                      <a:headEnd type="none" w="med" len="med"/>
-                      <a:tailEnd type="none" w="med" len="med"/>
-                    </a:lnL>
-                    <a:lnR w="6350" cap="flat" cmpd="sng" algn="ctr">
-                      <a:solidFill>
-                        <a:srgbClr val="000000"/>
-                      </a:solidFill>
-                      <a:prstDash val="solid"/>
-                      <a:round/>
-                      <a:headEnd type="none" w="med" len="med"/>
-                      <a:tailEnd type="none" w="med" len="med"/>
-                    </a:lnR>
-                    <a:lnT w="6350" cap="flat" cmpd="sng" algn="ctr">
-                      <a:solidFill>
-                        <a:srgbClr val="000000"/>
-                      </a:solidFill>
-                      <a:prstDash val="solid"/>
-                      <a:round/>
-                      <a:headEnd type="none" w="med" len="med"/>
-                      <a:tailEnd type="none" w="med" len="med"/>
-                    </a:lnT>
-                    <a:lnB w="6350" cap="flat" cmpd="sng" algn="ctr">
-                      <a:solidFill>
-                        <a:srgbClr val="000000"/>
-                      </a:solidFill>
-                      <a:prstDash val="solid"/>
-                      <a:round/>
-                      <a:headEnd type="none" w="med" len="med"/>
-                      <a:tailEnd type="none" w="med" len="med"/>
-                    </a:lnB>
-                    <a:solidFill>
-                      <a:srgbClr val="FFFFFF"/>
-                    </a:solidFill>
-                  </a:tcPr>
-                </a:tc>
-                <a:extLst>
-                  <a:ext uri="{0D108BD9-81ED-4DB2-BD59-A6C34878D82A}">
-                    <a16:rowId xmlns:a16="http://schemas.microsoft.com/office/drawing/2014/main" val="237704015"/>
-                  </a:ext>
-                </a:extLst>
-              </a:tr>
             </a:tbl>
           </a:graphicData>
         </a:graphic>
       </p:graphicFrame>
+      <p:sp>
+        <p:nvSpPr>
+          <p:cNvPr id="3" name="TextBox 2">
+            <a:extLst>
+              <a:ext uri="{FF2B5EF4-FFF2-40B4-BE49-F238E27FC236}">
+                <a16:creationId xmlns:a16="http://schemas.microsoft.com/office/drawing/2014/main" id="{97C27D60-7425-575A-E3CA-4AD3310E22B6}"/>
+              </a:ext>
+            </a:extLst>
+          </p:cNvPr>
+          <p:cNvSpPr txBox="1"/>
+          <p:nvPr/>
+        </p:nvSpPr>
+        <p:spPr>
+          <a:xfrm>
+            <a:off x="0" y="15941"/>
+            <a:ext cx="1747011" cy="492443"/>
+          </a:xfrm>
+          <a:prstGeom prst="rect">
+            <a:avLst/>
+          </a:prstGeom>
+          <a:noFill/>
+        </p:spPr>
+        <p:txBody>
+          <a:bodyPr wrap="square" lIns="121920" tIns="60960" rIns="121920" bIns="60960" rtlCol="0">
+            <a:spAutoFit/>
+          </a:bodyPr>
+          <a:lstStyle/>
+          <a:p>
+            <a:pPr algn="ctr" defTabSz="1219170"/>
+            <a:r>
+              <a:rPr lang="en-US" sz="2400" b="1" dirty="0">
+                <a:solidFill>
+                  <a:prstClr val="black"/>
+                </a:solidFill>
+                <a:latin typeface="Calibri"/>
+              </a:rPr>
+              <a:t>HW8b2_tb</a:t>
+            </a:r>
+            <a:endParaRPr lang="en-US" sz="5867" b="1" dirty="0">
+              <a:solidFill>
+                <a:prstClr val="black"/>
+              </a:solidFill>
+              <a:latin typeface="Calibri"/>
+            </a:endParaRPr>
+          </a:p>
+        </p:txBody>
+      </p:sp>
+      <p:sp>
+        <p:nvSpPr>
+          <p:cNvPr id="4" name="Oval 3">
+            <a:extLst>
+              <a:ext uri="{FF2B5EF4-FFF2-40B4-BE49-F238E27FC236}">
+                <a16:creationId xmlns:a16="http://schemas.microsoft.com/office/drawing/2014/main" id="{325962A9-BEE8-5E01-2477-BF36D6D6C01A}"/>
+              </a:ext>
+            </a:extLst>
+          </p:cNvPr>
+          <p:cNvSpPr/>
+          <p:nvPr/>
+        </p:nvSpPr>
+        <p:spPr>
+          <a:xfrm>
+            <a:off x="1583959" y="4640348"/>
+            <a:ext cx="990600" cy="1002260"/>
+          </a:xfrm>
+          <a:prstGeom prst="ellipse">
+            <a:avLst/>
+          </a:prstGeom>
+          <a:solidFill>
+            <a:schemeClr val="bg1"/>
+          </a:solidFill>
+        </p:spPr>
+        <p:style>
+          <a:lnRef idx="2">
+            <a:schemeClr val="accent1">
+              <a:shade val="50000"/>
+            </a:schemeClr>
+          </a:lnRef>
+          <a:fillRef idx="1">
+            <a:schemeClr val="accent1"/>
+          </a:fillRef>
+          <a:effectRef idx="0">
+            <a:schemeClr val="accent1"/>
+          </a:effectRef>
+          <a:fontRef idx="minor">
+            <a:schemeClr val="lt1"/>
+          </a:fontRef>
+        </p:style>
+        <p:txBody>
+          <a:bodyPr rtlCol="0" anchor="ctr"/>
+          <a:lstStyle/>
+          <a:p>
+            <a:pPr algn="ctr"/>
+            <a:endParaRPr lang="en-US"/>
+          </a:p>
+        </p:txBody>
+      </p:sp>
+      <p:sp>
+        <p:nvSpPr>
+          <p:cNvPr id="5" name="TextBox 4">
+            <a:extLst>
+              <a:ext uri="{FF2B5EF4-FFF2-40B4-BE49-F238E27FC236}">
+                <a16:creationId xmlns:a16="http://schemas.microsoft.com/office/drawing/2014/main" id="{B4B01A89-F396-587A-338B-7D1CE8AEA33B}"/>
+              </a:ext>
+            </a:extLst>
+          </p:cNvPr>
+          <p:cNvSpPr txBox="1"/>
+          <p:nvPr/>
+        </p:nvSpPr>
+        <p:spPr>
+          <a:xfrm>
+            <a:off x="1652540" y="4673432"/>
+            <a:ext cx="858532" cy="276999"/>
+          </a:xfrm>
+          <a:prstGeom prst="rect">
+            <a:avLst/>
+          </a:prstGeom>
+          <a:noFill/>
+        </p:spPr>
+        <p:txBody>
+          <a:bodyPr wrap="square" lIns="91440" tIns="45720" rIns="91440" bIns="45720" rtlCol="0">
+            <a:spAutoFit/>
+          </a:bodyPr>
+          <a:lstStyle/>
+          <a:p>
+            <a:pPr algn="ctr"/>
+            <a:r>
+              <a:rPr lang="en-US" sz="1200" dirty="0"/>
+              <a:t>Done</a:t>
+            </a:r>
+          </a:p>
+        </p:txBody>
+      </p:sp>
+      <p:cxnSp>
+        <p:nvCxnSpPr>
+          <p:cNvPr id="6" name="Curved Connector 98">
+            <a:extLst>
+              <a:ext uri="{FF2B5EF4-FFF2-40B4-BE49-F238E27FC236}">
+                <a16:creationId xmlns:a16="http://schemas.microsoft.com/office/drawing/2014/main" id="{C260AE59-96B0-1F47-7D84-F6511F6A8353}"/>
+              </a:ext>
+            </a:extLst>
+          </p:cNvPr>
+          <p:cNvCxnSpPr>
+            <a:stCxn id="4" idx="7"/>
+            <a:endCxn id="4" idx="1"/>
+          </p:cNvCxnSpPr>
+          <p:nvPr/>
+        </p:nvCxnSpPr>
+        <p:spPr>
+          <a:xfrm rot="16200000" flipV="1">
+            <a:off x="2079259" y="4436896"/>
+            <a:ext cx="12700" cy="700460"/>
+          </a:xfrm>
+          <a:prstGeom prst="curvedConnector3">
+            <a:avLst>
+              <a:gd name="adj1" fmla="val 4530732"/>
+            </a:avLst>
+          </a:prstGeom>
+          <a:ln w="38100">
+            <a:solidFill>
+              <a:schemeClr val="tx1"/>
+            </a:solidFill>
+            <a:tailEnd type="triangle"/>
+          </a:ln>
+        </p:spPr>
+        <p:style>
+          <a:lnRef idx="1">
+            <a:schemeClr val="accent1"/>
+          </a:lnRef>
+          <a:fillRef idx="0">
+            <a:schemeClr val="accent1"/>
+          </a:fillRef>
+          <a:effectRef idx="0">
+            <a:schemeClr val="accent1"/>
+          </a:effectRef>
+          <a:fontRef idx="minor">
+            <a:schemeClr val="tx1"/>
+          </a:fontRef>
+        </p:style>
+      </p:cxnSp>
+      <p:sp>
+        <p:nvSpPr>
+          <p:cNvPr id="14" name="Oval 13">
+            <a:extLst>
+              <a:ext uri="{FF2B5EF4-FFF2-40B4-BE49-F238E27FC236}">
+                <a16:creationId xmlns:a16="http://schemas.microsoft.com/office/drawing/2014/main" id="{5C9ABDDB-FAD0-2F46-9D75-7B1C546C6104}"/>
+              </a:ext>
+            </a:extLst>
+          </p:cNvPr>
+          <p:cNvSpPr/>
+          <p:nvPr/>
+        </p:nvSpPr>
+        <p:spPr>
+          <a:xfrm>
+            <a:off x="4828081" y="1173660"/>
+            <a:ext cx="990600" cy="1002260"/>
+          </a:xfrm>
+          <a:prstGeom prst="ellipse">
+            <a:avLst/>
+          </a:prstGeom>
+          <a:solidFill>
+            <a:schemeClr val="bg1"/>
+          </a:solidFill>
+        </p:spPr>
+        <p:style>
+          <a:lnRef idx="2">
+            <a:schemeClr val="accent1">
+              <a:shade val="50000"/>
+            </a:schemeClr>
+          </a:lnRef>
+          <a:fillRef idx="1">
+            <a:schemeClr val="accent1"/>
+          </a:fillRef>
+          <a:effectRef idx="0">
+            <a:schemeClr val="accent1"/>
+          </a:effectRef>
+          <a:fontRef idx="minor">
+            <a:schemeClr val="lt1"/>
+          </a:fontRef>
+        </p:style>
+        <p:txBody>
+          <a:bodyPr rtlCol="0" anchor="ctr"/>
+          <a:lstStyle/>
+          <a:p>
+            <a:pPr algn="ctr"/>
+            <a:endParaRPr lang="en-US"/>
+          </a:p>
+        </p:txBody>
+      </p:sp>
+      <p:sp>
+        <p:nvSpPr>
+          <p:cNvPr id="15" name="TextBox 14">
+            <a:extLst>
+              <a:ext uri="{FF2B5EF4-FFF2-40B4-BE49-F238E27FC236}">
+                <a16:creationId xmlns:a16="http://schemas.microsoft.com/office/drawing/2014/main" id="{3A39E8C0-F696-9765-83A3-0B445B12EB74}"/>
+              </a:ext>
+            </a:extLst>
+          </p:cNvPr>
+          <p:cNvSpPr txBox="1"/>
+          <p:nvPr/>
+        </p:nvSpPr>
+        <p:spPr>
+          <a:xfrm>
+            <a:off x="4847864" y="1341566"/>
+            <a:ext cx="915332" cy="276999"/>
+          </a:xfrm>
+          <a:prstGeom prst="rect">
+            <a:avLst/>
+          </a:prstGeom>
+          <a:noFill/>
+        </p:spPr>
+        <p:txBody>
+          <a:bodyPr wrap="square" lIns="91440" tIns="45720" rIns="91440" bIns="45720" rtlCol="0">
+            <a:spAutoFit/>
+          </a:bodyPr>
+          <a:lstStyle/>
+          <a:p>
+            <a:pPr algn="ctr"/>
+            <a:r>
+              <a:rPr lang="en-US" sz="1200" dirty="0" err="1"/>
+              <a:t>Ready_rise</a:t>
+            </a:r>
+            <a:endParaRPr lang="en-US" sz="1200" dirty="0"/>
+          </a:p>
+        </p:txBody>
+      </p:sp>
+      <p:cxnSp>
+        <p:nvCxnSpPr>
+          <p:cNvPr id="16" name="Curved Connector 98">
+            <a:extLst>
+              <a:ext uri="{FF2B5EF4-FFF2-40B4-BE49-F238E27FC236}">
+                <a16:creationId xmlns:a16="http://schemas.microsoft.com/office/drawing/2014/main" id="{F16CEBEF-85BB-9998-70CC-62F3D1FB5DF7}"/>
+              </a:ext>
+            </a:extLst>
+          </p:cNvPr>
+          <p:cNvCxnSpPr>
+            <a:stCxn id="14" idx="7"/>
+            <a:endCxn id="14" idx="1"/>
+          </p:cNvCxnSpPr>
+          <p:nvPr/>
+        </p:nvCxnSpPr>
+        <p:spPr>
+          <a:xfrm rot="16200000" flipV="1">
+            <a:off x="5323381" y="970208"/>
+            <a:ext cx="12700" cy="700460"/>
+          </a:xfrm>
+          <a:prstGeom prst="curvedConnector3">
+            <a:avLst>
+              <a:gd name="adj1" fmla="val 4530732"/>
+            </a:avLst>
+          </a:prstGeom>
+          <a:ln w="38100">
+            <a:solidFill>
+              <a:schemeClr val="tx1"/>
+            </a:solidFill>
+            <a:tailEnd type="triangle"/>
+          </a:ln>
+        </p:spPr>
+        <p:style>
+          <a:lnRef idx="1">
+            <a:schemeClr val="accent1"/>
+          </a:lnRef>
+          <a:fillRef idx="0">
+            <a:schemeClr val="accent1"/>
+          </a:fillRef>
+          <a:effectRef idx="0">
+            <a:schemeClr val="accent1"/>
+          </a:effectRef>
+          <a:fontRef idx="minor">
+            <a:schemeClr val="tx1"/>
+          </a:fontRef>
+        </p:style>
+      </p:cxnSp>
+      <p:sp>
+        <p:nvSpPr>
+          <p:cNvPr id="17" name="TextBox 16">
+            <a:extLst>
+              <a:ext uri="{FF2B5EF4-FFF2-40B4-BE49-F238E27FC236}">
+                <a16:creationId xmlns:a16="http://schemas.microsoft.com/office/drawing/2014/main" id="{F9163018-F04D-64B4-108D-6E082F8030E3}"/>
+              </a:ext>
+            </a:extLst>
+          </p:cNvPr>
+          <p:cNvSpPr txBox="1"/>
+          <p:nvPr/>
+        </p:nvSpPr>
+        <p:spPr>
+          <a:xfrm>
+            <a:off x="4869675" y="462427"/>
+            <a:ext cx="949006" cy="307777"/>
+          </a:xfrm>
+          <a:prstGeom prst="rect">
+            <a:avLst/>
+          </a:prstGeom>
+          <a:noFill/>
+        </p:spPr>
+        <p:txBody>
+          <a:bodyPr wrap="square" lIns="91440" tIns="45720" rIns="91440" bIns="45720" rtlCol="0">
+            <a:spAutoFit/>
+          </a:bodyPr>
+          <a:lstStyle/>
+          <a:p>
+            <a:pPr algn="r"/>
+            <a:r>
+              <a:rPr lang="en-US" sz="1400" dirty="0"/>
+              <a:t>Ready = 0</a:t>
+            </a:r>
+          </a:p>
+        </p:txBody>
+      </p:sp>
+      <p:cxnSp>
+        <p:nvCxnSpPr>
+          <p:cNvPr id="19" name="Straight Connector 18">
+            <a:extLst>
+              <a:ext uri="{FF2B5EF4-FFF2-40B4-BE49-F238E27FC236}">
+                <a16:creationId xmlns:a16="http://schemas.microsoft.com/office/drawing/2014/main" id="{881236FF-C3C7-F16A-5F79-77E374766221}"/>
+              </a:ext>
+            </a:extLst>
+          </p:cNvPr>
+          <p:cNvCxnSpPr>
+            <a:cxnSpLocks/>
+          </p:cNvCxnSpPr>
+          <p:nvPr/>
+        </p:nvCxnSpPr>
+        <p:spPr>
+          <a:xfrm>
+            <a:off x="5839527" y="1716174"/>
+            <a:ext cx="315998" cy="259671"/>
+          </a:xfrm>
+          <a:prstGeom prst="line">
+            <a:avLst/>
+          </a:prstGeom>
+          <a:ln w="38100">
+            <a:solidFill>
+              <a:schemeClr val="tx1"/>
+            </a:solidFill>
+            <a:tailEnd type="triangle"/>
+          </a:ln>
+        </p:spPr>
+        <p:style>
+          <a:lnRef idx="1">
+            <a:schemeClr val="accent1"/>
+          </a:lnRef>
+          <a:fillRef idx="0">
+            <a:schemeClr val="accent1"/>
+          </a:fillRef>
+          <a:effectRef idx="0">
+            <a:schemeClr val="accent1"/>
+          </a:effectRef>
+          <a:fontRef idx="minor">
+            <a:schemeClr val="tx1"/>
+          </a:fontRef>
+        </p:style>
+      </p:cxnSp>
+      <p:sp>
+        <p:nvSpPr>
+          <p:cNvPr id="21" name="TextBox 20">
+            <a:extLst>
+              <a:ext uri="{FF2B5EF4-FFF2-40B4-BE49-F238E27FC236}">
+                <a16:creationId xmlns:a16="http://schemas.microsoft.com/office/drawing/2014/main" id="{153F5460-2552-5AA6-3DDC-C548E535A114}"/>
+              </a:ext>
+            </a:extLst>
+          </p:cNvPr>
+          <p:cNvSpPr txBox="1"/>
+          <p:nvPr/>
+        </p:nvSpPr>
+        <p:spPr>
+          <a:xfrm>
+            <a:off x="5759428" y="1469637"/>
+            <a:ext cx="949006" cy="307777"/>
+          </a:xfrm>
+          <a:prstGeom prst="rect">
+            <a:avLst/>
+          </a:prstGeom>
+          <a:noFill/>
+        </p:spPr>
+        <p:txBody>
+          <a:bodyPr wrap="square" lIns="91440" tIns="45720" rIns="91440" bIns="45720" rtlCol="0">
+            <a:spAutoFit/>
+          </a:bodyPr>
+          <a:lstStyle/>
+          <a:p>
+            <a:pPr algn="r"/>
+            <a:r>
+              <a:rPr lang="en-US" sz="1400" dirty="0"/>
+              <a:t>Ready = 1</a:t>
+            </a:r>
+          </a:p>
+        </p:txBody>
+      </p:sp>
+      <p:cxnSp>
+        <p:nvCxnSpPr>
+          <p:cNvPr id="25" name="Straight Connector 24">
+            <a:extLst>
+              <a:ext uri="{FF2B5EF4-FFF2-40B4-BE49-F238E27FC236}">
+                <a16:creationId xmlns:a16="http://schemas.microsoft.com/office/drawing/2014/main" id="{80715ADA-C632-EB6F-C340-F3D494A0A9F4}"/>
+              </a:ext>
+            </a:extLst>
+          </p:cNvPr>
+          <p:cNvCxnSpPr>
+            <a:cxnSpLocks/>
+            <a:endCxn id="4" idx="6"/>
+          </p:cNvCxnSpPr>
+          <p:nvPr/>
+        </p:nvCxnSpPr>
+        <p:spPr>
+          <a:xfrm flipH="1">
+            <a:off x="2574559" y="4966204"/>
+            <a:ext cx="504199" cy="175274"/>
+          </a:xfrm>
+          <a:prstGeom prst="line">
+            <a:avLst/>
+          </a:prstGeom>
+          <a:ln w="38100">
+            <a:solidFill>
+              <a:schemeClr val="tx1"/>
+            </a:solidFill>
+            <a:tailEnd type="triangle"/>
+          </a:ln>
+        </p:spPr>
+        <p:style>
+          <a:lnRef idx="1">
+            <a:schemeClr val="accent1"/>
+          </a:lnRef>
+          <a:fillRef idx="0">
+            <a:schemeClr val="accent1"/>
+          </a:fillRef>
+          <a:effectRef idx="0">
+            <a:schemeClr val="accent1"/>
+          </a:effectRef>
+          <a:fontRef idx="minor">
+            <a:schemeClr val="tx1"/>
+          </a:fontRef>
+        </p:style>
+      </p:cxnSp>
+      <p:cxnSp>
+        <p:nvCxnSpPr>
+          <p:cNvPr id="29" name="Straight Connector 28">
+            <a:extLst>
+              <a:ext uri="{FF2B5EF4-FFF2-40B4-BE49-F238E27FC236}">
+                <a16:creationId xmlns:a16="http://schemas.microsoft.com/office/drawing/2014/main" id="{46DD6759-643D-CDA8-4C43-B37060C0E2F7}"/>
+              </a:ext>
+            </a:extLst>
+          </p:cNvPr>
+          <p:cNvCxnSpPr>
+            <a:cxnSpLocks/>
+          </p:cNvCxnSpPr>
+          <p:nvPr/>
+        </p:nvCxnSpPr>
+        <p:spPr>
+          <a:xfrm flipH="1" flipV="1">
+            <a:off x="11070731" y="5356817"/>
+            <a:ext cx="589741" cy="6589"/>
+          </a:xfrm>
+          <a:prstGeom prst="line">
+            <a:avLst/>
+          </a:prstGeom>
+          <a:ln w="38100">
+            <a:solidFill>
+              <a:schemeClr val="tx1"/>
+            </a:solidFill>
+            <a:tailEnd type="triangle"/>
+          </a:ln>
+        </p:spPr>
+        <p:style>
+          <a:lnRef idx="1">
+            <a:schemeClr val="accent1"/>
+          </a:lnRef>
+          <a:fillRef idx="0">
+            <a:schemeClr val="accent1"/>
+          </a:fillRef>
+          <a:effectRef idx="0">
+            <a:schemeClr val="accent1"/>
+          </a:effectRef>
+          <a:fontRef idx="minor">
+            <a:schemeClr val="tx1"/>
+          </a:fontRef>
+        </p:style>
+      </p:cxnSp>
+      <p:cxnSp>
+        <p:nvCxnSpPr>
+          <p:cNvPr id="30" name="Straight Connector 29">
+            <a:extLst>
+              <a:ext uri="{FF2B5EF4-FFF2-40B4-BE49-F238E27FC236}">
+                <a16:creationId xmlns:a16="http://schemas.microsoft.com/office/drawing/2014/main" id="{FB156F5D-957D-823F-37EC-4D55D53E3DAA}"/>
+              </a:ext>
+            </a:extLst>
+          </p:cNvPr>
+          <p:cNvCxnSpPr>
+            <a:cxnSpLocks/>
+          </p:cNvCxnSpPr>
+          <p:nvPr/>
+        </p:nvCxnSpPr>
+        <p:spPr>
+          <a:xfrm flipH="1">
+            <a:off x="8881873" y="5828991"/>
+            <a:ext cx="988186" cy="29904"/>
+          </a:xfrm>
+          <a:prstGeom prst="line">
+            <a:avLst/>
+          </a:prstGeom>
+          <a:ln w="38100">
+            <a:solidFill>
+              <a:schemeClr val="tx1"/>
+            </a:solidFill>
+            <a:headEnd type="triangle"/>
+            <a:tailEnd type="none"/>
+          </a:ln>
+        </p:spPr>
+        <p:style>
+          <a:lnRef idx="1">
+            <a:schemeClr val="accent1"/>
+          </a:lnRef>
+          <a:fillRef idx="0">
+            <a:schemeClr val="accent1"/>
+          </a:fillRef>
+          <a:effectRef idx="0">
+            <a:schemeClr val="accent1"/>
+          </a:effectRef>
+          <a:fontRef idx="minor">
+            <a:schemeClr val="tx1"/>
+          </a:fontRef>
+        </p:style>
+      </p:cxnSp>
+      <p:cxnSp>
+        <p:nvCxnSpPr>
+          <p:cNvPr id="31" name="Straight Connector 30">
+            <a:extLst>
+              <a:ext uri="{FF2B5EF4-FFF2-40B4-BE49-F238E27FC236}">
+                <a16:creationId xmlns:a16="http://schemas.microsoft.com/office/drawing/2014/main" id="{D52FC562-3071-9550-B399-0FEE756D8933}"/>
+              </a:ext>
+            </a:extLst>
+          </p:cNvPr>
+          <p:cNvCxnSpPr>
+            <a:cxnSpLocks/>
+          </p:cNvCxnSpPr>
+          <p:nvPr/>
+        </p:nvCxnSpPr>
+        <p:spPr>
+          <a:xfrm flipH="1">
+            <a:off x="11082921" y="5796626"/>
+            <a:ext cx="613778" cy="19187"/>
+          </a:xfrm>
+          <a:prstGeom prst="line">
+            <a:avLst/>
+          </a:prstGeom>
+          <a:ln w="38100">
+            <a:solidFill>
+              <a:schemeClr val="tx1"/>
+            </a:solidFill>
+            <a:headEnd type="none"/>
+            <a:tailEnd type="none"/>
+          </a:ln>
+        </p:spPr>
+        <p:style>
+          <a:lnRef idx="1">
+            <a:schemeClr val="accent1"/>
+          </a:lnRef>
+          <a:fillRef idx="0">
+            <a:schemeClr val="accent1"/>
+          </a:fillRef>
+          <a:effectRef idx="0">
+            <a:schemeClr val="accent1"/>
+          </a:effectRef>
+          <a:fontRef idx="minor">
+            <a:schemeClr val="tx1"/>
+          </a:fontRef>
+        </p:style>
+      </p:cxnSp>
+      <p:cxnSp>
+        <p:nvCxnSpPr>
+          <p:cNvPr id="32" name="Straight Connector 31">
+            <a:extLst>
+              <a:ext uri="{FF2B5EF4-FFF2-40B4-BE49-F238E27FC236}">
+                <a16:creationId xmlns:a16="http://schemas.microsoft.com/office/drawing/2014/main" id="{6B0A513E-055B-8CF6-3235-9DF97C9338B6}"/>
+              </a:ext>
+            </a:extLst>
+          </p:cNvPr>
+          <p:cNvCxnSpPr>
+            <a:cxnSpLocks/>
+          </p:cNvCxnSpPr>
+          <p:nvPr/>
+        </p:nvCxnSpPr>
+        <p:spPr>
+          <a:xfrm>
+            <a:off x="9609974" y="6345472"/>
+            <a:ext cx="234902" cy="0"/>
+          </a:xfrm>
+          <a:prstGeom prst="line">
+            <a:avLst/>
+          </a:prstGeom>
+          <a:ln w="12700">
+            <a:solidFill>
+              <a:schemeClr val="tx1"/>
+            </a:solidFill>
+            <a:tailEnd type="triangle"/>
+          </a:ln>
+        </p:spPr>
+        <p:style>
+          <a:lnRef idx="1">
+            <a:schemeClr val="accent1"/>
+          </a:lnRef>
+          <a:fillRef idx="0">
+            <a:schemeClr val="accent1"/>
+          </a:fillRef>
+          <a:effectRef idx="0">
+            <a:schemeClr val="accent1"/>
+          </a:effectRef>
+          <a:fontRef idx="minor">
+            <a:schemeClr val="tx1"/>
+          </a:fontRef>
+        </p:style>
+      </p:cxnSp>
+      <p:sp>
+        <p:nvSpPr>
+          <p:cNvPr id="33" name="TextBox 32">
+            <a:extLst>
+              <a:ext uri="{FF2B5EF4-FFF2-40B4-BE49-F238E27FC236}">
+                <a16:creationId xmlns:a16="http://schemas.microsoft.com/office/drawing/2014/main" id="{59AA561D-AA32-AB3F-8FB5-981C739854AF}"/>
+              </a:ext>
+            </a:extLst>
+          </p:cNvPr>
+          <p:cNvSpPr txBox="1"/>
+          <p:nvPr/>
+        </p:nvSpPr>
+        <p:spPr>
+          <a:xfrm>
+            <a:off x="9077192" y="6180873"/>
+            <a:ext cx="642364" cy="369332"/>
+          </a:xfrm>
+          <a:prstGeom prst="rect">
+            <a:avLst/>
+          </a:prstGeom>
+          <a:noFill/>
+        </p:spPr>
+        <p:txBody>
+          <a:bodyPr wrap="square" lIns="91440" tIns="45720" rIns="91440" bIns="45720" rtlCol="0">
+            <a:spAutoFit/>
+          </a:bodyPr>
+          <a:lstStyle/>
+          <a:p>
+            <a:pPr algn="r"/>
+            <a:r>
+              <a:rPr lang="en-US" sz="1800" dirty="0"/>
+              <a:t>“11”</a:t>
+            </a:r>
+          </a:p>
+        </p:txBody>
+      </p:sp>
+      <p:cxnSp>
+        <p:nvCxnSpPr>
+          <p:cNvPr id="36" name="Straight Connector 35">
+            <a:extLst>
+              <a:ext uri="{FF2B5EF4-FFF2-40B4-BE49-F238E27FC236}">
+                <a16:creationId xmlns:a16="http://schemas.microsoft.com/office/drawing/2014/main" id="{7A30747C-9B60-C61C-E0D1-825B725695DA}"/>
+              </a:ext>
+            </a:extLst>
+          </p:cNvPr>
+          <p:cNvCxnSpPr>
+            <a:cxnSpLocks/>
+          </p:cNvCxnSpPr>
+          <p:nvPr/>
+        </p:nvCxnSpPr>
+        <p:spPr>
+          <a:xfrm>
+            <a:off x="6378494" y="7964247"/>
+            <a:ext cx="2098746" cy="30883"/>
+          </a:xfrm>
+          <a:prstGeom prst="line">
+            <a:avLst/>
+          </a:prstGeom>
+          <a:ln w="38100">
+            <a:solidFill>
+              <a:schemeClr val="tx1"/>
+            </a:solidFill>
+            <a:headEnd type="none" w="med" len="med"/>
+            <a:tailEnd type="none" w="med" len="med"/>
+          </a:ln>
+        </p:spPr>
+        <p:style>
+          <a:lnRef idx="1">
+            <a:schemeClr val="accent1"/>
+          </a:lnRef>
+          <a:fillRef idx="0">
+            <a:schemeClr val="accent1"/>
+          </a:fillRef>
+          <a:effectRef idx="0">
+            <a:schemeClr val="accent1"/>
+          </a:effectRef>
+          <a:fontRef idx="minor">
+            <a:schemeClr val="tx1"/>
+          </a:fontRef>
+        </p:style>
+      </p:cxnSp>
+      <p:cxnSp>
+        <p:nvCxnSpPr>
+          <p:cNvPr id="38" name="Straight Connector 37">
+            <a:extLst>
+              <a:ext uri="{FF2B5EF4-FFF2-40B4-BE49-F238E27FC236}">
+                <a16:creationId xmlns:a16="http://schemas.microsoft.com/office/drawing/2014/main" id="{3F13619A-363A-8A6E-B6FB-2B446C7B17DB}"/>
+              </a:ext>
+            </a:extLst>
+          </p:cNvPr>
+          <p:cNvCxnSpPr/>
+          <p:nvPr/>
+        </p:nvCxnSpPr>
+        <p:spPr>
+          <a:xfrm flipV="1">
+            <a:off x="7399663" y="7870090"/>
+            <a:ext cx="264757" cy="230972"/>
+          </a:xfrm>
+          <a:prstGeom prst="line">
+            <a:avLst/>
+          </a:prstGeom>
+          <a:ln w="12700">
+            <a:solidFill>
+              <a:schemeClr val="tx1"/>
+            </a:solidFill>
+          </a:ln>
+        </p:spPr>
+        <p:style>
+          <a:lnRef idx="1">
+            <a:schemeClr val="accent1"/>
+          </a:lnRef>
+          <a:fillRef idx="0">
+            <a:schemeClr val="accent1"/>
+          </a:fillRef>
+          <a:effectRef idx="0">
+            <a:schemeClr val="accent1"/>
+          </a:effectRef>
+          <a:fontRef idx="minor">
+            <a:schemeClr val="tx1"/>
+          </a:fontRef>
+        </p:style>
+      </p:cxnSp>
+      <p:sp>
+        <p:nvSpPr>
+          <p:cNvPr id="39" name="TextBox 38">
+            <a:extLst>
+              <a:ext uri="{FF2B5EF4-FFF2-40B4-BE49-F238E27FC236}">
+                <a16:creationId xmlns:a16="http://schemas.microsoft.com/office/drawing/2014/main" id="{115BD215-40EB-C5A5-42A2-9E9FDF347734}"/>
+              </a:ext>
+            </a:extLst>
+          </p:cNvPr>
+          <p:cNvSpPr txBox="1"/>
+          <p:nvPr/>
+        </p:nvSpPr>
+        <p:spPr>
+          <a:xfrm>
+            <a:off x="7113230" y="7673864"/>
+            <a:ext cx="479840" cy="369332"/>
+          </a:xfrm>
+          <a:prstGeom prst="rect">
+            <a:avLst/>
+          </a:prstGeom>
+          <a:noFill/>
+        </p:spPr>
+        <p:txBody>
+          <a:bodyPr wrap="square" lIns="91440" tIns="45720" rIns="91440" bIns="45720" rtlCol="0">
+            <a:spAutoFit/>
+          </a:bodyPr>
+          <a:lstStyle/>
+          <a:p>
+            <a:pPr algn="r"/>
+            <a:r>
+              <a:rPr lang="en-US" sz="1800" dirty="0"/>
+              <a:t>16</a:t>
+            </a:r>
+          </a:p>
+        </p:txBody>
+      </p:sp>
+      <p:cxnSp>
+        <p:nvCxnSpPr>
+          <p:cNvPr id="40" name="Straight Connector 39">
+            <a:extLst>
+              <a:ext uri="{FF2B5EF4-FFF2-40B4-BE49-F238E27FC236}">
+                <a16:creationId xmlns:a16="http://schemas.microsoft.com/office/drawing/2014/main" id="{4659F73C-1E97-42DE-B806-7AFC805C8203}"/>
+              </a:ext>
+            </a:extLst>
+          </p:cNvPr>
+          <p:cNvCxnSpPr/>
+          <p:nvPr/>
+        </p:nvCxnSpPr>
+        <p:spPr>
+          <a:xfrm flipV="1">
+            <a:off x="11290334" y="5695462"/>
+            <a:ext cx="264757" cy="230972"/>
+          </a:xfrm>
+          <a:prstGeom prst="line">
+            <a:avLst/>
+          </a:prstGeom>
+          <a:ln w="12700">
+            <a:solidFill>
+              <a:schemeClr val="tx1"/>
+            </a:solidFill>
+          </a:ln>
+        </p:spPr>
+        <p:style>
+          <a:lnRef idx="1">
+            <a:schemeClr val="accent1"/>
+          </a:lnRef>
+          <a:fillRef idx="0">
+            <a:schemeClr val="accent1"/>
+          </a:fillRef>
+          <a:effectRef idx="0">
+            <a:schemeClr val="accent1"/>
+          </a:effectRef>
+          <a:fontRef idx="minor">
+            <a:schemeClr val="tx1"/>
+          </a:fontRef>
+        </p:style>
+      </p:cxnSp>
+      <p:sp>
+        <p:nvSpPr>
+          <p:cNvPr id="41" name="TextBox 40">
+            <a:extLst>
+              <a:ext uri="{FF2B5EF4-FFF2-40B4-BE49-F238E27FC236}">
+                <a16:creationId xmlns:a16="http://schemas.microsoft.com/office/drawing/2014/main" id="{81CD3A5F-6F97-0E32-6D84-A886994F0D9F}"/>
+              </a:ext>
+            </a:extLst>
+          </p:cNvPr>
+          <p:cNvSpPr txBox="1"/>
+          <p:nvPr/>
+        </p:nvSpPr>
+        <p:spPr>
+          <a:xfrm>
+            <a:off x="11003901" y="5499236"/>
+            <a:ext cx="479840" cy="369332"/>
+          </a:xfrm>
+          <a:prstGeom prst="rect">
+            <a:avLst/>
+          </a:prstGeom>
+          <a:noFill/>
+        </p:spPr>
+        <p:txBody>
+          <a:bodyPr wrap="square" lIns="91440" tIns="45720" rIns="91440" bIns="45720" rtlCol="0">
+            <a:spAutoFit/>
+          </a:bodyPr>
+          <a:lstStyle/>
+          <a:p>
+            <a:pPr algn="r"/>
+            <a:r>
+              <a:rPr lang="en-US" sz="1800" dirty="0"/>
+              <a:t>16</a:t>
+            </a:r>
+          </a:p>
+        </p:txBody>
+      </p:sp>
+      <p:cxnSp>
+        <p:nvCxnSpPr>
+          <p:cNvPr id="42" name="Straight Connector 41">
+            <a:extLst>
+              <a:ext uri="{FF2B5EF4-FFF2-40B4-BE49-F238E27FC236}">
+                <a16:creationId xmlns:a16="http://schemas.microsoft.com/office/drawing/2014/main" id="{07E8837B-C5A4-B8F4-0766-9ABACC986C85}"/>
+              </a:ext>
+            </a:extLst>
+          </p:cNvPr>
+          <p:cNvCxnSpPr/>
+          <p:nvPr/>
+        </p:nvCxnSpPr>
+        <p:spPr>
+          <a:xfrm flipV="1">
+            <a:off x="9551004" y="5709479"/>
+            <a:ext cx="264757" cy="230972"/>
+          </a:xfrm>
+          <a:prstGeom prst="line">
+            <a:avLst/>
+          </a:prstGeom>
+          <a:ln w="12700">
+            <a:solidFill>
+              <a:schemeClr val="tx1"/>
+            </a:solidFill>
+          </a:ln>
+        </p:spPr>
+        <p:style>
+          <a:lnRef idx="1">
+            <a:schemeClr val="accent1"/>
+          </a:lnRef>
+          <a:fillRef idx="0">
+            <a:schemeClr val="accent1"/>
+          </a:fillRef>
+          <a:effectRef idx="0">
+            <a:schemeClr val="accent1"/>
+          </a:effectRef>
+          <a:fontRef idx="minor">
+            <a:schemeClr val="tx1"/>
+          </a:fontRef>
+        </p:style>
+      </p:cxnSp>
+      <p:sp>
+        <p:nvSpPr>
+          <p:cNvPr id="43" name="TextBox 42">
+            <a:extLst>
+              <a:ext uri="{FF2B5EF4-FFF2-40B4-BE49-F238E27FC236}">
+                <a16:creationId xmlns:a16="http://schemas.microsoft.com/office/drawing/2014/main" id="{D0190938-F06B-B84E-817B-2DD312252856}"/>
+              </a:ext>
+            </a:extLst>
+          </p:cNvPr>
+          <p:cNvSpPr txBox="1"/>
+          <p:nvPr/>
+        </p:nvSpPr>
+        <p:spPr>
+          <a:xfrm>
+            <a:off x="9264571" y="5513253"/>
+            <a:ext cx="479840" cy="369332"/>
+          </a:xfrm>
+          <a:prstGeom prst="rect">
+            <a:avLst/>
+          </a:prstGeom>
+          <a:noFill/>
+        </p:spPr>
+        <p:txBody>
+          <a:bodyPr wrap="square" lIns="91440" tIns="45720" rIns="91440" bIns="45720" rtlCol="0">
+            <a:spAutoFit/>
+          </a:bodyPr>
+          <a:lstStyle/>
+          <a:p>
+            <a:pPr algn="r"/>
+            <a:r>
+              <a:rPr lang="en-US" sz="1800" dirty="0"/>
+              <a:t>16</a:t>
+            </a:r>
+          </a:p>
+        </p:txBody>
+      </p:sp>
+      <p:sp>
+        <p:nvSpPr>
+          <p:cNvPr id="46" name="TextBox 45">
+            <a:extLst>
+              <a:ext uri="{FF2B5EF4-FFF2-40B4-BE49-F238E27FC236}">
+                <a16:creationId xmlns:a16="http://schemas.microsoft.com/office/drawing/2014/main" id="{9D8725CE-23AF-615F-4A63-60B2BC730538}"/>
+              </a:ext>
+            </a:extLst>
+          </p:cNvPr>
+          <p:cNvSpPr txBox="1"/>
+          <p:nvPr/>
+        </p:nvSpPr>
+        <p:spPr>
+          <a:xfrm>
+            <a:off x="11104228" y="6025621"/>
+            <a:ext cx="642364" cy="369332"/>
+          </a:xfrm>
+          <a:prstGeom prst="rect">
+            <a:avLst/>
+          </a:prstGeom>
+          <a:noFill/>
+        </p:spPr>
+        <p:txBody>
+          <a:bodyPr wrap="square" lIns="91440" tIns="45720" rIns="91440" bIns="45720" rtlCol="0">
+            <a:spAutoFit/>
+          </a:bodyPr>
+          <a:lstStyle/>
+          <a:p>
+            <a:pPr algn="r"/>
+            <a:r>
+              <a:rPr lang="en-US" sz="1800" dirty="0"/>
+              <a:t>‘1’</a:t>
+            </a:r>
+          </a:p>
+        </p:txBody>
+      </p:sp>
+      <p:sp>
+        <p:nvSpPr>
+          <p:cNvPr id="47" name="TextBox 46">
+            <a:extLst>
+              <a:ext uri="{FF2B5EF4-FFF2-40B4-BE49-F238E27FC236}">
+                <a16:creationId xmlns:a16="http://schemas.microsoft.com/office/drawing/2014/main" id="{2A22F413-B6B5-F827-6D08-8DABDEBAFC6A}"/>
+              </a:ext>
+            </a:extLst>
+          </p:cNvPr>
+          <p:cNvSpPr txBox="1"/>
+          <p:nvPr/>
+        </p:nvSpPr>
+        <p:spPr>
+          <a:xfrm>
+            <a:off x="9116116" y="5012641"/>
+            <a:ext cx="570681" cy="369332"/>
+          </a:xfrm>
+          <a:prstGeom prst="rect">
+            <a:avLst/>
+          </a:prstGeom>
+          <a:noFill/>
+        </p:spPr>
+        <p:txBody>
+          <a:bodyPr wrap="square" lIns="91440" tIns="45720" rIns="91440" bIns="45720" rtlCol="0">
+            <a:spAutoFit/>
+          </a:bodyPr>
+          <a:lstStyle/>
+          <a:p>
+            <a:pPr algn="r"/>
+            <a:r>
+              <a:rPr lang="en-US" sz="1800" dirty="0"/>
+              <a:t>10</a:t>
+            </a:r>
+          </a:p>
+        </p:txBody>
+      </p:sp>
+      <p:cxnSp>
+        <p:nvCxnSpPr>
+          <p:cNvPr id="48" name="Straight Connector 47">
+            <a:extLst>
+              <a:ext uri="{FF2B5EF4-FFF2-40B4-BE49-F238E27FC236}">
+                <a16:creationId xmlns:a16="http://schemas.microsoft.com/office/drawing/2014/main" id="{723B44C9-A937-6579-AD73-FA53FB4E68B2}"/>
+              </a:ext>
+            </a:extLst>
+          </p:cNvPr>
+          <p:cNvCxnSpPr/>
+          <p:nvPr/>
+        </p:nvCxnSpPr>
+        <p:spPr>
+          <a:xfrm flipV="1">
+            <a:off x="9463208" y="5221478"/>
+            <a:ext cx="264757" cy="230972"/>
+          </a:xfrm>
+          <a:prstGeom prst="line">
+            <a:avLst/>
+          </a:prstGeom>
+          <a:ln w="12700">
+            <a:solidFill>
+              <a:schemeClr val="tx1"/>
+            </a:solidFill>
+          </a:ln>
+        </p:spPr>
+        <p:style>
+          <a:lnRef idx="1">
+            <a:schemeClr val="accent1"/>
+          </a:lnRef>
+          <a:fillRef idx="0">
+            <a:schemeClr val="accent1"/>
+          </a:fillRef>
+          <a:effectRef idx="0">
+            <a:schemeClr val="accent1"/>
+          </a:effectRef>
+          <a:fontRef idx="minor">
+            <a:schemeClr val="tx1"/>
+          </a:fontRef>
+        </p:style>
+      </p:cxnSp>
+      <p:sp>
+        <p:nvSpPr>
+          <p:cNvPr id="49" name="TextBox 48">
+            <a:extLst>
+              <a:ext uri="{FF2B5EF4-FFF2-40B4-BE49-F238E27FC236}">
+                <a16:creationId xmlns:a16="http://schemas.microsoft.com/office/drawing/2014/main" id="{3200028F-B932-3622-A33A-065449768E27}"/>
+              </a:ext>
+            </a:extLst>
+          </p:cNvPr>
+          <p:cNvSpPr txBox="1"/>
+          <p:nvPr/>
+        </p:nvSpPr>
+        <p:spPr>
+          <a:xfrm>
+            <a:off x="11029914" y="5012641"/>
+            <a:ext cx="570681" cy="369332"/>
+          </a:xfrm>
+          <a:prstGeom prst="rect">
+            <a:avLst/>
+          </a:prstGeom>
+          <a:noFill/>
+        </p:spPr>
+        <p:txBody>
+          <a:bodyPr wrap="square" lIns="91440" tIns="45720" rIns="91440" bIns="45720" rtlCol="0">
+            <a:spAutoFit/>
+          </a:bodyPr>
+          <a:lstStyle/>
+          <a:p>
+            <a:pPr algn="r"/>
+            <a:r>
+              <a:rPr lang="en-US" sz="1800" dirty="0"/>
+              <a:t>10</a:t>
+            </a:r>
+          </a:p>
+        </p:txBody>
+      </p:sp>
+      <p:cxnSp>
+        <p:nvCxnSpPr>
+          <p:cNvPr id="50" name="Straight Connector 49">
+            <a:extLst>
+              <a:ext uri="{FF2B5EF4-FFF2-40B4-BE49-F238E27FC236}">
+                <a16:creationId xmlns:a16="http://schemas.microsoft.com/office/drawing/2014/main" id="{17ECBB71-1393-6A3C-BBDE-F434659AEBCE}"/>
+              </a:ext>
+            </a:extLst>
+          </p:cNvPr>
+          <p:cNvCxnSpPr/>
+          <p:nvPr/>
+        </p:nvCxnSpPr>
+        <p:spPr>
+          <a:xfrm flipV="1">
+            <a:off x="11377006" y="5221478"/>
+            <a:ext cx="264757" cy="230972"/>
+          </a:xfrm>
+          <a:prstGeom prst="line">
+            <a:avLst/>
+          </a:prstGeom>
+          <a:ln w="12700">
+            <a:solidFill>
+              <a:schemeClr val="tx1"/>
+            </a:solidFill>
+          </a:ln>
+        </p:spPr>
+        <p:style>
+          <a:lnRef idx="1">
+            <a:schemeClr val="accent1"/>
+          </a:lnRef>
+          <a:fillRef idx="0">
+            <a:schemeClr val="accent1"/>
+          </a:fillRef>
+          <a:effectRef idx="0">
+            <a:schemeClr val="accent1"/>
+          </a:effectRef>
+          <a:fontRef idx="minor">
+            <a:schemeClr val="tx1"/>
+          </a:fontRef>
+        </p:style>
+      </p:cxnSp>
+      <p:cxnSp>
+        <p:nvCxnSpPr>
+          <p:cNvPr id="52" name="Straight Connector 51">
+            <a:extLst>
+              <a:ext uri="{FF2B5EF4-FFF2-40B4-BE49-F238E27FC236}">
+                <a16:creationId xmlns:a16="http://schemas.microsoft.com/office/drawing/2014/main" id="{F5648EEA-3961-CC3E-80FD-6918BB23F962}"/>
+              </a:ext>
+            </a:extLst>
+          </p:cNvPr>
+          <p:cNvCxnSpPr>
+            <a:cxnSpLocks/>
+          </p:cNvCxnSpPr>
+          <p:nvPr/>
+        </p:nvCxnSpPr>
+        <p:spPr>
+          <a:xfrm>
+            <a:off x="13526425" y="5642608"/>
+            <a:ext cx="0" cy="487958"/>
+          </a:xfrm>
+          <a:prstGeom prst="line">
+            <a:avLst/>
+          </a:prstGeom>
+          <a:ln w="38100">
+            <a:solidFill>
+              <a:schemeClr val="tx1"/>
+            </a:solidFill>
+            <a:tailEnd type="triangle"/>
+          </a:ln>
+        </p:spPr>
+        <p:style>
+          <a:lnRef idx="1">
+            <a:schemeClr val="accent1"/>
+          </a:lnRef>
+          <a:fillRef idx="0">
+            <a:schemeClr val="accent1"/>
+          </a:fillRef>
+          <a:effectRef idx="0">
+            <a:schemeClr val="accent1"/>
+          </a:effectRef>
+          <a:fontRef idx="minor">
+            <a:schemeClr val="tx1"/>
+          </a:fontRef>
+        </p:style>
+      </p:cxnSp>
+      <p:sp>
+        <p:nvSpPr>
+          <p:cNvPr id="7" name="TextBox 6">
+            <a:extLst>
+              <a:ext uri="{FF2B5EF4-FFF2-40B4-BE49-F238E27FC236}">
+                <a16:creationId xmlns:a16="http://schemas.microsoft.com/office/drawing/2014/main" id="{37520962-E1F5-9A37-79C2-B190979F2E5E}"/>
+              </a:ext>
+            </a:extLst>
+          </p:cNvPr>
+          <p:cNvSpPr txBox="1"/>
+          <p:nvPr/>
+        </p:nvSpPr>
+        <p:spPr>
+          <a:xfrm>
+            <a:off x="11560264" y="5160206"/>
+            <a:ext cx="648858" cy="369332"/>
+          </a:xfrm>
+          <a:prstGeom prst="rect">
+            <a:avLst/>
+          </a:prstGeom>
+          <a:noFill/>
+        </p:spPr>
+        <p:txBody>
+          <a:bodyPr wrap="square" lIns="91440" tIns="45720" rIns="91440" bIns="45720" rtlCol="0">
+            <a:spAutoFit/>
+          </a:bodyPr>
+          <a:lstStyle/>
+          <a:p>
+            <a:r>
+              <a:rPr lang="en-US" sz="1800" dirty="0"/>
+              <a:t>  ?</a:t>
+            </a:r>
+          </a:p>
+        </p:txBody>
+      </p:sp>
+      <p:sp>
+        <p:nvSpPr>
+          <p:cNvPr id="9" name="TextBox 8">
+            <a:extLst>
+              <a:ext uri="{FF2B5EF4-FFF2-40B4-BE49-F238E27FC236}">
+                <a16:creationId xmlns:a16="http://schemas.microsoft.com/office/drawing/2014/main" id="{30A0039C-5E58-A33B-BE16-C65740772BDA}"/>
+              </a:ext>
+            </a:extLst>
+          </p:cNvPr>
+          <p:cNvSpPr txBox="1"/>
+          <p:nvPr/>
+        </p:nvSpPr>
+        <p:spPr>
+          <a:xfrm>
+            <a:off x="8976808" y="5126881"/>
+            <a:ext cx="648858" cy="369332"/>
+          </a:xfrm>
+          <a:prstGeom prst="rect">
+            <a:avLst/>
+          </a:prstGeom>
+          <a:noFill/>
+        </p:spPr>
+        <p:txBody>
+          <a:bodyPr wrap="square" lIns="91440" tIns="45720" rIns="91440" bIns="45720" rtlCol="0">
+            <a:spAutoFit/>
+          </a:bodyPr>
+          <a:lstStyle/>
+          <a:p>
+            <a:r>
+              <a:rPr lang="en-US" sz="1800" dirty="0"/>
+              <a:t>  ?</a:t>
+            </a:r>
+          </a:p>
+        </p:txBody>
+      </p:sp>
+      <p:grpSp>
+        <p:nvGrpSpPr>
+          <p:cNvPr id="63" name="Group 62">
+            <a:extLst>
+              <a:ext uri="{FF2B5EF4-FFF2-40B4-BE49-F238E27FC236}">
+                <a16:creationId xmlns:a16="http://schemas.microsoft.com/office/drawing/2014/main" id="{638C98DB-9FA0-C289-E663-1D7F8B885C64}"/>
+              </a:ext>
+            </a:extLst>
+          </p:cNvPr>
+          <p:cNvGrpSpPr/>
+          <p:nvPr/>
+        </p:nvGrpSpPr>
+        <p:grpSpPr>
+          <a:xfrm>
+            <a:off x="8852579" y="3928086"/>
+            <a:ext cx="1256450" cy="640897"/>
+            <a:chOff x="5070549" y="3733800"/>
+            <a:chExt cx="1256450" cy="640897"/>
+          </a:xfrm>
+        </p:grpSpPr>
+        <p:cxnSp>
+          <p:nvCxnSpPr>
+            <p:cNvPr id="27" name="Straight Connector 26">
+              <a:extLst>
+                <a:ext uri="{FF2B5EF4-FFF2-40B4-BE49-F238E27FC236}">
+                  <a16:creationId xmlns:a16="http://schemas.microsoft.com/office/drawing/2014/main" id="{00082212-4FE6-AC28-C48F-A128DCA5653C}"/>
+                </a:ext>
+              </a:extLst>
+            </p:cNvPr>
+            <p:cNvCxnSpPr/>
+            <p:nvPr/>
+          </p:nvCxnSpPr>
+          <p:spPr>
+            <a:xfrm>
+              <a:off x="5070549" y="3733800"/>
+              <a:ext cx="443573" cy="0"/>
+            </a:xfrm>
+            <a:prstGeom prst="line">
+              <a:avLst/>
+            </a:prstGeom>
+          </p:spPr>
+          <p:style>
+            <a:lnRef idx="1">
+              <a:schemeClr val="accent1"/>
+            </a:lnRef>
+            <a:fillRef idx="0">
+              <a:schemeClr val="accent1"/>
+            </a:fillRef>
+            <a:effectRef idx="0">
+              <a:schemeClr val="accent1"/>
+            </a:effectRef>
+            <a:fontRef idx="minor">
+              <a:schemeClr val="tx1"/>
+            </a:fontRef>
+          </p:style>
+        </p:cxnSp>
+        <p:cxnSp>
+          <p:nvCxnSpPr>
+            <p:cNvPr id="28" name="Straight Connector 27">
+              <a:extLst>
+                <a:ext uri="{FF2B5EF4-FFF2-40B4-BE49-F238E27FC236}">
+                  <a16:creationId xmlns:a16="http://schemas.microsoft.com/office/drawing/2014/main" id="{5A2DDAA0-76E1-1BE8-C90D-EF97380A17C3}"/>
+                </a:ext>
+              </a:extLst>
+            </p:cNvPr>
+            <p:cNvCxnSpPr/>
+            <p:nvPr/>
+          </p:nvCxnSpPr>
+          <p:spPr>
+            <a:xfrm>
+              <a:off x="5883426" y="3733800"/>
+              <a:ext cx="443573" cy="0"/>
+            </a:xfrm>
+            <a:prstGeom prst="line">
+              <a:avLst/>
+            </a:prstGeom>
+          </p:spPr>
+          <p:style>
+            <a:lnRef idx="1">
+              <a:schemeClr val="accent1"/>
+            </a:lnRef>
+            <a:fillRef idx="0">
+              <a:schemeClr val="accent1"/>
+            </a:fillRef>
+            <a:effectRef idx="0">
+              <a:schemeClr val="accent1"/>
+            </a:effectRef>
+            <a:fontRef idx="minor">
+              <a:schemeClr val="tx1"/>
+            </a:fontRef>
+          </p:style>
+        </p:cxnSp>
+        <p:cxnSp>
+          <p:nvCxnSpPr>
+            <p:cNvPr id="34" name="Straight Connector 33">
+              <a:extLst>
+                <a:ext uri="{FF2B5EF4-FFF2-40B4-BE49-F238E27FC236}">
+                  <a16:creationId xmlns:a16="http://schemas.microsoft.com/office/drawing/2014/main" id="{9859082F-129A-F9EE-A769-B0C5A7514D1D}"/>
+                </a:ext>
+              </a:extLst>
+            </p:cNvPr>
+            <p:cNvCxnSpPr/>
+            <p:nvPr/>
+          </p:nvCxnSpPr>
+          <p:spPr>
+            <a:xfrm>
+              <a:off x="5457311" y="4343400"/>
+              <a:ext cx="443573" cy="0"/>
+            </a:xfrm>
+            <a:prstGeom prst="line">
+              <a:avLst/>
+            </a:prstGeom>
+          </p:spPr>
+          <p:style>
+            <a:lnRef idx="1">
+              <a:schemeClr val="accent1"/>
+            </a:lnRef>
+            <a:fillRef idx="0">
+              <a:schemeClr val="accent1"/>
+            </a:fillRef>
+            <a:effectRef idx="0">
+              <a:schemeClr val="accent1"/>
+            </a:effectRef>
+            <a:fontRef idx="minor">
+              <a:schemeClr val="tx1"/>
+            </a:fontRef>
+          </p:style>
+        </p:cxnSp>
+        <p:cxnSp>
+          <p:nvCxnSpPr>
+            <p:cNvPr id="35" name="Straight Connector 34">
+              <a:extLst>
+                <a:ext uri="{FF2B5EF4-FFF2-40B4-BE49-F238E27FC236}">
+                  <a16:creationId xmlns:a16="http://schemas.microsoft.com/office/drawing/2014/main" id="{5A80D428-B023-70A2-A0BC-80A45D40779F}"/>
+                </a:ext>
+              </a:extLst>
+            </p:cNvPr>
+            <p:cNvCxnSpPr>
+              <a:cxnSpLocks/>
+            </p:cNvCxnSpPr>
+            <p:nvPr/>
+          </p:nvCxnSpPr>
+          <p:spPr>
+            <a:xfrm>
+              <a:off x="5070549" y="3733800"/>
+              <a:ext cx="386762" cy="639010"/>
+            </a:xfrm>
+            <a:prstGeom prst="line">
+              <a:avLst/>
+            </a:prstGeom>
+          </p:spPr>
+          <p:style>
+            <a:lnRef idx="1">
+              <a:schemeClr val="accent1"/>
+            </a:lnRef>
+            <a:fillRef idx="0">
+              <a:schemeClr val="accent1"/>
+            </a:fillRef>
+            <a:effectRef idx="0">
+              <a:schemeClr val="accent1"/>
+            </a:effectRef>
+            <a:fontRef idx="minor">
+              <a:schemeClr val="tx1"/>
+            </a:fontRef>
+          </p:style>
+        </p:cxnSp>
+        <p:cxnSp>
+          <p:nvCxnSpPr>
+            <p:cNvPr id="45" name="Straight Connector 44">
+              <a:extLst>
+                <a:ext uri="{FF2B5EF4-FFF2-40B4-BE49-F238E27FC236}">
+                  <a16:creationId xmlns:a16="http://schemas.microsoft.com/office/drawing/2014/main" id="{3EEE8502-8890-1CDD-167F-85438784A654}"/>
+                </a:ext>
+              </a:extLst>
+            </p:cNvPr>
+            <p:cNvCxnSpPr>
+              <a:cxnSpLocks/>
+            </p:cNvCxnSpPr>
+            <p:nvPr/>
+          </p:nvCxnSpPr>
+          <p:spPr>
+            <a:xfrm flipH="1">
+              <a:off x="5900884" y="3775263"/>
+              <a:ext cx="386762" cy="597547"/>
+            </a:xfrm>
+            <a:prstGeom prst="line">
+              <a:avLst/>
+            </a:prstGeom>
+          </p:spPr>
+          <p:style>
+            <a:lnRef idx="1">
+              <a:schemeClr val="accent1"/>
+            </a:lnRef>
+            <a:fillRef idx="0">
+              <a:schemeClr val="accent1"/>
+            </a:fillRef>
+            <a:effectRef idx="0">
+              <a:schemeClr val="accent1"/>
+            </a:effectRef>
+            <a:fontRef idx="minor">
+              <a:schemeClr val="tx1"/>
+            </a:fontRef>
+          </p:style>
+        </p:cxnSp>
+        <p:cxnSp>
+          <p:nvCxnSpPr>
+            <p:cNvPr id="56" name="Straight Connector 55">
+              <a:extLst>
+                <a:ext uri="{FF2B5EF4-FFF2-40B4-BE49-F238E27FC236}">
+                  <a16:creationId xmlns:a16="http://schemas.microsoft.com/office/drawing/2014/main" id="{F9306D17-52B0-0F27-6FB9-756E58A222FA}"/>
+                </a:ext>
+              </a:extLst>
+            </p:cNvPr>
+            <p:cNvCxnSpPr>
+              <a:cxnSpLocks/>
+            </p:cNvCxnSpPr>
+            <p:nvPr/>
+          </p:nvCxnSpPr>
+          <p:spPr>
+            <a:xfrm>
+              <a:off x="5513877" y="3743726"/>
+              <a:ext cx="175217" cy="263665"/>
+            </a:xfrm>
+            <a:prstGeom prst="line">
+              <a:avLst/>
+            </a:prstGeom>
+          </p:spPr>
+          <p:style>
+            <a:lnRef idx="1">
+              <a:schemeClr val="accent1"/>
+            </a:lnRef>
+            <a:fillRef idx="0">
+              <a:schemeClr val="accent1"/>
+            </a:fillRef>
+            <a:effectRef idx="0">
+              <a:schemeClr val="accent1"/>
+            </a:effectRef>
+            <a:fontRef idx="minor">
+              <a:schemeClr val="tx1"/>
+            </a:fontRef>
+          </p:style>
+        </p:cxnSp>
+        <p:cxnSp>
+          <p:nvCxnSpPr>
+            <p:cNvPr id="59" name="Straight Connector 58">
+              <a:extLst>
+                <a:ext uri="{FF2B5EF4-FFF2-40B4-BE49-F238E27FC236}">
+                  <a16:creationId xmlns:a16="http://schemas.microsoft.com/office/drawing/2014/main" id="{FD1F4AA0-8934-ED44-3149-EC34553E0178}"/>
+                </a:ext>
+              </a:extLst>
+            </p:cNvPr>
+            <p:cNvCxnSpPr>
+              <a:cxnSpLocks/>
+            </p:cNvCxnSpPr>
+            <p:nvPr/>
+          </p:nvCxnSpPr>
+          <p:spPr>
+            <a:xfrm flipH="1">
+              <a:off x="5679097" y="3742411"/>
+              <a:ext cx="221787" cy="283947"/>
+            </a:xfrm>
+            <a:prstGeom prst="line">
+              <a:avLst/>
+            </a:prstGeom>
+          </p:spPr>
+          <p:style>
+            <a:lnRef idx="1">
+              <a:schemeClr val="accent1"/>
+            </a:lnRef>
+            <a:fillRef idx="0">
+              <a:schemeClr val="accent1"/>
+            </a:fillRef>
+            <a:effectRef idx="0">
+              <a:schemeClr val="accent1"/>
+            </a:effectRef>
+            <a:fontRef idx="minor">
+              <a:schemeClr val="tx1"/>
+            </a:fontRef>
+          </p:style>
+        </p:cxnSp>
+        <p:sp>
+          <p:nvSpPr>
+            <p:cNvPr id="62" name="TextBox 61">
+              <a:extLst>
+                <a:ext uri="{FF2B5EF4-FFF2-40B4-BE49-F238E27FC236}">
+                  <a16:creationId xmlns:a16="http://schemas.microsoft.com/office/drawing/2014/main" id="{45B481DC-BB5A-770E-4D91-AF56C0F0C4AE}"/>
+                </a:ext>
+              </a:extLst>
+            </p:cNvPr>
+            <p:cNvSpPr txBox="1"/>
+            <p:nvPr/>
+          </p:nvSpPr>
+          <p:spPr>
+            <a:xfrm>
+              <a:off x="5513877" y="4005365"/>
+              <a:ext cx="648858" cy="369332"/>
+            </a:xfrm>
+            <a:prstGeom prst="rect">
+              <a:avLst/>
+            </a:prstGeom>
+            <a:noFill/>
+          </p:spPr>
+          <p:txBody>
+            <a:bodyPr wrap="square" lIns="91440" tIns="45720" rIns="91440" bIns="45720" rtlCol="0">
+              <a:spAutoFit/>
+            </a:bodyPr>
+            <a:lstStyle/>
+            <a:p>
+              <a:r>
+                <a:rPr lang="en-US" sz="1800" b="1" dirty="0"/>
+                <a:t> +</a:t>
+              </a:r>
+            </a:p>
+          </p:txBody>
+        </p:sp>
+      </p:grpSp>
+      <p:cxnSp>
+        <p:nvCxnSpPr>
+          <p:cNvPr id="65" name="Straight Connector 64">
+            <a:extLst>
+              <a:ext uri="{FF2B5EF4-FFF2-40B4-BE49-F238E27FC236}">
+                <a16:creationId xmlns:a16="http://schemas.microsoft.com/office/drawing/2014/main" id="{26AE1F37-3A38-AB13-3E1F-A79E04A928D3}"/>
+              </a:ext>
+            </a:extLst>
+          </p:cNvPr>
+          <p:cNvCxnSpPr>
+            <a:cxnSpLocks/>
+          </p:cNvCxnSpPr>
+          <p:nvPr/>
+        </p:nvCxnSpPr>
+        <p:spPr>
+          <a:xfrm flipH="1">
+            <a:off x="9074365" y="3605332"/>
+            <a:ext cx="19695" cy="331365"/>
+          </a:xfrm>
+          <a:prstGeom prst="line">
+            <a:avLst/>
+          </a:prstGeom>
+          <a:ln w="38100">
+            <a:solidFill>
+              <a:schemeClr val="tx1"/>
+            </a:solidFill>
+            <a:headEnd type="none" w="med" len="med"/>
+            <a:tailEnd type="triangle" w="med" len="med"/>
+          </a:ln>
+        </p:spPr>
+        <p:style>
+          <a:lnRef idx="1">
+            <a:schemeClr val="accent1"/>
+          </a:lnRef>
+          <a:fillRef idx="0">
+            <a:schemeClr val="accent1"/>
+          </a:fillRef>
+          <a:effectRef idx="0">
+            <a:schemeClr val="accent1"/>
+          </a:effectRef>
+          <a:fontRef idx="minor">
+            <a:schemeClr val="tx1"/>
+          </a:fontRef>
+        </p:style>
+      </p:cxnSp>
+      <p:cxnSp>
+        <p:nvCxnSpPr>
+          <p:cNvPr id="68" name="Straight Connector 67">
+            <a:extLst>
+              <a:ext uri="{FF2B5EF4-FFF2-40B4-BE49-F238E27FC236}">
+                <a16:creationId xmlns:a16="http://schemas.microsoft.com/office/drawing/2014/main" id="{D46168F8-E275-0456-E0BA-E1E35B1FC736}"/>
+              </a:ext>
+            </a:extLst>
+          </p:cNvPr>
+          <p:cNvCxnSpPr>
+            <a:cxnSpLocks/>
+          </p:cNvCxnSpPr>
+          <p:nvPr/>
+        </p:nvCxnSpPr>
+        <p:spPr>
+          <a:xfrm>
+            <a:off x="9844876" y="3581400"/>
+            <a:ext cx="0" cy="355297"/>
+          </a:xfrm>
+          <a:prstGeom prst="line">
+            <a:avLst/>
+          </a:prstGeom>
+          <a:ln w="38100">
+            <a:solidFill>
+              <a:schemeClr val="tx1"/>
+            </a:solidFill>
+            <a:headEnd type="none" w="med" len="med"/>
+            <a:tailEnd type="triangle" w="med" len="med"/>
+          </a:ln>
+        </p:spPr>
+        <p:style>
+          <a:lnRef idx="1">
+            <a:schemeClr val="accent1"/>
+          </a:lnRef>
+          <a:fillRef idx="0">
+            <a:schemeClr val="accent1"/>
+          </a:fillRef>
+          <a:effectRef idx="0">
+            <a:schemeClr val="accent1"/>
+          </a:effectRef>
+          <a:fontRef idx="minor">
+            <a:schemeClr val="tx1"/>
+          </a:fontRef>
+        </p:style>
+      </p:cxnSp>
+      <p:cxnSp>
+        <p:nvCxnSpPr>
+          <p:cNvPr id="70" name="Straight Connector 69">
+            <a:extLst>
+              <a:ext uri="{FF2B5EF4-FFF2-40B4-BE49-F238E27FC236}">
+                <a16:creationId xmlns:a16="http://schemas.microsoft.com/office/drawing/2014/main" id="{FFE5DDFB-E333-9448-B660-FEABAB25D281}"/>
+              </a:ext>
+            </a:extLst>
+          </p:cNvPr>
+          <p:cNvCxnSpPr/>
+          <p:nvPr/>
+        </p:nvCxnSpPr>
+        <p:spPr>
+          <a:xfrm flipV="1">
+            <a:off x="9709764" y="3605332"/>
+            <a:ext cx="264757" cy="230972"/>
+          </a:xfrm>
+          <a:prstGeom prst="line">
+            <a:avLst/>
+          </a:prstGeom>
+          <a:ln w="12700">
+            <a:solidFill>
+              <a:schemeClr val="tx1"/>
+            </a:solidFill>
+          </a:ln>
+        </p:spPr>
+        <p:style>
+          <a:lnRef idx="1">
+            <a:schemeClr val="accent1"/>
+          </a:lnRef>
+          <a:fillRef idx="0">
+            <a:schemeClr val="accent1"/>
+          </a:fillRef>
+          <a:effectRef idx="0">
+            <a:schemeClr val="accent1"/>
+          </a:effectRef>
+          <a:fontRef idx="minor">
+            <a:schemeClr val="tx1"/>
+          </a:fontRef>
+        </p:style>
+      </p:cxnSp>
+      <p:sp>
+        <p:nvSpPr>
+          <p:cNvPr id="71" name="TextBox 70">
+            <a:extLst>
+              <a:ext uri="{FF2B5EF4-FFF2-40B4-BE49-F238E27FC236}">
+                <a16:creationId xmlns:a16="http://schemas.microsoft.com/office/drawing/2014/main" id="{DAFBF05C-2FC0-42BC-685D-A9298F5BD03D}"/>
+              </a:ext>
+            </a:extLst>
+          </p:cNvPr>
+          <p:cNvSpPr txBox="1"/>
+          <p:nvPr/>
+        </p:nvSpPr>
+        <p:spPr>
+          <a:xfrm>
+            <a:off x="9406525" y="3499513"/>
+            <a:ext cx="479840" cy="369332"/>
+          </a:xfrm>
+          <a:prstGeom prst="rect">
+            <a:avLst/>
+          </a:prstGeom>
+          <a:noFill/>
+        </p:spPr>
+        <p:txBody>
+          <a:bodyPr wrap="square" lIns="91440" tIns="45720" rIns="91440" bIns="45720" rtlCol="0">
+            <a:spAutoFit/>
+          </a:bodyPr>
+          <a:lstStyle/>
+          <a:p>
+            <a:pPr algn="r"/>
+            <a:r>
+              <a:rPr lang="en-US" sz="1800" dirty="0"/>
+              <a:t>16</a:t>
+            </a:r>
+          </a:p>
+        </p:txBody>
+      </p:sp>
+      <p:cxnSp>
+        <p:nvCxnSpPr>
+          <p:cNvPr id="74" name="Straight Connector 73">
+            <a:extLst>
+              <a:ext uri="{FF2B5EF4-FFF2-40B4-BE49-F238E27FC236}">
+                <a16:creationId xmlns:a16="http://schemas.microsoft.com/office/drawing/2014/main" id="{900F41DD-0FB2-9ADB-394E-405A21452753}"/>
+              </a:ext>
+            </a:extLst>
+          </p:cNvPr>
+          <p:cNvCxnSpPr>
+            <a:cxnSpLocks/>
+          </p:cNvCxnSpPr>
+          <p:nvPr/>
+        </p:nvCxnSpPr>
+        <p:spPr>
+          <a:xfrm flipV="1">
+            <a:off x="9461127" y="4567096"/>
+            <a:ext cx="0" cy="287633"/>
+          </a:xfrm>
+          <a:prstGeom prst="line">
+            <a:avLst/>
+          </a:prstGeom>
+          <a:ln w="38100">
+            <a:solidFill>
+              <a:schemeClr val="tx1"/>
+            </a:solidFill>
+            <a:tailEnd type="none"/>
+          </a:ln>
+        </p:spPr>
+        <p:style>
+          <a:lnRef idx="1">
+            <a:schemeClr val="accent1"/>
+          </a:lnRef>
+          <a:fillRef idx="0">
+            <a:schemeClr val="accent1"/>
+          </a:fillRef>
+          <a:effectRef idx="0">
+            <a:schemeClr val="accent1"/>
+          </a:effectRef>
+          <a:fontRef idx="minor">
+            <a:schemeClr val="tx1"/>
+          </a:fontRef>
+        </p:style>
+      </p:cxnSp>
+      <p:sp>
+        <p:nvSpPr>
+          <p:cNvPr id="83" name="TextBox 82">
+            <a:extLst>
+              <a:ext uri="{FF2B5EF4-FFF2-40B4-BE49-F238E27FC236}">
+                <a16:creationId xmlns:a16="http://schemas.microsoft.com/office/drawing/2014/main" id="{86090699-3F77-68E6-5648-A55FEC7FC959}"/>
+              </a:ext>
+            </a:extLst>
+          </p:cNvPr>
+          <p:cNvSpPr txBox="1"/>
+          <p:nvPr/>
+        </p:nvSpPr>
+        <p:spPr>
+          <a:xfrm>
+            <a:off x="3321090" y="2618436"/>
+            <a:ext cx="455363" cy="307777"/>
+          </a:xfrm>
+          <a:prstGeom prst="rect">
+            <a:avLst/>
+          </a:prstGeom>
+          <a:noFill/>
+        </p:spPr>
+        <p:txBody>
+          <a:bodyPr wrap="square" lIns="91440" tIns="45720" rIns="91440" bIns="45720" rtlCol="0">
+            <a:spAutoFit/>
+          </a:bodyPr>
+          <a:lstStyle/>
+          <a:p>
+            <a:pPr algn="r"/>
+            <a:r>
+              <a:rPr lang="en-US" sz="1400" dirty="0" err="1"/>
+              <a:t>sw</a:t>
+            </a:r>
+            <a:r>
+              <a:rPr lang="en-US" sz="1400" dirty="0"/>
+              <a:t>’</a:t>
+            </a:r>
+          </a:p>
+        </p:txBody>
+      </p:sp>
+      <p:sp>
+        <p:nvSpPr>
+          <p:cNvPr id="99" name="Oval 98">
+            <a:extLst>
+              <a:ext uri="{FF2B5EF4-FFF2-40B4-BE49-F238E27FC236}">
+                <a16:creationId xmlns:a16="http://schemas.microsoft.com/office/drawing/2014/main" id="{4A303389-BBCE-B550-1F0B-5D10CE09F16F}"/>
+              </a:ext>
+            </a:extLst>
+          </p:cNvPr>
+          <p:cNvSpPr/>
+          <p:nvPr/>
+        </p:nvSpPr>
+        <p:spPr>
+          <a:xfrm>
+            <a:off x="4438078" y="3169311"/>
+            <a:ext cx="990600" cy="1002260"/>
+          </a:xfrm>
+          <a:prstGeom prst="ellipse">
+            <a:avLst/>
+          </a:prstGeom>
+          <a:solidFill>
+            <a:schemeClr val="bg1"/>
+          </a:solidFill>
+        </p:spPr>
+        <p:style>
+          <a:lnRef idx="2">
+            <a:schemeClr val="accent1">
+              <a:shade val="50000"/>
+            </a:schemeClr>
+          </a:lnRef>
+          <a:fillRef idx="1">
+            <a:schemeClr val="accent1"/>
+          </a:fillRef>
+          <a:effectRef idx="0">
+            <a:schemeClr val="accent1"/>
+          </a:effectRef>
+          <a:fontRef idx="minor">
+            <a:schemeClr val="lt1"/>
+          </a:fontRef>
+        </p:style>
+        <p:txBody>
+          <a:bodyPr rtlCol="0" anchor="ctr"/>
+          <a:lstStyle/>
+          <a:p>
+            <a:pPr algn="ctr"/>
+            <a:endParaRPr lang="en-US"/>
+          </a:p>
+        </p:txBody>
+      </p:sp>
+      <p:sp>
+        <p:nvSpPr>
+          <p:cNvPr id="100" name="TextBox 99">
+            <a:extLst>
+              <a:ext uri="{FF2B5EF4-FFF2-40B4-BE49-F238E27FC236}">
+                <a16:creationId xmlns:a16="http://schemas.microsoft.com/office/drawing/2014/main" id="{D0E624E1-239F-912C-79F3-E65358D6A8F7}"/>
+              </a:ext>
+            </a:extLst>
+          </p:cNvPr>
+          <p:cNvSpPr txBox="1"/>
+          <p:nvPr/>
+        </p:nvSpPr>
+        <p:spPr>
+          <a:xfrm>
+            <a:off x="4460081" y="3204456"/>
+            <a:ext cx="858532" cy="276999"/>
+          </a:xfrm>
+          <a:prstGeom prst="rect">
+            <a:avLst/>
+          </a:prstGeom>
+          <a:noFill/>
+        </p:spPr>
+        <p:txBody>
+          <a:bodyPr wrap="square" lIns="91440" tIns="45720" rIns="91440" bIns="45720" rtlCol="0">
+            <a:spAutoFit/>
+          </a:bodyPr>
+          <a:lstStyle/>
+          <a:p>
+            <a:pPr algn="ctr"/>
+            <a:r>
+              <a:rPr lang="en-US" sz="1200" dirty="0" err="1"/>
+              <a:t>incC</a:t>
+            </a:r>
+            <a:endParaRPr lang="en-US" sz="1200" dirty="0"/>
+          </a:p>
+        </p:txBody>
+      </p:sp>
+      <p:sp>
+        <p:nvSpPr>
+          <p:cNvPr id="26" name="TextBox 25">
+            <a:extLst>
+              <a:ext uri="{FF2B5EF4-FFF2-40B4-BE49-F238E27FC236}">
+                <a16:creationId xmlns:a16="http://schemas.microsoft.com/office/drawing/2014/main" id="{32BBC772-3ACF-B347-C57A-8A5DD631B017}"/>
+              </a:ext>
+            </a:extLst>
+          </p:cNvPr>
+          <p:cNvSpPr txBox="1"/>
+          <p:nvPr/>
+        </p:nvSpPr>
+        <p:spPr>
+          <a:xfrm>
+            <a:off x="9568915" y="3229515"/>
+            <a:ext cx="648858" cy="369332"/>
+          </a:xfrm>
+          <a:prstGeom prst="rect">
+            <a:avLst/>
+          </a:prstGeom>
+          <a:noFill/>
+        </p:spPr>
+        <p:txBody>
+          <a:bodyPr wrap="square" lIns="91440" tIns="45720" rIns="91440" bIns="45720" rtlCol="0">
+            <a:spAutoFit/>
+          </a:bodyPr>
+          <a:lstStyle/>
+          <a:p>
+            <a:r>
+              <a:rPr lang="en-US" sz="1800" dirty="0"/>
+              <a:t>  ?</a:t>
+            </a:r>
+          </a:p>
+        </p:txBody>
+      </p:sp>
+      <p:cxnSp>
+        <p:nvCxnSpPr>
+          <p:cNvPr id="51" name="Straight Connector 50">
+            <a:extLst>
+              <a:ext uri="{FF2B5EF4-FFF2-40B4-BE49-F238E27FC236}">
+                <a16:creationId xmlns:a16="http://schemas.microsoft.com/office/drawing/2014/main" id="{FA8FDD6C-5163-3A32-DE0E-36190505C51D}"/>
+              </a:ext>
+            </a:extLst>
+          </p:cNvPr>
+          <p:cNvCxnSpPr/>
+          <p:nvPr/>
+        </p:nvCxnSpPr>
+        <p:spPr>
+          <a:xfrm flipV="1">
+            <a:off x="13400679" y="5795514"/>
+            <a:ext cx="264757" cy="230972"/>
+          </a:xfrm>
+          <a:prstGeom prst="line">
+            <a:avLst/>
+          </a:prstGeom>
+          <a:ln w="12700">
+            <a:solidFill>
+              <a:schemeClr val="tx1"/>
+            </a:solidFill>
+          </a:ln>
+        </p:spPr>
+        <p:style>
+          <a:lnRef idx="1">
+            <a:schemeClr val="accent1"/>
+          </a:lnRef>
+          <a:fillRef idx="0">
+            <a:schemeClr val="accent1"/>
+          </a:fillRef>
+          <a:effectRef idx="0">
+            <a:schemeClr val="accent1"/>
+          </a:effectRef>
+          <a:fontRef idx="minor">
+            <a:schemeClr val="tx1"/>
+          </a:fontRef>
+        </p:style>
+      </p:cxnSp>
+      <p:sp>
+        <p:nvSpPr>
+          <p:cNvPr id="53" name="TextBox 52">
+            <a:extLst>
+              <a:ext uri="{FF2B5EF4-FFF2-40B4-BE49-F238E27FC236}">
+                <a16:creationId xmlns:a16="http://schemas.microsoft.com/office/drawing/2014/main" id="{A195CE42-7E15-A514-B837-095CF7DBC15D}"/>
+              </a:ext>
+            </a:extLst>
+          </p:cNvPr>
+          <p:cNvSpPr txBox="1"/>
+          <p:nvPr/>
+        </p:nvSpPr>
+        <p:spPr>
+          <a:xfrm>
+            <a:off x="13111686" y="5592338"/>
+            <a:ext cx="479840" cy="369332"/>
+          </a:xfrm>
+          <a:prstGeom prst="rect">
+            <a:avLst/>
+          </a:prstGeom>
+          <a:noFill/>
+        </p:spPr>
+        <p:txBody>
+          <a:bodyPr wrap="square" lIns="91440" tIns="45720" rIns="91440" bIns="45720" rtlCol="0">
+            <a:spAutoFit/>
+          </a:bodyPr>
+          <a:lstStyle/>
+          <a:p>
+            <a:pPr algn="r"/>
+            <a:r>
+              <a:rPr lang="en-US" sz="1800" dirty="0"/>
+              <a:t>16</a:t>
+            </a:r>
+          </a:p>
+        </p:txBody>
+      </p:sp>
     </p:spTree>
     <p:extLst>
       <p:ext uri="{BB962C8B-B14F-4D97-AF65-F5344CB8AC3E}">
@@ -13153,13 +10811,6 @@
   <p:clrMapOvr>
     <a:masterClrMapping/>
   </p:clrMapOvr>
-  <p:timing>
-    <p:tnLst>
-      <p:par>
-        <p:cTn id="1" dur="indefinite" restart="never" nodeType="tmRoot"/>
-      </p:par>
-    </p:tnLst>
-  </p:timing>
 </p:sld>
 </file>
 
@@ -13182,7 +10833,13 @@
       </p:grpSpPr>
       <p:pic>
         <p:nvPicPr>
-          <p:cNvPr id="4" name="Picture 3"/>
+          <p:cNvPr id="3" name="Picture 2">
+            <a:extLst>
+              <a:ext uri="{FF2B5EF4-FFF2-40B4-BE49-F238E27FC236}">
+                <a16:creationId xmlns:a16="http://schemas.microsoft.com/office/drawing/2014/main" id="{82E75CBA-FB71-A071-6148-62DA2A8276AD}"/>
+              </a:ext>
+            </a:extLst>
+          </p:cNvPr>
           <p:cNvPicPr>
             <a:picLocks noChangeAspect="1"/>
           </p:cNvPicPr>
@@ -13196,32 +10853,8 @@
         </p:blipFill>
         <p:spPr>
           <a:xfrm>
-            <a:off x="0" y="762000"/>
-            <a:ext cx="15516225" cy="2714625"/>
-          </a:xfrm>
-          <a:prstGeom prst="rect">
-            <a:avLst/>
-          </a:prstGeom>
-        </p:spPr>
-      </p:pic>
-      <p:pic>
-        <p:nvPicPr>
-          <p:cNvPr id="5" name="Picture 4"/>
-          <p:cNvPicPr>
-            <a:picLocks noChangeAspect="1"/>
-          </p:cNvPicPr>
-          <p:nvPr/>
-        </p:nvPicPr>
-        <p:blipFill>
-          <a:blip r:embed="rId3"/>
-          <a:stretch>
-            <a:fillRect/>
-          </a:stretch>
-        </p:blipFill>
-        <p:spPr>
-          <a:xfrm>
-            <a:off x="381000" y="4114800"/>
-            <a:ext cx="14335726" cy="3962400"/>
+            <a:off x="1676400" y="533400"/>
+            <a:ext cx="11468100" cy="3457575"/>
           </a:xfrm>
           <a:prstGeom prst="rect">
             <a:avLst/>
@@ -13809,4 +11442,339 @@
   <a:objectDefaults/>
   <a:extraClrSchemeLst/>
 </a:theme>
+</file>
+
+<file path=customXml/item1.xml><?xml version="1.0" encoding="utf-8"?>
+<ct:contentTypeSchema xmlns:ct="http://schemas.microsoft.com/office/2006/metadata/contentType" xmlns:ma="http://schemas.microsoft.com/office/2006/metadata/properties/metaAttributes" ct:_="" ma:_="" ma:contentTypeName="Document" ma:contentTypeID="0x0101006688CEE9ECE47E41BCA8373C08F08450" ma:contentTypeVersion="20" ma:contentTypeDescription="Create a new document." ma:contentTypeScope="" ma:versionID="9e7d03c2a5d120378df42408af01fc7f">
+  <xsd:schema xmlns:xsd="http://www.w3.org/2001/XMLSchema" xmlns:xs="http://www.w3.org/2001/XMLSchema" xmlns:p="http://schemas.microsoft.com/office/2006/metadata/properties" xmlns:ns1="http://schemas.microsoft.com/sharepoint/v3" xmlns:ns3="ccb45925-e721-480f-9825-d50a67497082" xmlns:ns4="0cac4c72-2dee-4718-9f83-e133bcf0cc7c" targetNamespace="http://schemas.microsoft.com/office/2006/metadata/properties" ma:root="true" ma:fieldsID="233f6dc846c9fdb24514657373b9d02e" ns1:_="" ns3:_="" ns4:_="">
+    <xsd:import namespace="http://schemas.microsoft.com/sharepoint/v3"/>
+    <xsd:import namespace="ccb45925-e721-480f-9825-d50a67497082"/>
+    <xsd:import namespace="0cac4c72-2dee-4718-9f83-e133bcf0cc7c"/>
+    <xsd:element name="properties">
+      <xsd:complexType>
+        <xsd:sequence>
+          <xsd:element name="documentManagement">
+            <xsd:complexType>
+              <xsd:all>
+                <xsd:element ref="ns1:_ip_UnifiedCompliancePolicyProperties" minOccurs="0"/>
+                <xsd:element ref="ns1:_ip_UnifiedCompliancePolicyUIAction" minOccurs="0"/>
+                <xsd:element ref="ns3:MediaServiceMetadata" minOccurs="0"/>
+                <xsd:element ref="ns3:MediaServiceFastMetadata" minOccurs="0"/>
+                <xsd:element ref="ns4:SharedWithUsers" minOccurs="0"/>
+                <xsd:element ref="ns4:SharedWithDetails" minOccurs="0"/>
+                <xsd:element ref="ns4:SharingHintHash" minOccurs="0"/>
+                <xsd:element ref="ns3:MediaServiceAutoKeyPoints" minOccurs="0"/>
+                <xsd:element ref="ns3:MediaServiceKeyPoints" minOccurs="0"/>
+                <xsd:element ref="ns3:MediaServiceDateTaken" minOccurs="0"/>
+                <xsd:element ref="ns3:MediaServiceAutoTags" minOccurs="0"/>
+                <xsd:element ref="ns3:MediaServiceGenerationTime" minOccurs="0"/>
+                <xsd:element ref="ns3:MediaServiceEventHashCode" minOccurs="0"/>
+                <xsd:element ref="ns3:MediaServiceOCR" minOccurs="0"/>
+                <xsd:element ref="ns3:MediaServiceLocation" minOccurs="0"/>
+                <xsd:element ref="ns3:MediaLengthInSeconds" minOccurs="0"/>
+                <xsd:element ref="ns3:_activity" minOccurs="0"/>
+                <xsd:element ref="ns3:MediaServiceObjectDetectorVersions" minOccurs="0"/>
+                <xsd:element ref="ns3:MediaServiceSystemTags" minOccurs="0"/>
+                <xsd:element ref="ns3:MediaServiceSearchProperties" minOccurs="0"/>
+              </xsd:all>
+            </xsd:complexType>
+          </xsd:element>
+        </xsd:sequence>
+      </xsd:complexType>
+    </xsd:element>
+  </xsd:schema>
+  <xsd:schema xmlns:xsd="http://www.w3.org/2001/XMLSchema" xmlns:xs="http://www.w3.org/2001/XMLSchema" xmlns:dms="http://schemas.microsoft.com/office/2006/documentManagement/types" xmlns:pc="http://schemas.microsoft.com/office/infopath/2007/PartnerControls" targetNamespace="http://schemas.microsoft.com/sharepoint/v3" elementFormDefault="qualified">
+    <xsd:import namespace="http://schemas.microsoft.com/office/2006/documentManagement/types"/>
+    <xsd:import namespace="http://schemas.microsoft.com/office/infopath/2007/PartnerControls"/>
+    <xsd:element name="_ip_UnifiedCompliancePolicyProperties" ma:index="8" nillable="true" ma:displayName="Unified Compliance Policy Properties" ma:hidden="true" ma:internalName="_ip_UnifiedCompliancePolicyProperties">
+      <xsd:simpleType>
+        <xsd:restriction base="dms:Note"/>
+      </xsd:simpleType>
+    </xsd:element>
+    <xsd:element name="_ip_UnifiedCompliancePolicyUIAction" ma:index="9" nillable="true" ma:displayName="Unified Compliance Policy UI Action" ma:hidden="true" ma:internalName="_ip_UnifiedCompliancePolicyUIAction">
+      <xsd:simpleType>
+        <xsd:restriction base="dms:Text"/>
+      </xsd:simpleType>
+    </xsd:element>
+  </xsd:schema>
+  <xsd:schema xmlns:xsd="http://www.w3.org/2001/XMLSchema" xmlns:xs="http://www.w3.org/2001/XMLSchema" xmlns:dms="http://schemas.microsoft.com/office/2006/documentManagement/types" xmlns:pc="http://schemas.microsoft.com/office/infopath/2007/PartnerControls" targetNamespace="ccb45925-e721-480f-9825-d50a67497082" elementFormDefault="qualified">
+    <xsd:import namespace="http://schemas.microsoft.com/office/2006/documentManagement/types"/>
+    <xsd:import namespace="http://schemas.microsoft.com/office/infopath/2007/PartnerControls"/>
+    <xsd:element name="MediaServiceMetadata" ma:index="10" nillable="true" ma:displayName="MediaServiceMetadata" ma:hidden="true" ma:internalName="MediaServiceMetadata" ma:readOnly="true">
+      <xsd:simpleType>
+        <xsd:restriction base="dms:Note"/>
+      </xsd:simpleType>
+    </xsd:element>
+    <xsd:element name="MediaServiceFastMetadata" ma:index="11" nillable="true" ma:displayName="MediaServiceFastMetadata" ma:hidden="true" ma:internalName="MediaServiceFastMetadata" ma:readOnly="true">
+      <xsd:simpleType>
+        <xsd:restriction base="dms:Note"/>
+      </xsd:simpleType>
+    </xsd:element>
+    <xsd:element name="MediaServiceAutoKeyPoints" ma:index="15" nillable="true" ma:displayName="MediaServiceAutoKeyPoints" ma:hidden="true" ma:internalName="MediaServiceAutoKeyPoints" ma:readOnly="true">
+      <xsd:simpleType>
+        <xsd:restriction base="dms:Note"/>
+      </xsd:simpleType>
+    </xsd:element>
+    <xsd:element name="MediaServiceKeyPoints" ma:index="16" nillable="true" ma:displayName="KeyPoints" ma:internalName="MediaServiceKeyPoints" ma:readOnly="true">
+      <xsd:simpleType>
+        <xsd:restriction base="dms:Note">
+          <xsd:maxLength value="255"/>
+        </xsd:restriction>
+      </xsd:simpleType>
+    </xsd:element>
+    <xsd:element name="MediaServiceDateTaken" ma:index="17" nillable="true" ma:displayName="MediaServiceDateTaken" ma:hidden="true" ma:internalName="MediaServiceDateTaken" ma:readOnly="true">
+      <xsd:simpleType>
+        <xsd:restriction base="dms:Text"/>
+      </xsd:simpleType>
+    </xsd:element>
+    <xsd:element name="MediaServiceAutoTags" ma:index="18" nillable="true" ma:displayName="Tags" ma:internalName="MediaServiceAutoTags" ma:readOnly="true">
+      <xsd:simpleType>
+        <xsd:restriction base="dms:Text"/>
+      </xsd:simpleType>
+    </xsd:element>
+    <xsd:element name="MediaServiceGenerationTime" ma:index="19" nillable="true" ma:displayName="MediaServiceGenerationTime" ma:hidden="true" ma:internalName="MediaServiceGenerationTime" ma:readOnly="true">
+      <xsd:simpleType>
+        <xsd:restriction base="dms:Text"/>
+      </xsd:simpleType>
+    </xsd:element>
+    <xsd:element name="MediaServiceEventHashCode" ma:index="20" nillable="true" ma:displayName="MediaServiceEventHashCode" ma:hidden="true" ma:internalName="MediaServiceEventHashCode" ma:readOnly="true">
+      <xsd:simpleType>
+        <xsd:restriction base="dms:Text"/>
+      </xsd:simpleType>
+    </xsd:element>
+    <xsd:element name="MediaServiceOCR" ma:index="21" nillable="true" ma:displayName="Extracted Text" ma:internalName="MediaServiceOCR" ma:readOnly="true">
+      <xsd:simpleType>
+        <xsd:restriction base="dms:Note">
+          <xsd:maxLength value="255"/>
+        </xsd:restriction>
+      </xsd:simpleType>
+    </xsd:element>
+    <xsd:element name="MediaServiceLocation" ma:index="22" nillable="true" ma:displayName="Location" ma:internalName="MediaServiceLocation" ma:readOnly="true">
+      <xsd:simpleType>
+        <xsd:restriction base="dms:Text"/>
+      </xsd:simpleType>
+    </xsd:element>
+    <xsd:element name="MediaLengthInSeconds" ma:index="23" nillable="true" ma:displayName="Length (seconds)" ma:internalName="MediaLengthInSeconds" ma:readOnly="true">
+      <xsd:simpleType>
+        <xsd:restriction base="dms:Unknown"/>
+      </xsd:simpleType>
+    </xsd:element>
+    <xsd:element name="_activity" ma:index="24" nillable="true" ma:displayName="_activity" ma:hidden="true" ma:internalName="_activity">
+      <xsd:simpleType>
+        <xsd:restriction base="dms:Note"/>
+      </xsd:simpleType>
+    </xsd:element>
+    <xsd:element name="MediaServiceObjectDetectorVersions" ma:index="25" nillable="true" ma:displayName="MediaServiceObjectDetectorVersions" ma:description="" ma:hidden="true" ma:indexed="true" ma:internalName="MediaServiceObjectDetectorVersions" ma:readOnly="true">
+      <xsd:simpleType>
+        <xsd:restriction base="dms:Text"/>
+      </xsd:simpleType>
+    </xsd:element>
+    <xsd:element name="MediaServiceSystemTags" ma:index="26" nillable="true" ma:displayName="MediaServiceSystemTags" ma:hidden="true" ma:internalName="MediaServiceSystemTags" ma:readOnly="true">
+      <xsd:simpleType>
+        <xsd:restriction base="dms:Note"/>
+      </xsd:simpleType>
+    </xsd:element>
+    <xsd:element name="MediaServiceSearchProperties" ma:index="27" nillable="true" ma:displayName="MediaServiceSearchProperties" ma:hidden="true" ma:internalName="MediaServiceSearchProperties" ma:readOnly="true">
+      <xsd:simpleType>
+        <xsd:restriction base="dms:Note"/>
+      </xsd:simpleType>
+    </xsd:element>
+  </xsd:schema>
+  <xsd:schema xmlns:xsd="http://www.w3.org/2001/XMLSchema" xmlns:xs="http://www.w3.org/2001/XMLSchema" xmlns:dms="http://schemas.microsoft.com/office/2006/documentManagement/types" xmlns:pc="http://schemas.microsoft.com/office/infopath/2007/PartnerControls" targetNamespace="0cac4c72-2dee-4718-9f83-e133bcf0cc7c" elementFormDefault="qualified">
+    <xsd:import namespace="http://schemas.microsoft.com/office/2006/documentManagement/types"/>
+    <xsd:import namespace="http://schemas.microsoft.com/office/infopath/2007/PartnerControls"/>
+    <xsd:element name="SharedWithUsers" ma:index="12" nillable="true" ma:displayName="Shared With" ma:internalName="SharedWithUsers" ma:readOnly="true">
+      <xsd:complexType>
+        <xsd:complexContent>
+          <xsd:extension base="dms:UserMulti">
+            <xsd:sequence>
+              <xsd:element name="UserInfo" minOccurs="0" maxOccurs="unbounded">
+                <xsd:complexType>
+                  <xsd:sequence>
+                    <xsd:element name="DisplayName" type="xsd:string" minOccurs="0"/>
+                    <xsd:element name="AccountId" type="dms:UserId" minOccurs="0" nillable="true"/>
+                    <xsd:element name="AccountType" type="xsd:string" minOccurs="0"/>
+                  </xsd:sequence>
+                </xsd:complexType>
+              </xsd:element>
+            </xsd:sequence>
+          </xsd:extension>
+        </xsd:complexContent>
+      </xsd:complexType>
+    </xsd:element>
+    <xsd:element name="SharedWithDetails" ma:index="13" nillable="true" ma:displayName="Shared With Details" ma:internalName="SharedWithDetails" ma:readOnly="true">
+      <xsd:simpleType>
+        <xsd:restriction base="dms:Note">
+          <xsd:maxLength value="255"/>
+        </xsd:restriction>
+      </xsd:simpleType>
+    </xsd:element>
+    <xsd:element name="SharingHintHash" ma:index="14" nillable="true" ma:displayName="Sharing Hint Hash" ma:hidden="true" ma:internalName="SharingHintHash" ma:readOnly="true">
+      <xsd:simpleType>
+        <xsd:restriction base="dms:Text"/>
+      </xsd:simpleType>
+    </xsd:element>
+  </xsd:schema>
+  <xsd:schema xmlns="http://schemas.openxmlformats.org/package/2006/metadata/core-properties" xmlns:xsd="http://www.w3.org/2001/XMLSchema" xmlns:xsi="http://www.w3.org/2001/XMLSchema-instance" xmlns:dc="http://purl.org/dc/elements/1.1/" xmlns:dcterms="http://purl.org/dc/terms/" xmlns:odoc="http://schemas.microsoft.com/internal/obd" targetNamespace="http://schemas.openxmlformats.org/package/2006/metadata/core-properties" elementFormDefault="qualified" attributeFormDefault="unqualified" blockDefault="#all">
+    <xsd:import namespace="http://purl.org/dc/elements/1.1/" schemaLocation="http://dublincore.org/schemas/xmls/qdc/2003/04/02/dc.xsd"/>
+    <xsd:import namespace="http://purl.org/dc/terms/" schemaLocation="http://dublincore.org/schemas/xmls/qdc/2003/04/02/dcterms.xsd"/>
+    <xsd:element name="coreProperties" type="CT_coreProperties"/>
+    <xsd:complexType name="CT_coreProperties">
+      <xsd:all>
+        <xsd:element ref="dc:creator" minOccurs="0" maxOccurs="1"/>
+        <xsd:element ref="dcterms:created" minOccurs="0" maxOccurs="1"/>
+        <xsd:element ref="dc:identifier" minOccurs="0" maxOccurs="1"/>
+        <xsd:element name="contentType" minOccurs="0" maxOccurs="1" type="xsd:string" ma:index="0" ma:displayName="Content Type"/>
+        <xsd:element ref="dc:title" minOccurs="0" maxOccurs="1" ma:index="4" ma:displayName="Title"/>
+        <xsd:element ref="dc:subject" minOccurs="0" maxOccurs="1"/>
+        <xsd:element ref="dc:description" minOccurs="0" maxOccurs="1"/>
+        <xsd:element name="keywords" minOccurs="0" maxOccurs="1" type="xsd:string"/>
+        <xsd:element ref="dc:language" minOccurs="0" maxOccurs="1"/>
+        <xsd:element name="category" minOccurs="0" maxOccurs="1" type="xsd:string"/>
+        <xsd:element name="version" minOccurs="0" maxOccurs="1" type="xsd:string"/>
+        <xsd:element name="revision" minOccurs="0" maxOccurs="1" type="xsd:string">
+          <xsd:annotation>
+            <xsd:documentation>
+                        This value indicates the number of saves or revisions. The application is responsible for updating this value after each revision.
+                    </xsd:documentation>
+          </xsd:annotation>
+        </xsd:element>
+        <xsd:element name="lastModifiedBy" minOccurs="0" maxOccurs="1" type="xsd:string"/>
+        <xsd:element ref="dcterms:modified" minOccurs="0" maxOccurs="1"/>
+        <xsd:element name="contentStatus" minOccurs="0" maxOccurs="1" type="xsd:string"/>
+      </xsd:all>
+    </xsd:complexType>
+  </xsd:schema>
+  <xs:schema xmlns:pc="http://schemas.microsoft.com/office/infopath/2007/PartnerControls" xmlns:xs="http://www.w3.org/2001/XMLSchema" targetNamespace="http://schemas.microsoft.com/office/infopath/2007/PartnerControls" elementFormDefault="qualified" attributeFormDefault="unqualified">
+    <xs:element name="Person">
+      <xs:complexType>
+        <xs:sequence>
+          <xs:element ref="pc:DisplayName" minOccurs="0"/>
+          <xs:element ref="pc:AccountId" minOccurs="0"/>
+          <xs:element ref="pc:AccountType" minOccurs="0"/>
+        </xs:sequence>
+      </xs:complexType>
+    </xs:element>
+    <xs:element name="DisplayName" type="xs:string"/>
+    <xs:element name="AccountId" type="xs:string"/>
+    <xs:element name="AccountType" type="xs:string"/>
+    <xs:element name="BDCAssociatedEntity">
+      <xs:complexType>
+        <xs:sequence>
+          <xs:element ref="pc:BDCEntity" minOccurs="0" maxOccurs="unbounded"/>
+        </xs:sequence>
+        <xs:attribute ref="pc:EntityNamespace"/>
+        <xs:attribute ref="pc:EntityName"/>
+        <xs:attribute ref="pc:SystemInstanceName"/>
+        <xs:attribute ref="pc:AssociationName"/>
+      </xs:complexType>
+    </xs:element>
+    <xs:attribute name="EntityNamespace" type="xs:string"/>
+    <xs:attribute name="EntityName" type="xs:string"/>
+    <xs:attribute name="SystemInstanceName" type="xs:string"/>
+    <xs:attribute name="AssociationName" type="xs:string"/>
+    <xs:element name="BDCEntity">
+      <xs:complexType>
+        <xs:sequence>
+          <xs:element ref="pc:EntityDisplayName" minOccurs="0"/>
+          <xs:element ref="pc:EntityInstanceReference" minOccurs="0"/>
+          <xs:element ref="pc:EntityId1" minOccurs="0"/>
+          <xs:element ref="pc:EntityId2" minOccurs="0"/>
+          <xs:element ref="pc:EntityId3" minOccurs="0"/>
+          <xs:element ref="pc:EntityId4" minOccurs="0"/>
+          <xs:element ref="pc:EntityId5" minOccurs="0"/>
+        </xs:sequence>
+      </xs:complexType>
+    </xs:element>
+    <xs:element name="EntityDisplayName" type="xs:string"/>
+    <xs:element name="EntityInstanceReference" type="xs:string"/>
+    <xs:element name="EntityId1" type="xs:string"/>
+    <xs:element name="EntityId2" type="xs:string"/>
+    <xs:element name="EntityId3" type="xs:string"/>
+    <xs:element name="EntityId4" type="xs:string"/>
+    <xs:element name="EntityId5" type="xs:string"/>
+    <xs:element name="Terms">
+      <xs:complexType>
+        <xs:sequence>
+          <xs:element ref="pc:TermInfo" minOccurs="0" maxOccurs="unbounded"/>
+        </xs:sequence>
+      </xs:complexType>
+    </xs:element>
+    <xs:element name="TermInfo">
+      <xs:complexType>
+        <xs:sequence>
+          <xs:element ref="pc:TermName" minOccurs="0"/>
+          <xs:element ref="pc:TermId" minOccurs="0"/>
+        </xs:sequence>
+      </xs:complexType>
+    </xs:element>
+    <xs:element name="TermName" type="xs:string"/>
+    <xs:element name="TermId" type="xs:string"/>
+  </xs:schema>
+</ct:contentTypeSchema>
+</file>
+
+<file path=customXml/item2.xml><?xml version="1.0" encoding="utf-8"?>
+<?mso-contentType ?>
+<FormTemplates xmlns="http://schemas.microsoft.com/sharepoint/v3/contenttype/forms">
+  <Display>DocumentLibraryForm</Display>
+  <Edit>DocumentLibraryForm</Edit>
+  <New>DocumentLibraryForm</New>
+</FormTemplates>
+</file>
+
+<file path=customXml/item3.xml><?xml version="1.0" encoding="utf-8"?>
+<p:properties xmlns:p="http://schemas.microsoft.com/office/2006/metadata/properties" xmlns:xsi="http://www.w3.org/2001/XMLSchema-instance" xmlns:pc="http://schemas.microsoft.com/office/infopath/2007/PartnerControls">
+  <documentManagement>
+    <_ip_UnifiedCompliancePolicyUIAction xmlns="http://schemas.microsoft.com/sharepoint/v3" xsi:nil="true"/>
+    <_activity xmlns="ccb45925-e721-480f-9825-d50a67497082" xsi:nil="true"/>
+    <_ip_UnifiedCompliancePolicyProperties xmlns="http://schemas.microsoft.com/sharepoint/v3" xsi:nil="true"/>
+  </documentManagement>
+</p:properties>
+</file>
+
+<file path=customXml/itemProps1.xml><?xml version="1.0" encoding="utf-8"?>
+<ds:datastoreItem xmlns:ds="http://schemas.openxmlformats.org/officeDocument/2006/customXml" ds:itemID="{CB3073EB-3AFF-4864-9E19-0FAAC607BDFD}">
+  <ds:schemaRefs>
+    <ds:schemaRef ds:uri="http://schemas.microsoft.com/office/2006/metadata/contentType"/>
+    <ds:schemaRef ds:uri="http://schemas.microsoft.com/office/2006/metadata/properties/metaAttributes"/>
+    <ds:schemaRef ds:uri="http://www.w3.org/2001/XMLSchema"/>
+    <ds:schemaRef ds:uri="http://schemas.microsoft.com/office/2006/metadata/properties"/>
+    <ds:schemaRef ds:uri="http://schemas.microsoft.com/sharepoint/v3"/>
+    <ds:schemaRef ds:uri="ccb45925-e721-480f-9825-d50a67497082"/>
+    <ds:schemaRef ds:uri="0cac4c72-2dee-4718-9f83-e133bcf0cc7c"/>
+    <ds:schemaRef ds:uri="http://schemas.microsoft.com/office/2006/documentManagement/types"/>
+    <ds:schemaRef ds:uri="http://schemas.microsoft.com/office/infopath/2007/PartnerControls"/>
+    <ds:schemaRef ds:uri="http://schemas.openxmlformats.org/package/2006/metadata/core-properties"/>
+    <ds:schemaRef ds:uri="http://purl.org/dc/elements/1.1/"/>
+    <ds:schemaRef ds:uri="http://purl.org/dc/terms/"/>
+    <ds:schemaRef ds:uri="http://schemas.microsoft.com/internal/obd"/>
+  </ds:schemaRefs>
+</ds:datastoreItem>
+</file>
+
+<file path=customXml/itemProps2.xml><?xml version="1.0" encoding="utf-8"?>
+<ds:datastoreItem xmlns:ds="http://schemas.openxmlformats.org/officeDocument/2006/customXml" ds:itemID="{6493164E-B0E6-4C53-8C18-BAF32134F0F9}">
+  <ds:schemaRefs>
+    <ds:schemaRef ds:uri="http://schemas.microsoft.com/sharepoint/v3/contenttype/forms"/>
+  </ds:schemaRefs>
+</ds:datastoreItem>
+</file>
+
+<file path=customXml/itemProps3.xml><?xml version="1.0" encoding="utf-8"?>
+<ds:datastoreItem xmlns:ds="http://schemas.openxmlformats.org/officeDocument/2006/customXml" ds:itemID="{090D0084-B018-494E-A5FB-12A17C8DE00C}">
+  <ds:schemaRefs>
+    <ds:schemaRef ds:uri="http://schemas.microsoft.com/office/infopath/2007/PartnerControls"/>
+    <ds:schemaRef ds:uri="ccb45925-e721-480f-9825-d50a67497082"/>
+    <ds:schemaRef ds:uri="http://purl.org/dc/dcmitype/"/>
+    <ds:schemaRef ds:uri="http://schemas.microsoft.com/office/2006/documentManagement/types"/>
+    <ds:schemaRef ds:uri="http://www.w3.org/XML/1998/namespace"/>
+    <ds:schemaRef ds:uri="http://purl.org/dc/elements/1.1/"/>
+    <ds:schemaRef ds:uri="http://schemas.openxmlformats.org/package/2006/metadata/core-properties"/>
+    <ds:schemaRef ds:uri="http://schemas.microsoft.com/office/2006/metadata/properties"/>
+    <ds:schemaRef ds:uri="0cac4c72-2dee-4718-9f83-e133bcf0cc7c"/>
+    <ds:schemaRef ds:uri="http://schemas.microsoft.com/sharepoint/v3"/>
+    <ds:schemaRef ds:uri="http://purl.org/dc/terms/"/>
+  </ds:schemaRefs>
+</ds:datastoreItem>
 </file>